--- a/ppt/Spring-06-SpringJPAH2.pptx
+++ b/ppt/Spring-06-SpringJPAH2.pptx
@@ -5,26 +5,31 @@
     <p:sldMasterId id="2147483653" r:id="rId1"/>
   </p:sldMasterIdLst>
   <p:notesMasterIdLst>
-    <p:notesMasterId r:id="rId16"/>
+    <p:notesMasterId r:id="rId21"/>
   </p:notesMasterIdLst>
   <p:handoutMasterIdLst>
-    <p:handoutMasterId r:id="rId17"/>
+    <p:handoutMasterId r:id="rId22"/>
   </p:handoutMasterIdLst>
   <p:sldIdLst>
     <p:sldId id="264" r:id="rId2"/>
     <p:sldId id="265" r:id="rId3"/>
-    <p:sldId id="273" r:id="rId4"/>
-    <p:sldId id="274" r:id="rId5"/>
-    <p:sldId id="278" r:id="rId6"/>
-    <p:sldId id="279" r:id="rId7"/>
-    <p:sldId id="287" r:id="rId8"/>
-    <p:sldId id="288" r:id="rId9"/>
-    <p:sldId id="280" r:id="rId10"/>
-    <p:sldId id="281" r:id="rId11"/>
-    <p:sldId id="282" r:id="rId12"/>
-    <p:sldId id="283" r:id="rId13"/>
-    <p:sldId id="286" r:id="rId14"/>
-    <p:sldId id="284" r:id="rId15"/>
+    <p:sldId id="305" r:id="rId4"/>
+    <p:sldId id="306" r:id="rId5"/>
+    <p:sldId id="307" r:id="rId6"/>
+    <p:sldId id="308" r:id="rId7"/>
+    <p:sldId id="309" r:id="rId8"/>
+    <p:sldId id="311" r:id="rId9"/>
+    <p:sldId id="312" r:id="rId10"/>
+    <p:sldId id="278" r:id="rId11"/>
+    <p:sldId id="279" r:id="rId12"/>
+    <p:sldId id="287" r:id="rId13"/>
+    <p:sldId id="288" r:id="rId14"/>
+    <p:sldId id="280" r:id="rId15"/>
+    <p:sldId id="281" r:id="rId16"/>
+    <p:sldId id="282" r:id="rId17"/>
+    <p:sldId id="283" r:id="rId18"/>
+    <p:sldId id="286" r:id="rId19"/>
+    <p:sldId id="284" r:id="rId20"/>
   </p:sldIdLst>
   <p:sldSz cx="9144000" cy="6858000" type="screen4x3"/>
   <p:notesSz cx="6648450" cy="9782175"/>
@@ -409,6 +414,11 @@
         </p:txBody>
       </p:sp>
     </p:spTree>
+    <p:extLst>
+      <p:ext uri="{BB962C8B-B14F-4D97-AF65-F5344CB8AC3E}">
+        <p14:creationId xmlns:p14="http://schemas.microsoft.com/office/powerpoint/2010/main" val="1"/>
+      </p:ext>
+    </p:extLst>
   </p:cSld>
   <p:clrMap bg1="lt1" tx1="dk1" bg2="lt2" tx2="dk2" accent1="accent1" accent2="accent2" accent3="accent3" accent4="accent4" accent5="accent5" accent6="accent6" hlink="hlink" folHlink="folHlink"/>
 </p:handoutMaster>
@@ -610,35 +620,35 @@
           <a:p>
             <a:pPr lvl="0"/>
             <a:r>
-              <a:rPr lang="fr-FR" noProof="0" smtClean="0"/>
+              <a:rPr lang="fr-FR" noProof="0"/>
               <a:t>Cliquez pour modifier les styles du texte du masque</a:t>
             </a:r>
           </a:p>
           <a:p>
             <a:pPr lvl="1"/>
             <a:r>
-              <a:rPr lang="fr-FR" noProof="0" smtClean="0"/>
+              <a:rPr lang="fr-FR" noProof="0"/>
               <a:t>Deuxième niveau</a:t>
             </a:r>
           </a:p>
           <a:p>
             <a:pPr lvl="2"/>
             <a:r>
-              <a:rPr lang="fr-FR" noProof="0" smtClean="0"/>
+              <a:rPr lang="fr-FR" noProof="0"/>
               <a:t>Troisième niveau</a:t>
             </a:r>
           </a:p>
           <a:p>
             <a:pPr lvl="3"/>
             <a:r>
-              <a:rPr lang="fr-FR" noProof="0" smtClean="0"/>
+              <a:rPr lang="fr-FR" noProof="0"/>
               <a:t>Quatrième niveau</a:t>
             </a:r>
           </a:p>
           <a:p>
             <a:pPr lvl="4"/>
             <a:r>
-              <a:rPr lang="fr-FR" noProof="0" smtClean="0"/>
+              <a:rPr lang="fr-FR" noProof="0"/>
               <a:t>Cinquième niveau</a:t>
             </a:r>
           </a:p>
@@ -958,7 +968,7 @@
           <a:lstStyle/>
           <a:p>
             <a:r>
-              <a:rPr lang="en-US" altLang="fr-FR" smtClean="0">
+              <a:rPr lang="en-US" altLang="fr-FR">
                 <a:latin typeface="Arial" panose="020B0604020202020204" pitchFamily="34" charset="0"/>
                 <a:cs typeface="Arial" panose="020B0604020202020204" pitchFamily="34" charset="0"/>
               </a:rPr>
@@ -967,7 +977,7 @@
           </a:p>
           <a:p>
             <a:r>
-              <a:rPr lang="en-US" altLang="fr-FR" smtClean="0">
+              <a:rPr lang="en-US" altLang="fr-FR">
                 <a:latin typeface="Arial" panose="020B0604020202020204" pitchFamily="34" charset="0"/>
                 <a:cs typeface="Arial" panose="020B0604020202020204" pitchFamily="34" charset="0"/>
               </a:rPr>
@@ -1003,9 +1013,15 @@
       </p:grpSpPr>
       <p:sp>
         <p:nvSpPr>
-          <p:cNvPr id="8194" name="Rectangle 2"/>
+          <p:cNvPr id="98306" name="Rectangle 2">
+            <a:extLst>
+              <a:ext uri="{FF2B5EF4-FFF2-40B4-BE49-F238E27FC236}">
+                <a16:creationId xmlns:a16="http://schemas.microsoft.com/office/drawing/2014/main" id="{FC90E6E2-5579-4C0F-B38B-CF820DC24E83}"/>
+              </a:ext>
+            </a:extLst>
+          </p:cNvPr>
           <p:cNvSpPr>
-            <a:spLocks noGrp="1" noRot="1" noChangeAspect="1" noChangeArrowheads="1" noTextEdit="1"/>
+            <a:spLocks noChangeArrowheads="1" noTextEdit="1"/>
           </p:cNvSpPr>
           <p:nvPr>
             <p:ph type="sldImg"/>
@@ -1021,7 +1037,13 @@
       </p:sp>
       <p:sp>
         <p:nvSpPr>
-          <p:cNvPr id="8195" name="Rectangle 3"/>
+          <p:cNvPr id="98307" name="Rectangle 3">
+            <a:extLst>
+              <a:ext uri="{FF2B5EF4-FFF2-40B4-BE49-F238E27FC236}">
+                <a16:creationId xmlns:a16="http://schemas.microsoft.com/office/drawing/2014/main" id="{C9109A68-7CF5-41A3-8CC9-1072E9327FB6}"/>
+              </a:ext>
+            </a:extLst>
+          </p:cNvPr>
           <p:cNvSpPr>
             <a:spLocks noGrp="1" noChangeArrowheads="1"/>
           </p:cNvSpPr>
@@ -1062,16 +1084,16 @@
           <a:p>
             <a:pPr eaLnBrk="1" hangingPunct="1"/>
             <a:r>
-              <a:rPr lang="en-US" altLang="fr-FR" smtClean="0">
+              <a:rPr lang="en-US" altLang="fr-FR">
                 <a:latin typeface="Arial" panose="020B0604020202020204" pitchFamily="34" charset="0"/>
                 <a:cs typeface="Arial" panose="020B0604020202020204" pitchFamily="34" charset="0"/>
               </a:rPr>
-              <a:t>&lt;ipf&gt;R,13: Object Persistence Example &lt;/ipf&gt;</a:t>
+              <a:t>&lt;ipf&gt;R,5: Object Persistence Considerations&lt;/ipf&gt;</a:t>
             </a:r>
           </a:p>
           <a:p>
             <a:pPr eaLnBrk="1" hangingPunct="1"/>
-            <a:endParaRPr lang="en-US" altLang="fr-FR" smtClean="0">
+            <a:endParaRPr lang="en-US" altLang="fr-FR">
               <a:latin typeface="Arial" panose="020B0604020202020204" pitchFamily="34" charset="0"/>
               <a:cs typeface="Arial" panose="020B0604020202020204" pitchFamily="34" charset="0"/>
             </a:endParaRPr>
@@ -1105,9 +1127,15 @@
       </p:grpSpPr>
       <p:sp>
         <p:nvSpPr>
-          <p:cNvPr id="10242" name="Rectangle 2"/>
+          <p:cNvPr id="99330" name="Rectangle 2">
+            <a:extLst>
+              <a:ext uri="{FF2B5EF4-FFF2-40B4-BE49-F238E27FC236}">
+                <a16:creationId xmlns:a16="http://schemas.microsoft.com/office/drawing/2014/main" id="{F9B82071-5D54-49F1-A094-129D5C6A9FF7}"/>
+              </a:ext>
+            </a:extLst>
+          </p:cNvPr>
           <p:cNvSpPr>
-            <a:spLocks noGrp="1" noRot="1" noChangeAspect="1" noChangeArrowheads="1" noTextEdit="1"/>
+            <a:spLocks noChangeArrowheads="1" noTextEdit="1"/>
           </p:cNvSpPr>
           <p:nvPr>
             <p:ph type="sldImg"/>
@@ -1123,7 +1151,13 @@
       </p:sp>
       <p:sp>
         <p:nvSpPr>
-          <p:cNvPr id="10243" name="Rectangle 3"/>
+          <p:cNvPr id="99331" name="Rectangle 3">
+            <a:extLst>
+              <a:ext uri="{FF2B5EF4-FFF2-40B4-BE49-F238E27FC236}">
+                <a16:creationId xmlns:a16="http://schemas.microsoft.com/office/drawing/2014/main" id="{07CCDE14-844D-4CD6-AF2E-22B2369A29B5}"/>
+              </a:ext>
+            </a:extLst>
+          </p:cNvPr>
           <p:cNvSpPr>
             <a:spLocks noGrp="1" noChangeArrowheads="1"/>
           </p:cNvSpPr>
@@ -1164,7 +1198,577 @@
           <a:p>
             <a:pPr eaLnBrk="1" hangingPunct="1"/>
             <a:r>
-              <a:rPr lang="en-US" altLang="fr-FR" smtClean="0">
+              <a:rPr lang="en-US" altLang="fr-FR">
+                <a:latin typeface="Arial" panose="020B0604020202020204" pitchFamily="34" charset="0"/>
+                <a:cs typeface="Arial" panose="020B0604020202020204" pitchFamily="34" charset="0"/>
+              </a:rPr>
+              <a:t>&lt;ipf&gt;L,6: Object Relational Mapping (ORM)&lt;/ipf&gt;</a:t>
+            </a:r>
+          </a:p>
+          <a:p>
+            <a:pPr eaLnBrk="1" hangingPunct="1"/>
+            <a:endParaRPr lang="en-US" altLang="fr-FR">
+              <a:latin typeface="Arial" panose="020B0604020202020204" pitchFamily="34" charset="0"/>
+              <a:cs typeface="Arial" panose="020B0604020202020204" pitchFamily="34" charset="0"/>
+            </a:endParaRPr>
+          </a:p>
+        </p:txBody>
+      </p:sp>
+    </p:spTree>
+  </p:cSld>
+  <p:clrMapOvr>
+    <a:masterClrMapping/>
+  </p:clrMapOvr>
+</p:notes>
+</file>
+
+<file path=ppt/notesSlides/notesSlide4.xml><?xml version="1.0" encoding="utf-8"?>
+<p:notes xmlns:a="http://schemas.openxmlformats.org/drawingml/2006/main" xmlns:r="http://schemas.openxmlformats.org/officeDocument/2006/relationships" xmlns:p="http://schemas.openxmlformats.org/presentationml/2006/main">
+  <p:cSld>
+    <p:spTree>
+      <p:nvGrpSpPr>
+        <p:cNvPr id="1" name=""/>
+        <p:cNvGrpSpPr/>
+        <p:nvPr/>
+      </p:nvGrpSpPr>
+      <p:grpSpPr>
+        <a:xfrm>
+          <a:off x="0" y="0"/>
+          <a:ext cx="0" cy="0"/>
+          <a:chOff x="0" y="0"/>
+          <a:chExt cx="0" cy="0"/>
+        </a:xfrm>
+      </p:grpSpPr>
+      <p:sp>
+        <p:nvSpPr>
+          <p:cNvPr id="100354" name="Rectangle 2">
+            <a:extLst>
+              <a:ext uri="{FF2B5EF4-FFF2-40B4-BE49-F238E27FC236}">
+                <a16:creationId xmlns:a16="http://schemas.microsoft.com/office/drawing/2014/main" id="{59294D6E-5572-4592-A1B3-F14D0A22AA3C}"/>
+              </a:ext>
+            </a:extLst>
+          </p:cNvPr>
+          <p:cNvSpPr>
+            <a:spLocks noChangeArrowheads="1" noTextEdit="1"/>
+          </p:cNvSpPr>
+          <p:nvPr>
+            <p:ph type="sldImg"/>
+          </p:nvPr>
+        </p:nvSpPr>
+        <p:spPr>
+          <a:xfrm>
+            <a:off x="877888" y="733425"/>
+            <a:ext cx="4892675" cy="3670300"/>
+          </a:xfrm>
+          <a:ln/>
+        </p:spPr>
+      </p:sp>
+      <p:sp>
+        <p:nvSpPr>
+          <p:cNvPr id="100355" name="Rectangle 3">
+            <a:extLst>
+              <a:ext uri="{FF2B5EF4-FFF2-40B4-BE49-F238E27FC236}">
+                <a16:creationId xmlns:a16="http://schemas.microsoft.com/office/drawing/2014/main" id="{3640E427-3F2A-4DF0-9411-D44D9E9768F9}"/>
+              </a:ext>
+            </a:extLst>
+          </p:cNvPr>
+          <p:cNvSpPr>
+            <a:spLocks noGrp="1" noChangeArrowheads="1"/>
+          </p:cNvSpPr>
+          <p:nvPr>
+            <p:ph type="body" idx="1"/>
+          </p:nvPr>
+        </p:nvSpPr>
+        <p:spPr>
+          <a:xfrm>
+            <a:off x="217488" y="4162425"/>
+            <a:ext cx="6164262" cy="541338"/>
+          </a:xfrm>
+          <a:noFill/>
+          <a:ln/>
+          <a:extLst>
+            <a:ext uri="{909E8E84-426E-40DD-AFC4-6F175D3DCCD1}">
+              <a14:hiddenFill xmlns:a14="http://schemas.microsoft.com/office/drawing/2010/main">
+                <a:solidFill>
+                  <a:srgbClr val="FFFFFF"/>
+                </a:solidFill>
+              </a14:hiddenFill>
+            </a:ext>
+            <a:ext uri="{91240B29-F687-4F45-9708-019B960494DF}">
+              <a14:hiddenLine xmlns:a14="http://schemas.microsoft.com/office/drawing/2010/main" w="9525">
+                <a:solidFill>
+                  <a:srgbClr val="000000"/>
+                </a:solidFill>
+                <a:miter lim="800000"/>
+                <a:headEnd/>
+                <a:tailEnd/>
+              </a14:hiddenLine>
+            </a:ext>
+          </a:extLst>
+        </p:spPr>
+        <p:txBody>
+          <a:bodyPr/>
+          <a:lstStyle/>
+          <a:p>
+            <a:pPr eaLnBrk="1" hangingPunct="1"/>
+            <a:r>
+              <a:rPr lang="en-US" altLang="fr-FR">
+                <a:latin typeface="Arial" panose="020B0604020202020204" pitchFamily="34" charset="0"/>
+                <a:cs typeface="Arial" panose="020B0604020202020204" pitchFamily="34" charset="0"/>
+              </a:rPr>
+              <a:t>&lt;ipf&gt;R,7: ORM Solutions&lt;/ipf&gt;</a:t>
+            </a:r>
+          </a:p>
+          <a:p>
+            <a:pPr eaLnBrk="1" hangingPunct="1"/>
+            <a:endParaRPr lang="en-US" altLang="fr-FR">
+              <a:latin typeface="Arial" panose="020B0604020202020204" pitchFamily="34" charset="0"/>
+              <a:cs typeface="Arial" panose="020B0604020202020204" pitchFamily="34" charset="0"/>
+            </a:endParaRPr>
+          </a:p>
+        </p:txBody>
+      </p:sp>
+    </p:spTree>
+  </p:cSld>
+  <p:clrMapOvr>
+    <a:masterClrMapping/>
+  </p:clrMapOvr>
+</p:notes>
+</file>
+
+<file path=ppt/notesSlides/notesSlide5.xml><?xml version="1.0" encoding="utf-8"?>
+<p:notes xmlns:a="http://schemas.openxmlformats.org/drawingml/2006/main" xmlns:r="http://schemas.openxmlformats.org/officeDocument/2006/relationships" xmlns:p="http://schemas.openxmlformats.org/presentationml/2006/main">
+  <p:cSld>
+    <p:spTree>
+      <p:nvGrpSpPr>
+        <p:cNvPr id="1" name=""/>
+        <p:cNvGrpSpPr/>
+        <p:nvPr/>
+      </p:nvGrpSpPr>
+      <p:grpSpPr>
+        <a:xfrm>
+          <a:off x="0" y="0"/>
+          <a:ext cx="0" cy="0"/>
+          <a:chOff x="0" y="0"/>
+          <a:chExt cx="0" cy="0"/>
+        </a:xfrm>
+      </p:grpSpPr>
+      <p:sp>
+        <p:nvSpPr>
+          <p:cNvPr id="101378" name="Rectangle 2">
+            <a:extLst>
+              <a:ext uri="{FF2B5EF4-FFF2-40B4-BE49-F238E27FC236}">
+                <a16:creationId xmlns:a16="http://schemas.microsoft.com/office/drawing/2014/main" id="{A082E8E0-F690-4FDE-B411-ED462149DD12}"/>
+              </a:ext>
+            </a:extLst>
+          </p:cNvPr>
+          <p:cNvSpPr>
+            <a:spLocks noChangeArrowheads="1" noTextEdit="1"/>
+          </p:cNvSpPr>
+          <p:nvPr>
+            <p:ph type="sldImg"/>
+          </p:nvPr>
+        </p:nvSpPr>
+        <p:spPr>
+          <a:xfrm>
+            <a:off x="1527175" y="239713"/>
+            <a:ext cx="5100638" cy="3825875"/>
+          </a:xfrm>
+          <a:ln/>
+        </p:spPr>
+      </p:sp>
+      <p:sp>
+        <p:nvSpPr>
+          <p:cNvPr id="101379" name="Rectangle 3">
+            <a:extLst>
+              <a:ext uri="{FF2B5EF4-FFF2-40B4-BE49-F238E27FC236}">
+                <a16:creationId xmlns:a16="http://schemas.microsoft.com/office/drawing/2014/main" id="{F6C9EE98-E08B-4F65-B20D-EEE0ECDB6553}"/>
+              </a:ext>
+            </a:extLst>
+          </p:cNvPr>
+          <p:cNvSpPr>
+            <a:spLocks noGrp="1" noChangeArrowheads="1"/>
+          </p:cNvSpPr>
+          <p:nvPr>
+            <p:ph type="body" idx="1"/>
+          </p:nvPr>
+        </p:nvSpPr>
+        <p:spPr>
+          <a:xfrm>
+            <a:off x="217488" y="4175125"/>
+            <a:ext cx="6165850" cy="541338"/>
+          </a:xfrm>
+          <a:noFill/>
+          <a:ln/>
+          <a:extLst>
+            <a:ext uri="{909E8E84-426E-40DD-AFC4-6F175D3DCCD1}">
+              <a14:hiddenFill xmlns:a14="http://schemas.microsoft.com/office/drawing/2010/main">
+                <a:solidFill>
+                  <a:schemeClr val="bg1"/>
+                </a:solidFill>
+              </a14:hiddenFill>
+            </a:ext>
+            <a:ext uri="{91240B29-F687-4F45-9708-019B960494DF}">
+              <a14:hiddenLine xmlns:a14="http://schemas.microsoft.com/office/drawing/2010/main" w="9525">
+                <a:solidFill>
+                  <a:srgbClr val="000000"/>
+                </a:solidFill>
+                <a:miter lim="800000"/>
+                <a:headEnd/>
+                <a:tailEnd/>
+              </a14:hiddenLine>
+            </a:ext>
+          </a:extLst>
+        </p:spPr>
+        <p:txBody>
+          <a:bodyPr/>
+          <a:lstStyle/>
+          <a:p>
+            <a:pPr eaLnBrk="1" hangingPunct="1"/>
+            <a:r>
+              <a:rPr lang="en-US" altLang="fr-FR">
+                <a:latin typeface="Arial" panose="020B0604020202020204" pitchFamily="34" charset="0"/>
+                <a:cs typeface="Arial" panose="020B0604020202020204" pitchFamily="34" charset="0"/>
+              </a:rPr>
+              <a:t>&lt;ipf&gt;R,9: The Intentions of Hibernate&lt;/ipf&gt;</a:t>
+            </a:r>
+          </a:p>
+          <a:p>
+            <a:pPr eaLnBrk="1" hangingPunct="1"/>
+            <a:endParaRPr lang="en-US" altLang="fr-FR">
+              <a:latin typeface="Arial" panose="020B0604020202020204" pitchFamily="34" charset="0"/>
+              <a:cs typeface="Arial" panose="020B0604020202020204" pitchFamily="34" charset="0"/>
+            </a:endParaRPr>
+          </a:p>
+        </p:txBody>
+      </p:sp>
+    </p:spTree>
+  </p:cSld>
+  <p:clrMapOvr>
+    <a:masterClrMapping/>
+  </p:clrMapOvr>
+</p:notes>
+</file>
+
+<file path=ppt/notesSlides/notesSlide6.xml><?xml version="1.0" encoding="utf-8"?>
+<p:notes xmlns:a="http://schemas.openxmlformats.org/drawingml/2006/main" xmlns:r="http://schemas.openxmlformats.org/officeDocument/2006/relationships" xmlns:p="http://schemas.openxmlformats.org/presentationml/2006/main">
+  <p:cSld>
+    <p:spTree>
+      <p:nvGrpSpPr>
+        <p:cNvPr id="1" name=""/>
+        <p:cNvGrpSpPr/>
+        <p:nvPr/>
+      </p:nvGrpSpPr>
+      <p:grpSpPr>
+        <a:xfrm>
+          <a:off x="0" y="0"/>
+          <a:ext cx="0" cy="0"/>
+          <a:chOff x="0" y="0"/>
+          <a:chExt cx="0" cy="0"/>
+        </a:xfrm>
+      </p:grpSpPr>
+      <p:sp>
+        <p:nvSpPr>
+          <p:cNvPr id="102402" name="Rectangle 2">
+            <a:extLst>
+              <a:ext uri="{FF2B5EF4-FFF2-40B4-BE49-F238E27FC236}">
+                <a16:creationId xmlns:a16="http://schemas.microsoft.com/office/drawing/2014/main" id="{67667C34-7F79-4BD5-BCD1-18C30032846C}"/>
+              </a:ext>
+            </a:extLst>
+          </p:cNvPr>
+          <p:cNvSpPr>
+            <a:spLocks noChangeArrowheads="1" noTextEdit="1"/>
+          </p:cNvSpPr>
+          <p:nvPr>
+            <p:ph type="sldImg"/>
+          </p:nvPr>
+        </p:nvSpPr>
+        <p:spPr>
+          <a:xfrm>
+            <a:off x="877888" y="733425"/>
+            <a:ext cx="4892675" cy="3670300"/>
+          </a:xfrm>
+          <a:ln/>
+        </p:spPr>
+      </p:sp>
+      <p:sp>
+        <p:nvSpPr>
+          <p:cNvPr id="102403" name="Rectangle 3">
+            <a:extLst>
+              <a:ext uri="{FF2B5EF4-FFF2-40B4-BE49-F238E27FC236}">
+                <a16:creationId xmlns:a16="http://schemas.microsoft.com/office/drawing/2014/main" id="{A2131638-B24F-4E31-B27C-98D21D075736}"/>
+              </a:ext>
+            </a:extLst>
+          </p:cNvPr>
+          <p:cNvSpPr>
+            <a:spLocks noGrp="1" noChangeArrowheads="1"/>
+          </p:cNvSpPr>
+          <p:nvPr>
+            <p:ph type="body" idx="1"/>
+          </p:nvPr>
+        </p:nvSpPr>
+        <p:spPr>
+          <a:xfrm>
+            <a:off x="217488" y="4162425"/>
+            <a:ext cx="6164262" cy="541338"/>
+          </a:xfrm>
+          <a:noFill/>
+          <a:ln/>
+          <a:extLst>
+            <a:ext uri="{909E8E84-426E-40DD-AFC4-6F175D3DCCD1}">
+              <a14:hiddenFill xmlns:a14="http://schemas.microsoft.com/office/drawing/2010/main">
+                <a:solidFill>
+                  <a:srgbClr val="FFFFFF"/>
+                </a:solidFill>
+              </a14:hiddenFill>
+            </a:ext>
+            <a:ext uri="{91240B29-F687-4F45-9708-019B960494DF}">
+              <a14:hiddenLine xmlns:a14="http://schemas.microsoft.com/office/drawing/2010/main" w="9525">
+                <a:solidFill>
+                  <a:srgbClr val="000000"/>
+                </a:solidFill>
+                <a:miter lim="800000"/>
+                <a:headEnd/>
+                <a:tailEnd/>
+              </a14:hiddenLine>
+            </a:ext>
+          </a:extLst>
+        </p:spPr>
+        <p:txBody>
+          <a:bodyPr/>
+          <a:lstStyle/>
+          <a:p>
+            <a:pPr eaLnBrk="1" hangingPunct="1"/>
+            <a:r>
+              <a:rPr lang="en-US" altLang="fr-FR">
+                <a:latin typeface="Arial" panose="020B0604020202020204" pitchFamily="34" charset="0"/>
+                <a:cs typeface="Arial" panose="020B0604020202020204" pitchFamily="34" charset="0"/>
+              </a:rPr>
+              <a:t>&lt;ipf&gt;L,10: Hibernate Architecture&lt;/ipf&gt;</a:t>
+            </a:r>
+          </a:p>
+          <a:p>
+            <a:pPr eaLnBrk="1" hangingPunct="1"/>
+            <a:endParaRPr lang="en-US" altLang="fr-FR">
+              <a:latin typeface="Arial" panose="020B0604020202020204" pitchFamily="34" charset="0"/>
+              <a:cs typeface="Arial" panose="020B0604020202020204" pitchFamily="34" charset="0"/>
+            </a:endParaRPr>
+          </a:p>
+        </p:txBody>
+      </p:sp>
+    </p:spTree>
+  </p:cSld>
+  <p:clrMapOvr>
+    <a:masterClrMapping/>
+  </p:clrMapOvr>
+</p:notes>
+</file>
+
+<file path=ppt/notesSlides/notesSlide7.xml><?xml version="1.0" encoding="utf-8"?>
+<p:notes xmlns:a="http://schemas.openxmlformats.org/drawingml/2006/main" xmlns:r="http://schemas.openxmlformats.org/officeDocument/2006/relationships" xmlns:p="http://schemas.openxmlformats.org/presentationml/2006/main">
+  <p:cSld>
+    <p:spTree>
+      <p:nvGrpSpPr>
+        <p:cNvPr id="1" name=""/>
+        <p:cNvGrpSpPr/>
+        <p:nvPr/>
+      </p:nvGrpSpPr>
+      <p:grpSpPr>
+        <a:xfrm>
+          <a:off x="0" y="0"/>
+          <a:ext cx="0" cy="0"/>
+          <a:chOff x="0" y="0"/>
+          <a:chExt cx="0" cy="0"/>
+        </a:xfrm>
+      </p:grpSpPr>
+      <p:sp>
+        <p:nvSpPr>
+          <p:cNvPr id="104450" name="Rectangle 2">
+            <a:extLst>
+              <a:ext uri="{FF2B5EF4-FFF2-40B4-BE49-F238E27FC236}">
+                <a16:creationId xmlns:a16="http://schemas.microsoft.com/office/drawing/2014/main" id="{801741F5-3B1B-4F72-B142-DA677E821A6C}"/>
+              </a:ext>
+            </a:extLst>
+          </p:cNvPr>
+          <p:cNvSpPr>
+            <a:spLocks noChangeArrowheads="1" noTextEdit="1"/>
+          </p:cNvSpPr>
+          <p:nvPr>
+            <p:ph type="sldImg"/>
+          </p:nvPr>
+        </p:nvSpPr>
+        <p:spPr>
+          <a:xfrm>
+            <a:off x="877888" y="733425"/>
+            <a:ext cx="4892675" cy="3670300"/>
+          </a:xfrm>
+          <a:ln/>
+        </p:spPr>
+      </p:sp>
+      <p:sp>
+        <p:nvSpPr>
+          <p:cNvPr id="104451" name="Rectangle 3">
+            <a:extLst>
+              <a:ext uri="{FF2B5EF4-FFF2-40B4-BE49-F238E27FC236}">
+                <a16:creationId xmlns:a16="http://schemas.microsoft.com/office/drawing/2014/main" id="{ECEB8C5E-C8BE-4E93-A386-D688CBA3E66E}"/>
+              </a:ext>
+            </a:extLst>
+          </p:cNvPr>
+          <p:cNvSpPr>
+            <a:spLocks noGrp="1" noChangeArrowheads="1"/>
+          </p:cNvSpPr>
+          <p:nvPr>
+            <p:ph type="body" idx="1"/>
+          </p:nvPr>
+        </p:nvSpPr>
+        <p:spPr>
+          <a:xfrm>
+            <a:off x="217488" y="4162425"/>
+            <a:ext cx="6164262" cy="541338"/>
+          </a:xfrm>
+          <a:noFill/>
+          <a:ln/>
+          <a:extLst>
+            <a:ext uri="{909E8E84-426E-40DD-AFC4-6F175D3DCCD1}">
+              <a14:hiddenFill xmlns:a14="http://schemas.microsoft.com/office/drawing/2010/main">
+                <a:solidFill>
+                  <a:srgbClr val="FFFFFF"/>
+                </a:solidFill>
+              </a14:hiddenFill>
+            </a:ext>
+            <a:ext uri="{91240B29-F687-4F45-9708-019B960494DF}">
+              <a14:hiddenLine xmlns:a14="http://schemas.microsoft.com/office/drawing/2010/main" w="9525">
+                <a:solidFill>
+                  <a:srgbClr val="000000"/>
+                </a:solidFill>
+                <a:miter lim="800000"/>
+                <a:headEnd/>
+                <a:tailEnd/>
+              </a14:hiddenLine>
+            </a:ext>
+          </a:extLst>
+        </p:spPr>
+        <p:txBody>
+          <a:bodyPr/>
+          <a:lstStyle/>
+          <a:p>
+            <a:pPr eaLnBrk="1" hangingPunct="1"/>
+            <a:r>
+              <a:rPr lang="en-US" altLang="fr-FR">
+                <a:latin typeface="Arial" panose="020B0604020202020204" pitchFamily="34" charset="0"/>
+                <a:cs typeface="Arial" panose="020B0604020202020204" pitchFamily="34" charset="0"/>
+              </a:rPr>
+              <a:t>&lt;ipf&gt;R,13: Object Persistence Example &lt;/ipf&gt;</a:t>
+            </a:r>
+          </a:p>
+          <a:p>
+            <a:pPr eaLnBrk="1" hangingPunct="1"/>
+            <a:endParaRPr lang="en-US" altLang="fr-FR">
+              <a:latin typeface="Arial" panose="020B0604020202020204" pitchFamily="34" charset="0"/>
+              <a:cs typeface="Arial" panose="020B0604020202020204" pitchFamily="34" charset="0"/>
+            </a:endParaRPr>
+          </a:p>
+        </p:txBody>
+      </p:sp>
+    </p:spTree>
+  </p:cSld>
+  <p:clrMapOvr>
+    <a:masterClrMapping/>
+  </p:clrMapOvr>
+</p:notes>
+</file>
+
+<file path=ppt/notesSlides/notesSlide8.xml><?xml version="1.0" encoding="utf-8"?>
+<p:notes xmlns:a="http://schemas.openxmlformats.org/drawingml/2006/main" xmlns:r="http://schemas.openxmlformats.org/officeDocument/2006/relationships" xmlns:p="http://schemas.openxmlformats.org/presentationml/2006/main">
+  <p:cSld>
+    <p:spTree>
+      <p:nvGrpSpPr>
+        <p:cNvPr id="1" name=""/>
+        <p:cNvGrpSpPr/>
+        <p:nvPr/>
+      </p:nvGrpSpPr>
+      <p:grpSpPr>
+        <a:xfrm>
+          <a:off x="0" y="0"/>
+          <a:ext cx="0" cy="0"/>
+          <a:chOff x="0" y="0"/>
+          <a:chExt cx="0" cy="0"/>
+        </a:xfrm>
+      </p:grpSpPr>
+      <p:sp>
+        <p:nvSpPr>
+          <p:cNvPr id="105474" name="Rectangle 2">
+            <a:extLst>
+              <a:ext uri="{FF2B5EF4-FFF2-40B4-BE49-F238E27FC236}">
+                <a16:creationId xmlns:a16="http://schemas.microsoft.com/office/drawing/2014/main" id="{3A412D1D-5444-4C90-A331-631643CECEFB}"/>
+              </a:ext>
+            </a:extLst>
+          </p:cNvPr>
+          <p:cNvSpPr>
+            <a:spLocks noChangeArrowheads="1" noTextEdit="1"/>
+          </p:cNvSpPr>
+          <p:nvPr>
+            <p:ph type="sldImg"/>
+          </p:nvPr>
+        </p:nvSpPr>
+        <p:spPr>
+          <a:xfrm>
+            <a:off x="877888" y="733425"/>
+            <a:ext cx="4892675" cy="3670300"/>
+          </a:xfrm>
+          <a:ln/>
+        </p:spPr>
+      </p:sp>
+      <p:sp>
+        <p:nvSpPr>
+          <p:cNvPr id="105475" name="Rectangle 3">
+            <a:extLst>
+              <a:ext uri="{FF2B5EF4-FFF2-40B4-BE49-F238E27FC236}">
+                <a16:creationId xmlns:a16="http://schemas.microsoft.com/office/drawing/2014/main" id="{B22CD6DC-E899-4C85-9DCD-D00AD2878B0D}"/>
+              </a:ext>
+            </a:extLst>
+          </p:cNvPr>
+          <p:cNvSpPr>
+            <a:spLocks noGrp="1" noChangeArrowheads="1"/>
+          </p:cNvSpPr>
+          <p:nvPr>
+            <p:ph type="body" idx="1"/>
+          </p:nvPr>
+        </p:nvSpPr>
+        <p:spPr>
+          <a:xfrm>
+            <a:off x="217488" y="4162425"/>
+            <a:ext cx="6164262" cy="541338"/>
+          </a:xfrm>
+          <a:noFill/>
+          <a:ln/>
+          <a:extLst>
+            <a:ext uri="{909E8E84-426E-40DD-AFC4-6F175D3DCCD1}">
+              <a14:hiddenFill xmlns:a14="http://schemas.microsoft.com/office/drawing/2010/main">
+                <a:solidFill>
+                  <a:srgbClr val="FFFFFF"/>
+                </a:solidFill>
+              </a14:hiddenFill>
+            </a:ext>
+            <a:ext uri="{91240B29-F687-4F45-9708-019B960494DF}">
+              <a14:hiddenLine xmlns:a14="http://schemas.microsoft.com/office/drawing/2010/main" w="9525">
+                <a:solidFill>
+                  <a:srgbClr val="000000"/>
+                </a:solidFill>
+                <a:miter lim="800000"/>
+                <a:headEnd/>
+                <a:tailEnd/>
+              </a14:hiddenLine>
+            </a:ext>
+          </a:extLst>
+        </p:spPr>
+        <p:txBody>
+          <a:bodyPr/>
+          <a:lstStyle/>
+          <a:p>
+            <a:pPr eaLnBrk="1" hangingPunct="1"/>
+            <a:r>
+              <a:rPr lang="en-US" altLang="fr-FR">
                 <a:latin typeface="Arial" panose="020B0604020202020204" pitchFamily="34" charset="0"/>
                 <a:cs typeface="Arial" panose="020B0604020202020204" pitchFamily="34" charset="0"/>
               </a:rPr>
@@ -1173,7 +1777,7 @@
           </a:p>
           <a:p>
             <a:pPr eaLnBrk="1" hangingPunct="1"/>
-            <a:endParaRPr lang="en-US" altLang="fr-FR" smtClean="0">
+            <a:endParaRPr lang="en-US" altLang="fr-FR">
               <a:latin typeface="Arial" panose="020B0604020202020204" pitchFamily="34" charset="0"/>
               <a:cs typeface="Arial" panose="020B0604020202020204" pitchFamily="34" charset="0"/>
             </a:endParaRPr>
@@ -1226,10 +1830,9 @@
           <a:lstStyle/>
           <a:p>
             <a:r>
-              <a:rPr lang="fr-FR" smtClean="0"/>
+              <a:rPr lang="fr-FR"/>
               <a:t>Cliquez pour modifier le style du titre</a:t>
             </a:r>
-            <a:endParaRPr lang="fr-FR"/>
           </a:p>
         </p:txBody>
       </p:sp>
@@ -1291,10 +1894,9 @@
           </a:lstStyle>
           <a:p>
             <a:r>
-              <a:rPr lang="fr-FR" smtClean="0"/>
+              <a:rPr lang="fr-FR"/>
               <a:t>Cliquez pour modifier le style des sous-titres du masque</a:t>
             </a:r>
-            <a:endParaRPr lang="fr-FR"/>
           </a:p>
         </p:txBody>
       </p:sp>
@@ -1344,10 +1946,9 @@
           <a:lstStyle/>
           <a:p>
             <a:r>
-              <a:rPr lang="fr-FR" smtClean="0"/>
+              <a:rPr lang="fr-FR"/>
               <a:t>Cliquez pour modifier le style du titre</a:t>
             </a:r>
-            <a:endParaRPr lang="fr-FR"/>
           </a:p>
         </p:txBody>
       </p:sp>
@@ -1368,38 +1969,37 @@
           <a:p>
             <a:pPr lvl="0"/>
             <a:r>
-              <a:rPr lang="fr-FR" smtClean="0"/>
+              <a:rPr lang="fr-FR"/>
               <a:t>Cliquez pour modifier les styles du texte du masque</a:t>
             </a:r>
           </a:p>
           <a:p>
             <a:pPr lvl="1"/>
             <a:r>
-              <a:rPr lang="fr-FR" smtClean="0"/>
+              <a:rPr lang="fr-FR"/>
               <a:t>Deuxième niveau</a:t>
             </a:r>
           </a:p>
           <a:p>
             <a:pPr lvl="2"/>
             <a:r>
-              <a:rPr lang="fr-FR" smtClean="0"/>
+              <a:rPr lang="fr-FR"/>
               <a:t>Troisième niveau</a:t>
             </a:r>
           </a:p>
           <a:p>
             <a:pPr lvl="3"/>
             <a:r>
-              <a:rPr lang="fr-FR" smtClean="0"/>
+              <a:rPr lang="fr-FR"/>
               <a:t>Quatrième niveau</a:t>
             </a:r>
           </a:p>
           <a:p>
             <a:pPr lvl="4"/>
             <a:r>
-              <a:rPr lang="fr-FR" smtClean="0"/>
+              <a:rPr lang="fr-FR"/>
               <a:t>Cinquième niveau</a:t>
             </a:r>
-            <a:endParaRPr lang="fr-FR"/>
           </a:p>
         </p:txBody>
       </p:sp>
@@ -1454,10 +2054,9 @@
           <a:lstStyle/>
           <a:p>
             <a:r>
-              <a:rPr lang="fr-FR" smtClean="0"/>
+              <a:rPr lang="fr-FR"/>
               <a:t>Cliquez pour modifier le style du titre</a:t>
             </a:r>
-            <a:endParaRPr lang="fr-FR"/>
           </a:p>
         </p:txBody>
       </p:sp>
@@ -1483,38 +2082,37 @@
           <a:p>
             <a:pPr lvl="0"/>
             <a:r>
-              <a:rPr lang="fr-FR" smtClean="0"/>
+              <a:rPr lang="fr-FR"/>
               <a:t>Cliquez pour modifier les styles du texte du masque</a:t>
             </a:r>
           </a:p>
           <a:p>
             <a:pPr lvl="1"/>
             <a:r>
-              <a:rPr lang="fr-FR" smtClean="0"/>
+              <a:rPr lang="fr-FR"/>
               <a:t>Deuxième niveau</a:t>
             </a:r>
           </a:p>
           <a:p>
             <a:pPr lvl="2"/>
             <a:r>
-              <a:rPr lang="fr-FR" smtClean="0"/>
+              <a:rPr lang="fr-FR"/>
               <a:t>Troisième niveau</a:t>
             </a:r>
           </a:p>
           <a:p>
             <a:pPr lvl="3"/>
             <a:r>
-              <a:rPr lang="fr-FR" smtClean="0"/>
+              <a:rPr lang="fr-FR"/>
               <a:t>Quatrième niveau</a:t>
             </a:r>
           </a:p>
           <a:p>
             <a:pPr lvl="4"/>
             <a:r>
-              <a:rPr lang="fr-FR" smtClean="0"/>
+              <a:rPr lang="fr-FR"/>
               <a:t>Cinquième niveau</a:t>
             </a:r>
-            <a:endParaRPr lang="fr-FR"/>
           </a:p>
         </p:txBody>
       </p:sp>
@@ -1564,10 +2162,9 @@
           <a:lstStyle/>
           <a:p>
             <a:r>
-              <a:rPr lang="fr-FR" smtClean="0"/>
+              <a:rPr lang="fr-FR"/>
               <a:t>Cliquez pour modifier le style du titre</a:t>
             </a:r>
-            <a:endParaRPr lang="fr-FR"/>
           </a:p>
         </p:txBody>
       </p:sp>
@@ -1588,38 +2185,37 @@
           <a:p>
             <a:pPr lvl="0"/>
             <a:r>
-              <a:rPr lang="fr-FR" smtClean="0"/>
+              <a:rPr lang="fr-FR"/>
               <a:t>Cliquez pour modifier les styles du texte du masque</a:t>
             </a:r>
           </a:p>
           <a:p>
             <a:pPr lvl="1"/>
             <a:r>
-              <a:rPr lang="fr-FR" smtClean="0"/>
+              <a:rPr lang="fr-FR"/>
               <a:t>Deuxième niveau</a:t>
             </a:r>
           </a:p>
           <a:p>
             <a:pPr lvl="2"/>
             <a:r>
-              <a:rPr lang="fr-FR" smtClean="0"/>
+              <a:rPr lang="fr-FR"/>
               <a:t>Troisième niveau</a:t>
             </a:r>
           </a:p>
           <a:p>
             <a:pPr lvl="3"/>
             <a:r>
-              <a:rPr lang="fr-FR" smtClean="0"/>
+              <a:rPr lang="fr-FR"/>
               <a:t>Quatrième niveau</a:t>
             </a:r>
           </a:p>
           <a:p>
             <a:pPr lvl="4"/>
             <a:r>
-              <a:rPr lang="fr-FR" smtClean="0"/>
+              <a:rPr lang="fr-FR"/>
               <a:t>Cinquième niveau</a:t>
             </a:r>
-            <a:endParaRPr lang="fr-FR"/>
           </a:p>
         </p:txBody>
       </p:sp>
@@ -1678,10 +2274,9 @@
           </a:lstStyle>
           <a:p>
             <a:r>
-              <a:rPr lang="fr-FR" smtClean="0"/>
+              <a:rPr lang="fr-FR"/>
               <a:t>Cliquez pour modifier le style du titre</a:t>
             </a:r>
-            <a:endParaRPr lang="fr-FR"/>
           </a:p>
         </p:txBody>
       </p:sp>
@@ -1744,7 +2339,7 @@
           <a:p>
             <a:pPr lvl="0"/>
             <a:r>
-              <a:rPr lang="fr-FR" smtClean="0"/>
+              <a:rPr lang="fr-FR"/>
               <a:t>Cliquez pour modifier les styles du texte du masque</a:t>
             </a:r>
           </a:p>
@@ -1796,10 +2391,9 @@
           <a:lstStyle/>
           <a:p>
             <a:r>
-              <a:rPr lang="fr-FR" smtClean="0"/>
+              <a:rPr lang="fr-FR"/>
               <a:t>Cliquez pour modifier le style du titre</a:t>
             </a:r>
-            <a:endParaRPr lang="fr-FR"/>
           </a:p>
         </p:txBody>
       </p:sp>
@@ -1853,38 +2447,37 @@
           <a:p>
             <a:pPr lvl="0"/>
             <a:r>
-              <a:rPr lang="fr-FR" smtClean="0"/>
+              <a:rPr lang="fr-FR"/>
               <a:t>Cliquez pour modifier les styles du texte du masque</a:t>
             </a:r>
           </a:p>
           <a:p>
             <a:pPr lvl="1"/>
             <a:r>
-              <a:rPr lang="fr-FR" smtClean="0"/>
+              <a:rPr lang="fr-FR"/>
               <a:t>Deuxième niveau</a:t>
             </a:r>
           </a:p>
           <a:p>
             <a:pPr lvl="2"/>
             <a:r>
-              <a:rPr lang="fr-FR" smtClean="0"/>
+              <a:rPr lang="fr-FR"/>
               <a:t>Troisième niveau</a:t>
             </a:r>
           </a:p>
           <a:p>
             <a:pPr lvl="3"/>
             <a:r>
-              <a:rPr lang="fr-FR" smtClean="0"/>
+              <a:rPr lang="fr-FR"/>
               <a:t>Quatrième niveau</a:t>
             </a:r>
           </a:p>
           <a:p>
             <a:pPr lvl="4"/>
             <a:r>
-              <a:rPr lang="fr-FR" smtClean="0"/>
+              <a:rPr lang="fr-FR"/>
               <a:t>Cinquième niveau</a:t>
             </a:r>
-            <a:endParaRPr lang="fr-FR"/>
           </a:p>
         </p:txBody>
       </p:sp>
@@ -1938,38 +2531,37 @@
           <a:p>
             <a:pPr lvl="0"/>
             <a:r>
-              <a:rPr lang="fr-FR" smtClean="0"/>
+              <a:rPr lang="fr-FR"/>
               <a:t>Cliquez pour modifier les styles du texte du masque</a:t>
             </a:r>
           </a:p>
           <a:p>
             <a:pPr lvl="1"/>
             <a:r>
-              <a:rPr lang="fr-FR" smtClean="0"/>
+              <a:rPr lang="fr-FR"/>
               <a:t>Deuxième niveau</a:t>
             </a:r>
           </a:p>
           <a:p>
             <a:pPr lvl="2"/>
             <a:r>
-              <a:rPr lang="fr-FR" smtClean="0"/>
+              <a:rPr lang="fr-FR"/>
               <a:t>Troisième niveau</a:t>
             </a:r>
           </a:p>
           <a:p>
             <a:pPr lvl="3"/>
             <a:r>
-              <a:rPr lang="fr-FR" smtClean="0"/>
+              <a:rPr lang="fr-FR"/>
               <a:t>Quatrième niveau</a:t>
             </a:r>
           </a:p>
           <a:p>
             <a:pPr lvl="4"/>
             <a:r>
-              <a:rPr lang="fr-FR" smtClean="0"/>
+              <a:rPr lang="fr-FR"/>
               <a:t>Cinquième niveau</a:t>
             </a:r>
-            <a:endParaRPr lang="fr-FR"/>
           </a:p>
         </p:txBody>
       </p:sp>
@@ -2028,10 +2620,9 @@
           </a:lstStyle>
           <a:p>
             <a:r>
-              <a:rPr lang="fr-FR" smtClean="0"/>
+              <a:rPr lang="fr-FR"/>
               <a:t>Cliquez pour modifier le style du titre</a:t>
             </a:r>
-            <a:endParaRPr lang="fr-FR"/>
           </a:p>
         </p:txBody>
       </p:sp>
@@ -2094,7 +2685,7 @@
           <a:p>
             <a:pPr lvl="0"/>
             <a:r>
-              <a:rPr lang="fr-FR" smtClean="0"/>
+              <a:rPr lang="fr-FR"/>
               <a:t>Cliquez pour modifier les styles du texte du masque</a:t>
             </a:r>
           </a:p>
@@ -2150,38 +2741,37 @@
           <a:p>
             <a:pPr lvl="0"/>
             <a:r>
-              <a:rPr lang="fr-FR" smtClean="0"/>
+              <a:rPr lang="fr-FR"/>
               <a:t>Cliquez pour modifier les styles du texte du masque</a:t>
             </a:r>
           </a:p>
           <a:p>
             <a:pPr lvl="1"/>
             <a:r>
-              <a:rPr lang="fr-FR" smtClean="0"/>
+              <a:rPr lang="fr-FR"/>
               <a:t>Deuxième niveau</a:t>
             </a:r>
           </a:p>
           <a:p>
             <a:pPr lvl="2"/>
             <a:r>
-              <a:rPr lang="fr-FR" smtClean="0"/>
+              <a:rPr lang="fr-FR"/>
               <a:t>Troisième niveau</a:t>
             </a:r>
           </a:p>
           <a:p>
             <a:pPr lvl="3"/>
             <a:r>
-              <a:rPr lang="fr-FR" smtClean="0"/>
+              <a:rPr lang="fr-FR"/>
               <a:t>Quatrième niveau</a:t>
             </a:r>
           </a:p>
           <a:p>
             <a:pPr lvl="4"/>
             <a:r>
-              <a:rPr lang="fr-FR" smtClean="0"/>
+              <a:rPr lang="fr-FR"/>
               <a:t>Cinquième niveau</a:t>
             </a:r>
-            <a:endParaRPr lang="fr-FR"/>
           </a:p>
         </p:txBody>
       </p:sp>
@@ -2244,7 +2834,7 @@
           <a:p>
             <a:pPr lvl="0"/>
             <a:r>
-              <a:rPr lang="fr-FR" smtClean="0"/>
+              <a:rPr lang="fr-FR"/>
               <a:t>Cliquez pour modifier les styles du texte du masque</a:t>
             </a:r>
           </a:p>
@@ -2300,38 +2890,37 @@
           <a:p>
             <a:pPr lvl="0"/>
             <a:r>
-              <a:rPr lang="fr-FR" smtClean="0"/>
+              <a:rPr lang="fr-FR"/>
               <a:t>Cliquez pour modifier les styles du texte du masque</a:t>
             </a:r>
           </a:p>
           <a:p>
             <a:pPr lvl="1"/>
             <a:r>
-              <a:rPr lang="fr-FR" smtClean="0"/>
+              <a:rPr lang="fr-FR"/>
               <a:t>Deuxième niveau</a:t>
             </a:r>
           </a:p>
           <a:p>
             <a:pPr lvl="2"/>
             <a:r>
-              <a:rPr lang="fr-FR" smtClean="0"/>
+              <a:rPr lang="fr-FR"/>
               <a:t>Troisième niveau</a:t>
             </a:r>
           </a:p>
           <a:p>
             <a:pPr lvl="3"/>
             <a:r>
-              <a:rPr lang="fr-FR" smtClean="0"/>
+              <a:rPr lang="fr-FR"/>
               <a:t>Quatrième niveau</a:t>
             </a:r>
           </a:p>
           <a:p>
             <a:pPr lvl="4"/>
             <a:r>
-              <a:rPr lang="fr-FR" smtClean="0"/>
+              <a:rPr lang="fr-FR"/>
               <a:t>Cinquième niveau</a:t>
             </a:r>
-            <a:endParaRPr lang="fr-FR"/>
           </a:p>
         </p:txBody>
       </p:sp>
@@ -2381,10 +2970,9 @@
           <a:lstStyle/>
           <a:p>
             <a:r>
-              <a:rPr lang="fr-FR" smtClean="0"/>
+              <a:rPr lang="fr-FR"/>
               <a:t>Cliquez pour modifier le style du titre</a:t>
             </a:r>
-            <a:endParaRPr lang="fr-FR"/>
           </a:p>
         </p:txBody>
       </p:sp>
@@ -2473,10 +3061,9 @@
           </a:lstStyle>
           <a:p>
             <a:r>
-              <a:rPr lang="fr-FR" smtClean="0"/>
+              <a:rPr lang="fr-FR"/>
               <a:t>Cliquez pour modifier le style du titre</a:t>
             </a:r>
-            <a:endParaRPr lang="fr-FR"/>
           </a:p>
         </p:txBody>
       </p:sp>
@@ -2530,38 +3117,37 @@
           <a:p>
             <a:pPr lvl="0"/>
             <a:r>
-              <a:rPr lang="fr-FR" smtClean="0"/>
+              <a:rPr lang="fr-FR"/>
               <a:t>Cliquez pour modifier les styles du texte du masque</a:t>
             </a:r>
           </a:p>
           <a:p>
             <a:pPr lvl="1"/>
             <a:r>
-              <a:rPr lang="fr-FR" smtClean="0"/>
+              <a:rPr lang="fr-FR"/>
               <a:t>Deuxième niveau</a:t>
             </a:r>
           </a:p>
           <a:p>
             <a:pPr lvl="2"/>
             <a:r>
-              <a:rPr lang="fr-FR" smtClean="0"/>
+              <a:rPr lang="fr-FR"/>
               <a:t>Troisième niveau</a:t>
             </a:r>
           </a:p>
           <a:p>
             <a:pPr lvl="3"/>
             <a:r>
-              <a:rPr lang="fr-FR" smtClean="0"/>
+              <a:rPr lang="fr-FR"/>
               <a:t>Quatrième niveau</a:t>
             </a:r>
           </a:p>
           <a:p>
             <a:pPr lvl="4"/>
             <a:r>
-              <a:rPr lang="fr-FR" smtClean="0"/>
+              <a:rPr lang="fr-FR"/>
               <a:t>Cinquième niveau</a:t>
             </a:r>
-            <a:endParaRPr lang="fr-FR"/>
           </a:p>
         </p:txBody>
       </p:sp>
@@ -2624,7 +3210,7 @@
           <a:p>
             <a:pPr lvl="0"/>
             <a:r>
-              <a:rPr lang="fr-FR" smtClean="0"/>
+              <a:rPr lang="fr-FR"/>
               <a:t>Cliquez pour modifier les styles du texte du masque</a:t>
             </a:r>
           </a:p>
@@ -2685,10 +3271,9 @@
           </a:lstStyle>
           <a:p>
             <a:r>
-              <a:rPr lang="fr-FR" smtClean="0"/>
+              <a:rPr lang="fr-FR"/>
               <a:t>Cliquez pour modifier le style du titre</a:t>
             </a:r>
-            <a:endParaRPr lang="fr-FR"/>
           </a:p>
         </p:txBody>
       </p:sp>
@@ -2750,7 +3335,7 @@
           </a:lstStyle>
           <a:p>
             <a:pPr lvl="0"/>
-            <a:endParaRPr lang="fr-FR" noProof="0" smtClean="0"/>
+            <a:endParaRPr lang="fr-FR" noProof="0"/>
           </a:p>
         </p:txBody>
       </p:sp>
@@ -2813,7 +3398,7 @@
           <a:p>
             <a:pPr lvl="0"/>
             <a:r>
-              <a:rPr lang="fr-FR" smtClean="0"/>
+              <a:rPr lang="fr-FR"/>
               <a:t>Cliquez pour modifier les styles du texte du masque</a:t>
             </a:r>
           </a:p>
@@ -2996,7 +3581,7 @@
             <a:pPr eaLnBrk="1" hangingPunct="1">
               <a:defRPr/>
             </a:pPr>
-            <a:endParaRPr lang="fr-FR" altLang="fr-FR" smtClean="0"/>
+            <a:endParaRPr lang="fr-FR" altLang="fr-FR"/>
           </a:p>
         </p:txBody>
       </p:sp>
@@ -3150,7 +3735,7 @@
               <a:defRPr/>
             </a:pPr>
             <a:r>
-              <a:rPr lang="fr-FR" altLang="fr-FR" sz="1200" smtClean="0"/>
+              <a:rPr lang="fr-FR" altLang="fr-FR" sz="1200"/>
               <a:t>Page </a:t>
             </a:r>
             <a:fld id="{7A4742FB-E6AA-4D82-AC04-EA1C834C892E}" type="slidenum">
@@ -3163,7 +3748,7 @@
               </a:pPr>
               <a:t>‹N°›</a:t>
             </a:fld>
-            <a:endParaRPr lang="fr-FR" altLang="fr-FR" smtClean="0">
+            <a:endParaRPr lang="fr-FR" altLang="fr-FR">
               <a:latin typeface="Times New Roman" panose="02020603050405020304" pitchFamily="18" charset="0"/>
             </a:endParaRPr>
           </a:p>
@@ -3221,7 +3806,7 @@
           <a:p>
             <a:pPr lvl="0"/>
             <a:r>
-              <a:rPr lang="fr-FR" altLang="fr-FR" smtClean="0"/>
+              <a:rPr lang="fr-FR" altLang="fr-FR"/>
               <a:t>Cliquez pour modifier le style du titre du masque</a:t>
             </a:r>
           </a:p>
@@ -3279,35 +3864,35 @@
           <a:p>
             <a:pPr lvl="0"/>
             <a:r>
-              <a:rPr lang="fr-FR" altLang="fr-FR" smtClean="0"/>
+              <a:rPr lang="fr-FR" altLang="fr-FR"/>
               <a:t>Cliquez pour modifier les styles du texte du masque</a:t>
             </a:r>
           </a:p>
           <a:p>
             <a:pPr lvl="1"/>
             <a:r>
-              <a:rPr lang="fr-FR" altLang="fr-FR" smtClean="0"/>
+              <a:rPr lang="fr-FR" altLang="fr-FR"/>
               <a:t>Deuxième niveau</a:t>
             </a:r>
           </a:p>
           <a:p>
             <a:pPr lvl="2"/>
             <a:r>
-              <a:rPr lang="fr-FR" altLang="fr-FR" smtClean="0"/>
+              <a:rPr lang="fr-FR" altLang="fr-FR"/>
               <a:t>Troisième niveau</a:t>
             </a:r>
           </a:p>
           <a:p>
             <a:pPr lvl="3"/>
             <a:r>
-              <a:rPr lang="fr-FR" altLang="fr-FR" smtClean="0"/>
+              <a:rPr lang="fr-FR" altLang="fr-FR"/>
               <a:t>Quatrième niveau</a:t>
             </a:r>
           </a:p>
           <a:p>
             <a:pPr lvl="4"/>
             <a:r>
-              <a:rPr lang="fr-FR" altLang="fr-FR" smtClean="0"/>
+              <a:rPr lang="fr-FR" altLang="fr-FR"/>
               <a:t>Cinquième niveau</a:t>
             </a:r>
           </a:p>
@@ -3463,10 +4048,10 @@
               <a:defRPr/>
             </a:pPr>
             <a:r>
-              <a:rPr lang="fr-FR" sz="1200" smtClean="0"/>
+              <a:rPr lang="fr-FR" sz="1200"/>
               <a:t>© Cyril Vincent Conseil</a:t>
             </a:r>
-            <a:endParaRPr lang="fr-FR" smtClean="0">
+            <a:endParaRPr lang="fr-FR">
               <a:latin typeface="Times New Roman" pitchFamily="18" charset="0"/>
             </a:endParaRPr>
           </a:p>
@@ -3948,12 +4533,12 @@
           <a:lstStyle/>
           <a:p>
             <a:pPr eaLnBrk="1" hangingPunct="1"/>
-            <a:endParaRPr lang="fr-FR" altLang="fr-FR" smtClean="0"/>
+            <a:endParaRPr lang="fr-FR" altLang="fr-FR"/>
           </a:p>
           <a:p>
             <a:pPr eaLnBrk="1" hangingPunct="1"/>
             <a:r>
-              <a:rPr lang="fr-FR" altLang="fr-FR" smtClean="0"/>
+              <a:rPr lang="fr-FR" altLang="fr-FR"/>
               <a:t>Spring JPA avec H2</a:t>
             </a:r>
           </a:p>
@@ -4005,17 +4590,635 @@
   <p:clrMapOvr>
     <a:masterClrMapping/>
   </p:clrMapOvr>
-  <p:timing>
-    <p:tnLst>
-      <p:par>
-        <p:cTn id="1" dur="indefinite" restart="never" nodeType="tmRoot"/>
-      </p:par>
-    </p:tnLst>
-  </p:timing>
 </p:sld>
 </file>
 
 <file path=ppt/slides/slide10.xml><?xml version="1.0" encoding="utf-8"?>
+<p:sld xmlns:a="http://schemas.openxmlformats.org/drawingml/2006/main" xmlns:r="http://schemas.openxmlformats.org/officeDocument/2006/relationships" xmlns:p="http://schemas.openxmlformats.org/presentationml/2006/main">
+  <p:cSld>
+    <p:spTree>
+      <p:nvGrpSpPr>
+        <p:cNvPr id="1" name=""/>
+        <p:cNvGrpSpPr/>
+        <p:nvPr/>
+      </p:nvGrpSpPr>
+      <p:grpSpPr>
+        <a:xfrm>
+          <a:off x="0" y="0"/>
+          <a:ext cx="0" cy="0"/>
+          <a:chOff x="0" y="0"/>
+          <a:chExt cx="0" cy="0"/>
+        </a:xfrm>
+      </p:grpSpPr>
+      <p:sp>
+        <p:nvSpPr>
+          <p:cNvPr id="11266" name="Titre 1"/>
+          <p:cNvSpPr>
+            <a:spLocks noGrp="1"/>
+          </p:cNvSpPr>
+          <p:nvPr>
+            <p:ph type="title"/>
+          </p:nvPr>
+        </p:nvSpPr>
+        <p:spPr/>
+        <p:txBody>
+          <a:bodyPr/>
+          <a:lstStyle/>
+          <a:p>
+            <a:r>
+              <a:rPr lang="fr-FR" altLang="fr-FR"/>
+              <a:t>JPA</a:t>
+            </a:r>
+          </a:p>
+        </p:txBody>
+      </p:sp>
+      <p:sp>
+        <p:nvSpPr>
+          <p:cNvPr id="11267" name="Espace réservé du contenu 2"/>
+          <p:cNvSpPr>
+            <a:spLocks noGrp="1"/>
+          </p:cNvSpPr>
+          <p:nvPr>
+            <p:ph idx="1"/>
+          </p:nvPr>
+        </p:nvSpPr>
+        <p:spPr/>
+        <p:txBody>
+          <a:bodyPr/>
+          <a:lstStyle/>
+          <a:p>
+            <a:r>
+              <a:rPr lang="fr-FR" altLang="fr-FR"/>
+              <a:t>Java Persistence API</a:t>
+            </a:r>
+          </a:p>
+          <a:p>
+            <a:r>
+              <a:rPr lang="fr-FR" altLang="fr-FR"/>
+              <a:t>Basé sur les annotations</a:t>
+            </a:r>
+          </a:p>
+          <a:p>
+            <a:r>
+              <a:rPr lang="fr-FR" altLang="fr-FR"/>
+              <a:t>Inspiré de Hibernate</a:t>
+            </a:r>
+          </a:p>
+          <a:p>
+            <a:r>
+              <a:rPr lang="fr-FR" altLang="fr-FR"/>
+              <a:t>C'est l'interface par-dessus Hibernate</a:t>
+            </a:r>
+          </a:p>
+          <a:p>
+            <a:r>
+              <a:rPr lang="fr-FR" altLang="fr-FR"/>
+              <a:t>Supporte tous les autres ORM (Toplink)</a:t>
+            </a:r>
+          </a:p>
+          <a:p>
+            <a:r>
+              <a:rPr lang="fr-FR" altLang="fr-FR"/>
+              <a:t>N'utilise plus les HBM</a:t>
+            </a:r>
+          </a:p>
+          <a:p>
+            <a:r>
+              <a:rPr lang="fr-FR" altLang="fr-FR"/>
+              <a:t>JPA 2</a:t>
+            </a:r>
+          </a:p>
+          <a:p>
+            <a:endParaRPr lang="fr-FR" altLang="fr-FR"/>
+          </a:p>
+        </p:txBody>
+      </p:sp>
+    </p:spTree>
+  </p:cSld>
+  <p:clrMapOvr>
+    <a:masterClrMapping/>
+  </p:clrMapOvr>
+</p:sld>
+</file>
+
+<file path=ppt/slides/slide11.xml><?xml version="1.0" encoding="utf-8"?>
+<p:sld xmlns:a="http://schemas.openxmlformats.org/drawingml/2006/main" xmlns:r="http://schemas.openxmlformats.org/officeDocument/2006/relationships" xmlns:p="http://schemas.openxmlformats.org/presentationml/2006/main">
+  <p:cSld>
+    <p:spTree>
+      <p:nvGrpSpPr>
+        <p:cNvPr id="1" name=""/>
+        <p:cNvGrpSpPr/>
+        <p:nvPr/>
+      </p:nvGrpSpPr>
+      <p:grpSpPr>
+        <a:xfrm>
+          <a:off x="0" y="0"/>
+          <a:ext cx="0" cy="0"/>
+          <a:chOff x="0" y="0"/>
+          <a:chExt cx="0" cy="0"/>
+        </a:xfrm>
+      </p:grpSpPr>
+      <p:sp>
+        <p:nvSpPr>
+          <p:cNvPr id="12290" name="Titre 1"/>
+          <p:cNvSpPr>
+            <a:spLocks noGrp="1"/>
+          </p:cNvSpPr>
+          <p:nvPr>
+            <p:ph type="title"/>
+          </p:nvPr>
+        </p:nvSpPr>
+        <p:spPr/>
+        <p:txBody>
+          <a:bodyPr/>
+          <a:lstStyle/>
+          <a:p>
+            <a:r>
+              <a:rPr lang="fr-FR" altLang="fr-FR"/>
+              <a:t>Spring JPA</a:t>
+            </a:r>
+          </a:p>
+        </p:txBody>
+      </p:sp>
+      <p:sp>
+        <p:nvSpPr>
+          <p:cNvPr id="12291" name="Espace réservé du contenu 2"/>
+          <p:cNvSpPr>
+            <a:spLocks noGrp="1"/>
+          </p:cNvSpPr>
+          <p:nvPr>
+            <p:ph idx="1"/>
+          </p:nvPr>
+        </p:nvSpPr>
+        <p:spPr/>
+        <p:txBody>
+          <a:bodyPr/>
+          <a:lstStyle/>
+          <a:p>
+            <a:r>
+              <a:rPr lang="fr-FR" altLang="fr-FR"/>
+              <a:t>Spring JPA simplifie JPA</a:t>
+            </a:r>
+          </a:p>
+          <a:p>
+            <a:r>
+              <a:rPr lang="fr-FR" altLang="fr-FR"/>
+              <a:t>Ne nécessite plus l’implémentation d’un repository</a:t>
+            </a:r>
+          </a:p>
+          <a:p>
+            <a:pPr lvl="1"/>
+            <a:r>
+              <a:rPr lang="fr-FR" altLang="fr-FR"/>
+              <a:t>CRUD automatique</a:t>
+            </a:r>
+          </a:p>
+          <a:p>
+            <a:pPr lvl="1"/>
+            <a:r>
+              <a:rPr lang="fr-FR" altLang="fr-FR"/>
+              <a:t>Pagination automatique</a:t>
+            </a:r>
+          </a:p>
+          <a:p>
+            <a:pPr lvl="1"/>
+            <a:r>
+              <a:rPr lang="fr-FR" altLang="fr-FR"/>
+              <a:t>Lazy Loading automatique</a:t>
+            </a:r>
+          </a:p>
+          <a:p>
+            <a:pPr lvl="1"/>
+            <a:r>
+              <a:rPr lang="fr-FR" altLang="fr-FR"/>
+              <a:t>Accès direct à JPA possible</a:t>
+            </a:r>
+          </a:p>
+          <a:p>
+            <a:pPr lvl="1"/>
+            <a:r>
+              <a:rPr lang="fr-FR" altLang="fr-FR"/>
+              <a:t>JPQL</a:t>
+            </a:r>
+          </a:p>
+        </p:txBody>
+      </p:sp>
+    </p:spTree>
+  </p:cSld>
+  <p:clrMapOvr>
+    <a:masterClrMapping/>
+  </p:clrMapOvr>
+</p:sld>
+</file>
+
+<file path=ppt/slides/slide12.xml><?xml version="1.0" encoding="utf-8"?>
+<p:sld xmlns:a="http://schemas.openxmlformats.org/drawingml/2006/main" xmlns:r="http://schemas.openxmlformats.org/officeDocument/2006/relationships" xmlns:p="http://schemas.openxmlformats.org/presentationml/2006/main">
+  <p:cSld>
+    <p:spTree>
+      <p:nvGrpSpPr>
+        <p:cNvPr id="1" name=""/>
+        <p:cNvGrpSpPr/>
+        <p:nvPr/>
+      </p:nvGrpSpPr>
+      <p:grpSpPr>
+        <a:xfrm>
+          <a:off x="0" y="0"/>
+          <a:ext cx="0" cy="0"/>
+          <a:chOff x="0" y="0"/>
+          <a:chExt cx="0" cy="0"/>
+        </a:xfrm>
+      </p:grpSpPr>
+      <p:sp>
+        <p:nvSpPr>
+          <p:cNvPr id="13314" name="Titre 1"/>
+          <p:cNvSpPr>
+            <a:spLocks noGrp="1"/>
+          </p:cNvSpPr>
+          <p:nvPr>
+            <p:ph type="title"/>
+          </p:nvPr>
+        </p:nvSpPr>
+        <p:spPr/>
+        <p:txBody>
+          <a:bodyPr/>
+          <a:lstStyle/>
+          <a:p>
+            <a:r>
+              <a:rPr lang="fr-FR" altLang="fr-FR"/>
+              <a:t>Dépendances</a:t>
+            </a:r>
+          </a:p>
+        </p:txBody>
+      </p:sp>
+      <p:sp>
+        <p:nvSpPr>
+          <p:cNvPr id="13315" name="Espace réservé du contenu 2"/>
+          <p:cNvSpPr>
+            <a:spLocks noGrp="1"/>
+          </p:cNvSpPr>
+          <p:nvPr>
+            <p:ph idx="1"/>
+          </p:nvPr>
+        </p:nvSpPr>
+        <p:spPr/>
+        <p:txBody>
+          <a:bodyPr/>
+          <a:lstStyle/>
+          <a:p>
+            <a:r>
+              <a:rPr lang="fr-FR" altLang="fr-FR"/>
+              <a:t>Spring Boot</a:t>
+            </a:r>
+          </a:p>
+          <a:p>
+            <a:r>
+              <a:rPr lang="fr-FR" altLang="fr-FR"/>
+              <a:t>Lombok</a:t>
+            </a:r>
+          </a:p>
+          <a:p>
+            <a:r>
+              <a:rPr lang="fr-FR" altLang="fr-FR"/>
+              <a:t>H2</a:t>
+            </a:r>
+          </a:p>
+          <a:p>
+            <a:pPr lvl="1"/>
+            <a:r>
+              <a:rPr lang="fr-FR" altLang="fr-FR"/>
+              <a:t>H2 est une base de données en mémoire</a:t>
+            </a:r>
+          </a:p>
+          <a:p>
+            <a:pPr lvl="1"/>
+            <a:r>
+              <a:rPr lang="fr-FR" altLang="fr-FR"/>
+              <a:t>Très utilisé en test</a:t>
+            </a:r>
+          </a:p>
+          <a:p>
+            <a:endParaRPr lang="fr-FR" altLang="fr-FR"/>
+          </a:p>
+        </p:txBody>
+      </p:sp>
+      <p:pic>
+        <p:nvPicPr>
+          <p:cNvPr id="13316" name="Image 4"/>
+          <p:cNvPicPr>
+            <a:picLocks noChangeAspect="1"/>
+          </p:cNvPicPr>
+          <p:nvPr/>
+        </p:nvPicPr>
+        <p:blipFill>
+          <a:blip r:embed="rId2">
+            <a:extLst>
+              <a:ext uri="{28A0092B-C50C-407E-A947-70E740481C1C}">
+                <a14:useLocalDpi xmlns:a14="http://schemas.microsoft.com/office/drawing/2010/main" val="0"/>
+              </a:ext>
+            </a:extLst>
+          </a:blip>
+          <a:srcRect/>
+          <a:stretch>
+            <a:fillRect/>
+          </a:stretch>
+        </p:blipFill>
+        <p:spPr bwMode="auto">
+          <a:xfrm>
+            <a:off x="0" y="4797425"/>
+            <a:ext cx="9324975" cy="1104900"/>
+          </a:xfrm>
+          <a:prstGeom prst="rect">
+            <a:avLst/>
+          </a:prstGeom>
+          <a:noFill/>
+          <a:ln>
+            <a:noFill/>
+          </a:ln>
+          <a:extLst>
+            <a:ext uri="{909E8E84-426E-40DD-AFC4-6F175D3DCCD1}">
+              <a14:hiddenFill xmlns:a14="http://schemas.microsoft.com/office/drawing/2010/main">
+                <a:solidFill>
+                  <a:srgbClr val="FFFFFF"/>
+                </a:solidFill>
+              </a14:hiddenFill>
+            </a:ext>
+            <a:ext uri="{91240B29-F687-4F45-9708-019B960494DF}">
+              <a14:hiddenLine xmlns:a14="http://schemas.microsoft.com/office/drawing/2010/main" w="9525">
+                <a:solidFill>
+                  <a:srgbClr val="000000"/>
+                </a:solidFill>
+                <a:miter lim="800000"/>
+                <a:headEnd/>
+                <a:tailEnd/>
+              </a14:hiddenLine>
+            </a:ext>
+          </a:extLst>
+        </p:spPr>
+      </p:pic>
+    </p:spTree>
+  </p:cSld>
+  <p:clrMapOvr>
+    <a:masterClrMapping/>
+  </p:clrMapOvr>
+</p:sld>
+</file>
+
+<file path=ppt/slides/slide13.xml><?xml version="1.0" encoding="utf-8"?>
+<p:sld xmlns:a="http://schemas.openxmlformats.org/drawingml/2006/main" xmlns:r="http://schemas.openxmlformats.org/officeDocument/2006/relationships" xmlns:p="http://schemas.openxmlformats.org/presentationml/2006/main">
+  <p:cSld>
+    <p:spTree>
+      <p:nvGrpSpPr>
+        <p:cNvPr id="1" name=""/>
+        <p:cNvGrpSpPr/>
+        <p:nvPr/>
+      </p:nvGrpSpPr>
+      <p:grpSpPr>
+        <a:xfrm>
+          <a:off x="0" y="0"/>
+          <a:ext cx="0" cy="0"/>
+          <a:chOff x="0" y="0"/>
+          <a:chExt cx="0" cy="0"/>
+        </a:xfrm>
+      </p:grpSpPr>
+      <p:sp>
+        <p:nvSpPr>
+          <p:cNvPr id="14338" name="Titre 1"/>
+          <p:cNvSpPr>
+            <a:spLocks noGrp="1"/>
+          </p:cNvSpPr>
+          <p:nvPr>
+            <p:ph type="title"/>
+          </p:nvPr>
+        </p:nvSpPr>
+        <p:spPr/>
+        <p:txBody>
+          <a:bodyPr/>
+          <a:lstStyle/>
+          <a:p>
+            <a:r>
+              <a:rPr lang="fr-FR" altLang="fr-FR"/>
+              <a:t>Portabilité des base de données</a:t>
+            </a:r>
+          </a:p>
+        </p:txBody>
+      </p:sp>
+      <p:sp>
+        <p:nvSpPr>
+          <p:cNvPr id="14339" name="Espace réservé du contenu 2"/>
+          <p:cNvSpPr>
+            <a:spLocks noGrp="1"/>
+          </p:cNvSpPr>
+          <p:nvPr>
+            <p:ph idx="1"/>
+          </p:nvPr>
+        </p:nvSpPr>
+        <p:spPr/>
+        <p:txBody>
+          <a:bodyPr/>
+          <a:lstStyle/>
+          <a:p>
+            <a:endParaRPr lang="fr-FR" altLang="fr-FR"/>
+          </a:p>
+        </p:txBody>
+      </p:sp>
+      <p:pic>
+        <p:nvPicPr>
+          <p:cNvPr id="14340" name="Image 3"/>
+          <p:cNvPicPr>
+            <a:picLocks noChangeAspect="1"/>
+          </p:cNvPicPr>
+          <p:nvPr/>
+        </p:nvPicPr>
+        <p:blipFill>
+          <a:blip r:embed="rId2">
+            <a:extLst>
+              <a:ext uri="{28A0092B-C50C-407E-A947-70E740481C1C}">
+                <a14:useLocalDpi xmlns:a14="http://schemas.microsoft.com/office/drawing/2010/main" val="0"/>
+              </a:ext>
+            </a:extLst>
+          </a:blip>
+          <a:srcRect/>
+          <a:stretch>
+            <a:fillRect/>
+          </a:stretch>
+        </p:blipFill>
+        <p:spPr bwMode="auto">
+          <a:xfrm>
+            <a:off x="107950" y="1700213"/>
+            <a:ext cx="8920163" cy="3762375"/>
+          </a:xfrm>
+          <a:prstGeom prst="rect">
+            <a:avLst/>
+          </a:prstGeom>
+          <a:noFill/>
+          <a:ln>
+            <a:noFill/>
+          </a:ln>
+          <a:extLst>
+            <a:ext uri="{909E8E84-426E-40DD-AFC4-6F175D3DCCD1}">
+              <a14:hiddenFill xmlns:a14="http://schemas.microsoft.com/office/drawing/2010/main">
+                <a:solidFill>
+                  <a:srgbClr val="FFFFFF"/>
+                </a:solidFill>
+              </a14:hiddenFill>
+            </a:ext>
+            <a:ext uri="{91240B29-F687-4F45-9708-019B960494DF}">
+              <a14:hiddenLine xmlns:a14="http://schemas.microsoft.com/office/drawing/2010/main" w="9525">
+                <a:solidFill>
+                  <a:srgbClr val="000000"/>
+                </a:solidFill>
+                <a:miter lim="800000"/>
+                <a:headEnd/>
+                <a:tailEnd/>
+              </a14:hiddenLine>
+            </a:ext>
+          </a:extLst>
+        </p:spPr>
+      </p:pic>
+    </p:spTree>
+  </p:cSld>
+  <p:clrMapOvr>
+    <a:masterClrMapping/>
+  </p:clrMapOvr>
+</p:sld>
+</file>
+
+<file path=ppt/slides/slide14.xml><?xml version="1.0" encoding="utf-8"?>
+<p:sld xmlns:a="http://schemas.openxmlformats.org/drawingml/2006/main" xmlns:r="http://schemas.openxmlformats.org/officeDocument/2006/relationships" xmlns:p="http://schemas.openxmlformats.org/presentationml/2006/main">
+  <p:cSld>
+    <p:spTree>
+      <p:nvGrpSpPr>
+        <p:cNvPr id="1" name=""/>
+        <p:cNvGrpSpPr/>
+        <p:nvPr/>
+      </p:nvGrpSpPr>
+      <p:grpSpPr>
+        <a:xfrm>
+          <a:off x="0" y="0"/>
+          <a:ext cx="0" cy="0"/>
+          <a:chOff x="0" y="0"/>
+          <a:chExt cx="0" cy="0"/>
+        </a:xfrm>
+      </p:grpSpPr>
+      <p:sp>
+        <p:nvSpPr>
+          <p:cNvPr id="15362" name="Titre 1"/>
+          <p:cNvSpPr>
+            <a:spLocks noGrp="1"/>
+          </p:cNvSpPr>
+          <p:nvPr>
+            <p:ph type="title"/>
+          </p:nvPr>
+        </p:nvSpPr>
+        <p:spPr/>
+        <p:txBody>
+          <a:bodyPr/>
+          <a:lstStyle/>
+          <a:p>
+            <a:r>
+              <a:rPr lang="fr-FR" altLang="fr-FR"/>
+              <a:t>Entity</a:t>
+            </a:r>
+          </a:p>
+        </p:txBody>
+      </p:sp>
+      <p:sp>
+        <p:nvSpPr>
+          <p:cNvPr id="15363" name="Espace réservé du contenu 2"/>
+          <p:cNvSpPr>
+            <a:spLocks noGrp="1"/>
+          </p:cNvSpPr>
+          <p:nvPr>
+            <p:ph idx="1"/>
+          </p:nvPr>
+        </p:nvSpPr>
+        <p:spPr>
+          <a:xfrm>
+            <a:off x="611188" y="1916113"/>
+            <a:ext cx="3455987" cy="4114800"/>
+          </a:xfrm>
+        </p:spPr>
+        <p:txBody>
+          <a:bodyPr/>
+          <a:lstStyle/>
+          <a:p>
+            <a:r>
+              <a:rPr lang="fr-FR" altLang="fr-FR"/>
+              <a:t>L’entité sauvegardé doit être une classe Entity annoté par @Entity</a:t>
+            </a:r>
+          </a:p>
+          <a:p>
+            <a:pPr lvl="1"/>
+            <a:r>
+              <a:rPr lang="fr-FR" altLang="fr-FR"/>
+              <a:t>Lombok</a:t>
+            </a:r>
+          </a:p>
+        </p:txBody>
+      </p:sp>
+      <p:pic>
+        <p:nvPicPr>
+          <p:cNvPr id="15364" name="Image 3"/>
+          <p:cNvPicPr>
+            <a:picLocks noChangeAspect="1"/>
+          </p:cNvPicPr>
+          <p:nvPr/>
+        </p:nvPicPr>
+        <p:blipFill>
+          <a:blip r:embed="rId2">
+            <a:extLst>
+              <a:ext uri="{28A0092B-C50C-407E-A947-70E740481C1C}">
+                <a14:useLocalDpi xmlns:a14="http://schemas.microsoft.com/office/drawing/2010/main" val="0"/>
+              </a:ext>
+            </a:extLst>
+          </a:blip>
+          <a:srcRect/>
+          <a:stretch>
+            <a:fillRect/>
+          </a:stretch>
+        </p:blipFill>
+        <p:spPr bwMode="auto">
+          <a:xfrm>
+            <a:off x="4284663" y="1682750"/>
+            <a:ext cx="4886325" cy="4581525"/>
+          </a:xfrm>
+          <a:prstGeom prst="rect">
+            <a:avLst/>
+          </a:prstGeom>
+          <a:noFill/>
+          <a:ln>
+            <a:noFill/>
+          </a:ln>
+          <a:extLst>
+            <a:ext uri="{909E8E84-426E-40DD-AFC4-6F175D3DCCD1}">
+              <a14:hiddenFill xmlns:a14="http://schemas.microsoft.com/office/drawing/2010/main">
+                <a:solidFill>
+                  <a:srgbClr val="FFFFFF"/>
+                </a:solidFill>
+              </a14:hiddenFill>
+            </a:ext>
+            <a:ext uri="{91240B29-F687-4F45-9708-019B960494DF}">
+              <a14:hiddenLine xmlns:a14="http://schemas.microsoft.com/office/drawing/2010/main" w="9525">
+                <a:solidFill>
+                  <a:srgbClr val="000000"/>
+                </a:solidFill>
+                <a:miter lim="800000"/>
+                <a:headEnd/>
+                <a:tailEnd/>
+              </a14:hiddenLine>
+            </a:ext>
+          </a:extLst>
+        </p:spPr>
+      </p:pic>
+    </p:spTree>
+  </p:cSld>
+  <p:clrMapOvr>
+    <a:masterClrMapping/>
+  </p:clrMapOvr>
+</p:sld>
+</file>
+
+<file path=ppt/slides/slide15.xml><?xml version="1.0" encoding="utf-8"?>
 <p:sld xmlns:a="http://schemas.openxmlformats.org/drawingml/2006/main" xmlns:r="http://schemas.openxmlformats.org/officeDocument/2006/relationships" xmlns:p="http://schemas.openxmlformats.org/presentationml/2006/main">
   <p:cSld>
     <p:spTree>
@@ -4048,7 +5251,7 @@
           <a:lstStyle/>
           <a:p>
             <a:r>
-              <a:rPr lang="fr-FR" altLang="fr-FR" smtClean="0"/>
+              <a:rPr lang="fr-FR" altLang="fr-FR"/>
               <a:t>CrudRepository</a:t>
             </a:r>
           </a:p>
@@ -4073,21 +5276,21 @@
               <a:defRPr/>
             </a:pPr>
             <a:r>
-              <a:rPr lang="fr-FR" dirty="0" smtClean="0"/>
+              <a:rPr lang="fr-FR" dirty="0"/>
               <a:t>Interface générique </a:t>
             </a:r>
             <a:r>
-              <a:rPr lang="fr-FR" dirty="0" err="1" smtClean="0"/>
+              <a:rPr lang="fr-FR" dirty="0" err="1"/>
               <a:t>Spring</a:t>
             </a:r>
-            <a:endParaRPr lang="fr-FR" dirty="0" smtClean="0"/>
+            <a:endParaRPr lang="fr-FR" dirty="0"/>
           </a:p>
           <a:p>
             <a:pPr lvl="1">
               <a:defRPr/>
             </a:pPr>
             <a:r>
-              <a:rPr lang="fr-FR" dirty="0" smtClean="0"/>
+              <a:rPr lang="fr-FR" dirty="0"/>
               <a:t>Interface CRUD</a:t>
             </a:r>
           </a:p>
@@ -4096,7 +5299,7 @@
               <a:defRPr/>
             </a:pPr>
             <a:r>
-              <a:rPr lang="fr-FR" dirty="0" smtClean="0"/>
+              <a:rPr lang="fr-FR" dirty="0"/>
               <a:t>Utilisation par héritage</a:t>
             </a:r>
           </a:p>
@@ -4104,7 +5307,7 @@
             <a:pPr lvl="1">
               <a:defRPr/>
             </a:pPr>
-            <a:endParaRPr lang="fr-FR" dirty="0" smtClean="0"/>
+            <a:endParaRPr lang="fr-FR" dirty="0"/>
           </a:p>
           <a:p>
             <a:pPr marL="457200" lvl="1" indent="0">
@@ -4113,35 +5316,35 @@
               <a:defRPr/>
             </a:pPr>
             <a:r>
-              <a:rPr lang="en-US" sz="1800" dirty="0" smtClean="0">
+              <a:rPr lang="en-US" sz="1800" dirty="0">
                 <a:latin typeface="Courier New" panose="02070309020205020404" pitchFamily="49" charset="0"/>
                 <a:cs typeface="Courier New" panose="02070309020205020404" pitchFamily="49" charset="0"/>
               </a:rPr>
               <a:t>public interface </a:t>
             </a:r>
             <a:r>
-              <a:rPr lang="en-US" sz="1800" dirty="0" err="1" smtClean="0">
+              <a:rPr lang="en-US" sz="1800" dirty="0" err="1">
                 <a:latin typeface="Courier New" panose="02070309020205020404" pitchFamily="49" charset="0"/>
                 <a:cs typeface="Courier New" panose="02070309020205020404" pitchFamily="49" charset="0"/>
               </a:rPr>
               <a:t>CustomerRepository</a:t>
             </a:r>
             <a:r>
-              <a:rPr lang="en-US" sz="1800" dirty="0" smtClean="0">
+              <a:rPr lang="en-US" sz="1800" dirty="0">
                 <a:latin typeface="Courier New" panose="02070309020205020404" pitchFamily="49" charset="0"/>
                 <a:cs typeface="Courier New" panose="02070309020205020404" pitchFamily="49" charset="0"/>
               </a:rPr>
               <a:t> extends </a:t>
             </a:r>
             <a:r>
-              <a:rPr lang="en-US" sz="1800" dirty="0" err="1" smtClean="0">
+              <a:rPr lang="en-US" sz="1800" dirty="0" err="1">
                 <a:latin typeface="Courier New" panose="02070309020205020404" pitchFamily="49" charset="0"/>
                 <a:cs typeface="Courier New" panose="02070309020205020404" pitchFamily="49" charset="0"/>
               </a:rPr>
               <a:t>CrudRepository</a:t>
             </a:r>
             <a:r>
-              <a:rPr lang="en-US" sz="1800" dirty="0" smtClean="0">
+              <a:rPr lang="en-US" sz="1800" dirty="0">
                 <a:latin typeface="Courier New" panose="02070309020205020404" pitchFamily="49" charset="0"/>
                 <a:cs typeface="Courier New" panose="02070309020205020404" pitchFamily="49" charset="0"/>
               </a:rPr>
@@ -4152,42 +5355,42 @@
             <a:pPr lvl="1">
               <a:defRPr/>
             </a:pPr>
-            <a:endParaRPr lang="en-US" dirty="0" smtClean="0"/>
+            <a:endParaRPr lang="en-US" dirty="0"/>
           </a:p>
           <a:p>
             <a:pPr lvl="1">
               <a:defRPr/>
             </a:pPr>
             <a:r>
-              <a:rPr lang="en-US" dirty="0" smtClean="0"/>
+              <a:rPr lang="en-US" dirty="0"/>
               <a:t>Les </a:t>
             </a:r>
             <a:r>
-              <a:rPr lang="en-US" dirty="0" err="1" smtClean="0"/>
+              <a:rPr lang="en-US" dirty="0" err="1"/>
               <a:t>génériques</a:t>
             </a:r>
             <a:r>
-              <a:rPr lang="en-US" dirty="0" smtClean="0"/>
+              <a:rPr lang="en-US" dirty="0"/>
               <a:t> </a:t>
             </a:r>
             <a:r>
-              <a:rPr lang="en-US" dirty="0" err="1" smtClean="0"/>
+              <a:rPr lang="en-US" dirty="0" err="1"/>
               <a:t>sont</a:t>
             </a:r>
             <a:r>
-              <a:rPr lang="en-US" dirty="0" smtClean="0"/>
+              <a:rPr lang="en-US" dirty="0"/>
               <a:t> </a:t>
             </a:r>
             <a:r>
-              <a:rPr lang="en-US" dirty="0" err="1" smtClean="0"/>
+              <a:rPr lang="en-US" dirty="0" err="1"/>
               <a:t>l’entité</a:t>
             </a:r>
             <a:r>
-              <a:rPr lang="en-US" dirty="0" smtClean="0"/>
+              <a:rPr lang="en-US" dirty="0"/>
               <a:t> et le type de la </a:t>
             </a:r>
             <a:r>
-              <a:rPr lang="en-US" dirty="0" err="1" smtClean="0"/>
+              <a:rPr lang="en-US" dirty="0" err="1"/>
               <a:t>clé</a:t>
             </a:r>
             <a:endParaRPr lang="fr-FR" dirty="0"/>
@@ -4202,7 +5405,7 @@
 </p:sld>
 </file>
 
-<file path=ppt/slides/slide11.xml><?xml version="1.0" encoding="utf-8"?>
+<file path=ppt/slides/slide16.xml><?xml version="1.0" encoding="utf-8"?>
 <p:sld xmlns:a="http://schemas.openxmlformats.org/drawingml/2006/main" xmlns:r="http://schemas.openxmlformats.org/officeDocument/2006/relationships" xmlns:p="http://schemas.openxmlformats.org/presentationml/2006/main">
   <p:cSld>
     <p:spTree>
@@ -4235,7 +5438,7 @@
           <a:lstStyle/>
           <a:p>
             <a:r>
-              <a:rPr lang="fr-FR" altLang="fr-FR" smtClean="0"/>
+              <a:rPr lang="fr-FR" altLang="fr-FR"/>
               <a:t>Méthode CrudRepository</a:t>
             </a:r>
           </a:p>
@@ -4257,83 +5460,83 @@
           <a:lstStyle/>
           <a:p>
             <a:r>
-              <a:rPr lang="fr-FR" altLang="fr-FR" sz="2400" smtClean="0"/>
+              <a:rPr lang="fr-FR" altLang="fr-FR" sz="2400"/>
               <a:t>Les méthodes sont</a:t>
             </a:r>
           </a:p>
           <a:p>
             <a:pPr lvl="1"/>
             <a:r>
-              <a:rPr lang="fr-FR" altLang="fr-FR" sz="2000" smtClean="0"/>
+              <a:rPr lang="fr-FR" altLang="fr-FR" sz="2000"/>
               <a:t>count() : Compte le nombre d’entité</a:t>
             </a:r>
           </a:p>
           <a:p>
             <a:pPr lvl="1"/>
             <a:r>
-              <a:rPr lang="fr-FR" altLang="fr-FR" sz="2000" smtClean="0"/>
+              <a:rPr lang="fr-FR" altLang="fr-FR" sz="2000"/>
               <a:t>delete(entity) : Efface l’entité</a:t>
             </a:r>
           </a:p>
           <a:p>
             <a:pPr lvl="1"/>
             <a:r>
-              <a:rPr lang="fr-FR" altLang="fr-FR" sz="2000" smtClean="0"/>
+              <a:rPr lang="fr-FR" altLang="fr-FR" sz="2000"/>
               <a:t>deleteAll(entites) : Efface toutes les entités</a:t>
             </a:r>
           </a:p>
           <a:p>
             <a:pPr lvl="1"/>
             <a:r>
-              <a:rPr lang="fr-FR" altLang="fr-FR" sz="2000" smtClean="0"/>
+              <a:rPr lang="fr-FR" altLang="fr-FR" sz="2000"/>
               <a:t>deleteById(id) : Efface par l’id</a:t>
             </a:r>
           </a:p>
           <a:p>
             <a:pPr lvl="1"/>
             <a:r>
-              <a:rPr lang="fr-FR" altLang="fr-FR" sz="2000" smtClean="0"/>
+              <a:rPr lang="fr-FR" altLang="fr-FR" sz="2000"/>
               <a:t>existsById(id) : Retourne vrai si l’id existe</a:t>
             </a:r>
           </a:p>
           <a:p>
             <a:pPr lvl="1"/>
             <a:r>
-              <a:rPr lang="fr-FR" altLang="fr-FR" sz="2000" smtClean="0"/>
+              <a:rPr lang="fr-FR" altLang="fr-FR" sz="2000"/>
               <a:t>findAll() : Renvoie toutes les entités</a:t>
             </a:r>
           </a:p>
           <a:p>
             <a:pPr lvl="1"/>
             <a:r>
-              <a:rPr lang="fr-FR" altLang="fr-FR" sz="2000" smtClean="0"/>
+              <a:rPr lang="fr-FR" altLang="fr-FR" sz="2000"/>
               <a:t>findAllById(ids) : Retourne les entités par une liste d’id</a:t>
             </a:r>
           </a:p>
           <a:p>
             <a:pPr lvl="1"/>
             <a:r>
-              <a:rPr lang="fr-FR" altLang="fr-FR" sz="2000" smtClean="0"/>
+              <a:rPr lang="fr-FR" altLang="fr-FR" sz="2000"/>
               <a:t>findById(id) : Retourne l’entité par son id</a:t>
             </a:r>
           </a:p>
           <a:p>
             <a:pPr lvl="1"/>
             <a:r>
-              <a:rPr lang="fr-FR" altLang="fr-FR" sz="2000" smtClean="0"/>
+              <a:rPr lang="fr-FR" altLang="fr-FR" sz="2000"/>
               <a:t>save(entity) : Sauvegarde l’entité</a:t>
             </a:r>
           </a:p>
           <a:p>
             <a:pPr lvl="1"/>
             <a:r>
-              <a:rPr lang="fr-FR" altLang="fr-FR" sz="2000" smtClean="0"/>
+              <a:rPr lang="fr-FR" altLang="fr-FR" sz="2000"/>
               <a:t>saveAll(entities) : Sauvegarde les entités</a:t>
             </a:r>
           </a:p>
           <a:p>
             <a:pPr lvl="1"/>
-            <a:endParaRPr lang="fr-FR" altLang="fr-FR" sz="2000" smtClean="0"/>
+            <a:endParaRPr lang="fr-FR" altLang="fr-FR" sz="2000"/>
           </a:p>
         </p:txBody>
       </p:sp>
@@ -4345,7 +5548,7 @@
 </p:sld>
 </file>
 
-<file path=ppt/slides/slide12.xml><?xml version="1.0" encoding="utf-8"?>
+<file path=ppt/slides/slide17.xml><?xml version="1.0" encoding="utf-8"?>
 <p:sld xmlns:a="http://schemas.openxmlformats.org/drawingml/2006/main" xmlns:r="http://schemas.openxmlformats.org/officeDocument/2006/relationships" xmlns:p="http://schemas.openxmlformats.org/presentationml/2006/main">
   <p:cSld>
     <p:spTree>
@@ -4378,7 +5581,7 @@
           <a:lstStyle/>
           <a:p>
             <a:r>
-              <a:rPr lang="fr-FR" altLang="fr-FR" smtClean="0"/>
+              <a:rPr lang="fr-FR" altLang="fr-FR"/>
               <a:t>Héritage</a:t>
             </a:r>
           </a:p>
@@ -4400,12 +5603,12 @@
           <a:lstStyle/>
           <a:p>
             <a:r>
-              <a:rPr lang="fr-FR" altLang="fr-FR" sz="2000" smtClean="0"/>
+              <a:rPr lang="fr-FR" altLang="fr-FR" sz="2000"/>
               <a:t>Il suffit d’hériter l’interface dans une interface pour que le repository soit auto-implémenté</a:t>
             </a:r>
           </a:p>
           <a:p>
-            <a:endParaRPr lang="fr-FR" altLang="fr-FR" smtClean="0"/>
+            <a:endParaRPr lang="fr-FR" altLang="fr-FR"/>
           </a:p>
           <a:p>
             <a:pPr marL="457200" lvl="1" indent="0">
@@ -4413,7 +5616,7 @@
               <a:buNone/>
             </a:pPr>
             <a:r>
-              <a:rPr lang="en-US" altLang="fr-FR" sz="1800" smtClean="0">
+              <a:rPr lang="en-US" altLang="fr-FR" sz="1800">
                 <a:latin typeface="Courier New" panose="02070309020205020404" pitchFamily="49" charset="0"/>
                 <a:cs typeface="Courier New" panose="02070309020205020404" pitchFamily="49" charset="0"/>
               </a:rPr>
@@ -4425,7 +5628,7 @@
               <a:buFontTx/>
               <a:buNone/>
             </a:pPr>
-            <a:endParaRPr lang="en-US" altLang="fr-FR" sz="1800" smtClean="0">
+            <a:endParaRPr lang="en-US" altLang="fr-FR" sz="1800">
               <a:latin typeface="Courier New" panose="02070309020205020404" pitchFamily="49" charset="0"/>
               <a:cs typeface="Courier New" panose="02070309020205020404" pitchFamily="49" charset="0"/>
             </a:endParaRPr>
@@ -4440,7 +5643,7 @@
 </p:sld>
 </file>
 
-<file path=ppt/slides/slide13.xml><?xml version="1.0" encoding="utf-8"?>
+<file path=ppt/slides/slide18.xml><?xml version="1.0" encoding="utf-8"?>
 <p:sld xmlns:a="http://schemas.openxmlformats.org/drawingml/2006/main" xmlns:r="http://schemas.openxmlformats.org/officeDocument/2006/relationships" xmlns:p="http://schemas.openxmlformats.org/presentationml/2006/main">
   <p:cSld>
     <p:spTree>
@@ -4473,7 +5676,7 @@
           <a:lstStyle/>
           <a:p>
             <a:r>
-              <a:rPr lang="fr-FR" altLang="fr-FR" smtClean="0"/>
+              <a:rPr lang="fr-FR" altLang="fr-FR"/>
               <a:t>Requêtes automatiques</a:t>
             </a:r>
           </a:p>
@@ -4514,7 +5717,7 @@
               <a:defRPr/>
             </a:pPr>
             <a:r>
-              <a:rPr lang="fr-FR" sz="2200" dirty="0" smtClean="0"/>
+              <a:rPr lang="fr-FR" sz="2200" dirty="0"/>
               <a:t>Il suffit d’ajouter les méthodes pour qu’elle soit auto-implémenté</a:t>
             </a:r>
           </a:p>
@@ -4523,7 +5726,7 @@
               <a:defRPr/>
             </a:pPr>
             <a:r>
-              <a:rPr lang="fr-FR" sz="1800" dirty="0" smtClean="0"/>
+              <a:rPr lang="fr-FR" sz="1800" dirty="0"/>
               <a:t>Déduit par la norme de nommage</a:t>
             </a:r>
           </a:p>
@@ -4532,30 +5735,30 @@
               <a:defRPr/>
             </a:pPr>
             <a:r>
-              <a:rPr lang="fr-FR" sz="1800" dirty="0" err="1" smtClean="0"/>
+              <a:rPr lang="fr-FR" sz="1800" dirty="0" err="1"/>
               <a:t>findBy</a:t>
             </a:r>
             <a:r>
-              <a:rPr lang="fr-FR" sz="1800" i="1" dirty="0" err="1" smtClean="0"/>
+              <a:rPr lang="fr-FR" sz="1800" i="1" dirty="0" err="1"/>
               <a:t>FieldName</a:t>
             </a:r>
-            <a:endParaRPr lang="fr-FR" sz="1800" i="1" dirty="0" smtClean="0"/>
+            <a:endParaRPr lang="fr-FR" sz="1800" i="1" dirty="0"/>
           </a:p>
           <a:p>
             <a:pPr lvl="1">
               <a:defRPr/>
             </a:pPr>
             <a:r>
-              <a:rPr lang="fr-FR" sz="1800" i="1" dirty="0" err="1" smtClean="0"/>
+              <a:rPr lang="fr-FR" sz="1800" i="1" dirty="0" err="1"/>
               <a:t>removeBy</a:t>
             </a:r>
-            <a:endParaRPr lang="fr-FR" sz="1800" i="1" dirty="0" smtClean="0"/>
+            <a:endParaRPr lang="fr-FR" sz="1800" i="1" dirty="0"/>
           </a:p>
           <a:p>
             <a:pPr lvl="1">
               <a:defRPr/>
             </a:pPr>
-            <a:endParaRPr lang="fr-FR" sz="1800" i="1" dirty="0" smtClean="0"/>
+            <a:endParaRPr lang="fr-FR" sz="1800" i="1" dirty="0"/>
           </a:p>
           <a:p>
             <a:pPr>
@@ -4627,7 +5830,7 @@
 </p:sld>
 </file>
 
-<file path=ppt/slides/slide14.xml><?xml version="1.0" encoding="utf-8"?>
+<file path=ppt/slides/slide19.xml><?xml version="1.0" encoding="utf-8"?>
 <p:sld xmlns:a="http://schemas.openxmlformats.org/drawingml/2006/main" xmlns:r="http://schemas.openxmlformats.org/officeDocument/2006/relationships" xmlns:p="http://schemas.openxmlformats.org/presentationml/2006/main">
   <p:cSld>
     <p:spTree>
@@ -4660,7 +5863,7 @@
           <a:lstStyle/>
           <a:p>
             <a:r>
-              <a:rPr lang="fr-FR" altLang="fr-FR" smtClean="0"/>
+              <a:rPr lang="fr-FR" altLang="fr-FR"/>
               <a:t>PagingAndSortingRepository</a:t>
             </a:r>
           </a:p>
@@ -4682,50 +5885,50 @@
           <a:lstStyle/>
           <a:p>
             <a:r>
-              <a:rPr lang="fr-FR" altLang="fr-FR" smtClean="0"/>
+              <a:rPr lang="fr-FR" altLang="fr-FR"/>
               <a:t>Interface qui dérive de CrudRepository</a:t>
             </a:r>
           </a:p>
           <a:p>
             <a:pPr lvl="1"/>
             <a:r>
-              <a:rPr lang="fr-FR" altLang="fr-FR" smtClean="0"/>
+              <a:rPr lang="fr-FR" altLang="fr-FR"/>
               <a:t>Ajouter à toutes les méthodes la possibilité de trier et paginer</a:t>
             </a:r>
           </a:p>
           <a:p>
             <a:pPr lvl="1"/>
-            <a:endParaRPr lang="fr-FR" altLang="fr-FR" smtClean="0"/>
+            <a:endParaRPr lang="fr-FR" altLang="fr-FR"/>
           </a:p>
           <a:p>
             <a:pPr lvl="1"/>
-            <a:endParaRPr lang="fr-FR" altLang="fr-FR" smtClean="0"/>
+            <a:endParaRPr lang="fr-FR" altLang="fr-FR"/>
           </a:p>
           <a:p>
             <a:pPr lvl="1"/>
-            <a:endParaRPr lang="fr-FR" altLang="fr-FR" smtClean="0"/>
+            <a:endParaRPr lang="fr-FR" altLang="fr-FR"/>
           </a:p>
           <a:p>
             <a:pPr lvl="1"/>
-            <a:endParaRPr lang="fr-FR" altLang="fr-FR" smtClean="0"/>
+            <a:endParaRPr lang="fr-FR" altLang="fr-FR"/>
           </a:p>
           <a:p>
             <a:pPr lvl="1"/>
             <a:r>
-              <a:rPr lang="en-US" altLang="fr-FR" sz="1800" smtClean="0">
+              <a:rPr lang="en-US" altLang="fr-FR" sz="1800">
                 <a:latin typeface="Courier New" panose="02070309020205020404" pitchFamily="49" charset="0"/>
                 <a:cs typeface="Courier New" panose="02070309020205020404" pitchFamily="49" charset="0"/>
               </a:rPr>
               <a:t>Page&lt;User&gt; users = repository.findAll(PageRequest.of(1, 20));</a:t>
             </a:r>
-            <a:endParaRPr lang="fr-FR" altLang="fr-FR" sz="1800" smtClean="0">
+            <a:endParaRPr lang="fr-FR" altLang="fr-FR" sz="1800">
               <a:latin typeface="Courier New" panose="02070309020205020404" pitchFamily="49" charset="0"/>
               <a:cs typeface="Courier New" panose="02070309020205020404" pitchFamily="49" charset="0"/>
             </a:endParaRPr>
           </a:p>
           <a:p>
             <a:pPr lvl="1"/>
-            <a:endParaRPr lang="fr-FR" altLang="fr-FR" smtClean="0"/>
+            <a:endParaRPr lang="fr-FR" altLang="fr-FR"/>
           </a:p>
         </p:txBody>
       </p:sp>
@@ -4824,13 +6027,13 @@
           <a:lstStyle/>
           <a:p>
             <a:r>
-              <a:rPr lang="fr-FR" altLang="fr-FR" smtClean="0">
+              <a:rPr lang="fr-FR" altLang="fr-FR">
                 <a:cs typeface="Arial" panose="020B0604020202020204" pitchFamily="34" charset="0"/>
               </a:rPr>
               <a:t>F</a:t>
             </a:r>
             <a:r>
-              <a:rPr lang="fr-FR" altLang="fr-FR" smtClean="0"/>
+              <a:rPr lang="fr-FR" altLang="fr-FR"/>
               <a:t>rameworks</a:t>
             </a:r>
           </a:p>
@@ -4857,89 +6060,89 @@
           <a:lstStyle/>
           <a:p>
             <a:r>
-              <a:rPr lang="fr-FR" altLang="fr-FR" sz="2000" smtClean="0"/>
+              <a:rPr lang="fr-FR" altLang="fr-FR" sz="2000"/>
               <a:t>Les frameworks sont destinés à fournir des supports simplifiant les développements</a:t>
             </a:r>
           </a:p>
           <a:p>
             <a:pPr lvl="1"/>
             <a:r>
-              <a:rPr lang="fr-FR" altLang="fr-FR" sz="1800" smtClean="0"/>
+              <a:rPr lang="fr-FR" altLang="fr-FR" sz="1800"/>
               <a:t>Bibliothèques, outils, environnements d’exécution , etc.</a:t>
             </a:r>
           </a:p>
           <a:p>
             <a:pPr lvl="1"/>
             <a:r>
-              <a:rPr lang="fr-FR" altLang="fr-FR" sz="1800" smtClean="0"/>
+              <a:rPr lang="fr-FR" altLang="fr-FR" sz="1800"/>
               <a:t>Ils sont porteurs de la réutilisation</a:t>
             </a:r>
           </a:p>
           <a:p>
             <a:r>
-              <a:rPr lang="fr-FR" altLang="fr-FR" sz="2000" smtClean="0"/>
+              <a:rPr lang="fr-FR" altLang="fr-FR" sz="2000"/>
               <a:t>Lors de l’écriture de frameworks, vous devez songer à la flexibilité</a:t>
             </a:r>
           </a:p>
           <a:p>
             <a:pPr lvl="1"/>
             <a:r>
-              <a:rPr lang="fr-FR" altLang="fr-FR" sz="1800" smtClean="0"/>
+              <a:rPr lang="fr-FR" altLang="fr-FR" sz="1800"/>
               <a:t>Ils doivent pouvoir travailler avec des objets arbitraires</a:t>
             </a:r>
           </a:p>
           <a:p>
             <a:pPr lvl="1"/>
             <a:r>
-              <a:rPr lang="fr-FR" altLang="fr-FR" sz="1800" smtClean="0"/>
+              <a:rPr lang="fr-FR" altLang="fr-FR" sz="1800"/>
               <a:t>Ils doivent pouvoir exécuter du code client</a:t>
             </a:r>
           </a:p>
           <a:p>
             <a:pPr lvl="1"/>
             <a:r>
-              <a:rPr lang="fr-FR" altLang="fr-FR" sz="1800" smtClean="0"/>
+              <a:rPr lang="fr-FR" altLang="fr-FR" sz="1800"/>
               <a:t>Les développeurs doivent pouvoir contrôler et configurer le framework</a:t>
             </a:r>
           </a:p>
           <a:p>
             <a:r>
-              <a:rPr lang="fr-FR" altLang="fr-FR" sz="2000" smtClean="0"/>
+              <a:rPr lang="fr-FR" altLang="fr-FR" sz="2000"/>
               <a:t>Java offre certains mécanismes qui apportent de l’aide pour la création de frameworks flexibles</a:t>
             </a:r>
           </a:p>
           <a:p>
             <a:pPr lvl="1"/>
             <a:r>
-              <a:rPr lang="fr-FR" altLang="fr-FR" sz="1800" smtClean="0"/>
+              <a:rPr lang="fr-FR" altLang="fr-FR" sz="1800"/>
               <a:t>Interfaces</a:t>
             </a:r>
           </a:p>
           <a:p>
             <a:pPr lvl="1"/>
             <a:r>
-              <a:rPr lang="fr-FR" altLang="fr-FR" sz="1800" smtClean="0"/>
+              <a:rPr lang="fr-FR" altLang="fr-FR" sz="1800"/>
               <a:t>Réflexion</a:t>
             </a:r>
           </a:p>
           <a:p>
             <a:pPr lvl="2"/>
             <a:r>
-              <a:rPr lang="fr-FR" altLang="fr-FR" sz="1600" smtClean="0"/>
+              <a:rPr lang="fr-FR" altLang="fr-FR" sz="1600"/>
               <a:t>JavaBeans</a:t>
             </a:r>
           </a:p>
           <a:p>
             <a:pPr lvl="2"/>
             <a:r>
-              <a:rPr lang="fr-FR" altLang="fr-FR" sz="1600" smtClean="0"/>
+              <a:rPr lang="fr-FR" altLang="fr-FR" sz="1600"/>
               <a:t>Annotations</a:t>
             </a:r>
           </a:p>
           <a:p>
             <a:pPr lvl="1"/>
             <a:r>
-              <a:rPr lang="fr-FR" altLang="fr-FR" sz="1800" smtClean="0"/>
+              <a:rPr lang="fr-FR" altLang="fr-FR" sz="1800"/>
               <a:t>Chargement dynamique de classes</a:t>
             </a:r>
           </a:p>
@@ -4950,13 +6153,6 @@
   <p:clrMapOvr>
     <a:masterClrMapping/>
   </p:clrMapOvr>
-  <p:timing>
-    <p:tnLst>
-      <p:par>
-        <p:cTn id="1" dur="indefinite" restart="never" nodeType="tmRoot"/>
-      </p:par>
-    </p:tnLst>
-  </p:timing>
 </p:sld>
 </file>
 
@@ -4979,7 +6175,13 @@
       </p:grpSpPr>
       <p:sp>
         <p:nvSpPr>
-          <p:cNvPr id="7170" name="Rectangle 2"/>
+          <p:cNvPr id="5122" name="Rectangle 2">
+            <a:extLst>
+              <a:ext uri="{FF2B5EF4-FFF2-40B4-BE49-F238E27FC236}">
+                <a16:creationId xmlns:a16="http://schemas.microsoft.com/office/drawing/2014/main" id="{033039FF-F392-4303-B7A9-E2538FE26B89}"/>
+              </a:ext>
+            </a:extLst>
+          </p:cNvPr>
           <p:cNvSpPr>
             <a:spLocks noGrp="1" noChangeArrowheads="1"/>
           </p:cNvSpPr>
@@ -4993,15 +6195,5824 @@
           <a:lstStyle/>
           <a:p>
             <a:r>
-              <a:rPr lang="fr-FR" altLang="fr-FR" smtClean="0"/>
-              <a:t>Exemple de persistance objet</a:t>
+              <a:rPr lang="fr-FR" altLang="fr-FR" sz="2800"/>
+              <a:t>Considérations sur la persistance des objets</a:t>
             </a:r>
           </a:p>
         </p:txBody>
       </p:sp>
       <p:sp>
         <p:nvSpPr>
-          <p:cNvPr id="7171" name="Rectangle 3"/>
+          <p:cNvPr id="5123" name="Rectangle 3">
+            <a:extLst>
+              <a:ext uri="{FF2B5EF4-FFF2-40B4-BE49-F238E27FC236}">
+                <a16:creationId xmlns:a16="http://schemas.microsoft.com/office/drawing/2014/main" id="{F85E787B-C79C-40EB-92DA-F05EA42A32D8}"/>
+              </a:ext>
+            </a:extLst>
+          </p:cNvPr>
+          <p:cNvSpPr>
+            <a:spLocks noGrp="1" noChangeArrowheads="1"/>
+          </p:cNvSpPr>
+          <p:nvPr>
+            <p:ph type="body" idx="1"/>
+          </p:nvPr>
+        </p:nvSpPr>
+        <p:spPr>
+          <a:xfrm>
+            <a:off x="279400" y="1312863"/>
+            <a:ext cx="8686800" cy="1841500"/>
+          </a:xfrm>
+        </p:spPr>
+        <p:txBody>
+          <a:bodyPr/>
+          <a:lstStyle/>
+          <a:p>
+            <a:r>
+              <a:rPr lang="fr-FR" altLang="fr-FR" sz="2000"/>
+              <a:t>Considérons les opérations </a:t>
+            </a:r>
+            <a:r>
+              <a:rPr lang="fr-FR" altLang="fr-FR" sz="2000" u="sng"/>
+              <a:t>C</a:t>
+            </a:r>
+            <a:r>
+              <a:rPr lang="fr-FR" altLang="fr-FR" sz="2000"/>
+              <a:t>reate, </a:t>
+            </a:r>
+            <a:r>
+              <a:rPr lang="fr-FR" altLang="fr-FR" sz="2000" u="sng"/>
+              <a:t>R</a:t>
+            </a:r>
+            <a:r>
+              <a:rPr lang="fr-FR" altLang="fr-FR" sz="2000"/>
+              <a:t>ead, </a:t>
+            </a:r>
+            <a:r>
+              <a:rPr lang="fr-FR" altLang="fr-FR" sz="2000" u="sng"/>
+              <a:t>U</a:t>
+            </a:r>
+            <a:r>
+              <a:rPr lang="fr-FR" altLang="fr-FR" sz="2000"/>
+              <a:t>pdate, </a:t>
+            </a:r>
+            <a:r>
+              <a:rPr lang="fr-FR" altLang="fr-FR" sz="2000" u="sng"/>
+              <a:t>D</a:t>
+            </a:r>
+            <a:r>
+              <a:rPr lang="fr-FR" altLang="fr-FR" sz="2000"/>
+              <a:t>elete en ce qui concerne les  </a:t>
+            </a:r>
+            <a:r>
+              <a:rPr lang="fr-FR" altLang="fr-FR" sz="2000">
+                <a:latin typeface="Courier New" panose="02070309020205020404" pitchFamily="49" charset="0"/>
+                <a:cs typeface="Courier New" panose="02070309020205020404" pitchFamily="49" charset="0"/>
+              </a:rPr>
+              <a:t>MusicRecording</a:t>
+            </a:r>
+          </a:p>
+          <a:p>
+            <a:pPr lvl="1"/>
+            <a:r>
+              <a:rPr lang="fr-FR" altLang="fr-FR" sz="1800"/>
+              <a:t>Create :  Pourrait nécessiter des insertions dans plusieurs tables</a:t>
+            </a:r>
+          </a:p>
+          <a:p>
+            <a:pPr lvl="1"/>
+            <a:r>
+              <a:rPr lang="fr-FR" altLang="fr-FR" sz="1800"/>
+              <a:t>Read :    Devons-nous lire toutes les données liées ? </a:t>
+            </a:r>
+          </a:p>
+          <a:p>
+            <a:pPr lvl="1"/>
+            <a:r>
+              <a:rPr lang="fr-FR" altLang="fr-FR" sz="1800"/>
+              <a:t>Update : Quelles sont les parties du graphe des objets qui doivent changer ?</a:t>
+            </a:r>
+          </a:p>
+          <a:p>
+            <a:pPr lvl="1"/>
+            <a:r>
+              <a:rPr lang="fr-FR" altLang="fr-FR" sz="1800"/>
+              <a:t>Delete :  Devons-nous supprimer toutes les données liées ?</a:t>
+            </a:r>
+          </a:p>
+        </p:txBody>
+      </p:sp>
+      <p:sp>
+        <p:nvSpPr>
+          <p:cNvPr id="5124" name="Text Box 13">
+            <a:extLst>
+              <a:ext uri="{FF2B5EF4-FFF2-40B4-BE49-F238E27FC236}">
+                <a16:creationId xmlns:a16="http://schemas.microsoft.com/office/drawing/2014/main" id="{020073E3-E058-490A-A92E-6A6C0B27220B}"/>
+              </a:ext>
+            </a:extLst>
+          </p:cNvPr>
+          <p:cNvSpPr txBox="1">
+            <a:spLocks noChangeArrowheads="1"/>
+          </p:cNvSpPr>
+          <p:nvPr/>
+        </p:nvSpPr>
+        <p:spPr bwMode="blackWhite">
+          <a:xfrm>
+            <a:off x="4068763" y="5124450"/>
+            <a:ext cx="1573212" cy="955675"/>
+          </a:xfrm>
+          <a:prstGeom prst="rect">
+            <a:avLst/>
+          </a:prstGeom>
+          <a:solidFill>
+            <a:schemeClr val="accent1"/>
+          </a:solidFill>
+          <a:ln w="12700">
+            <a:solidFill>
+              <a:schemeClr val="tx1"/>
+            </a:solidFill>
+            <a:miter lim="800000"/>
+            <a:headEnd/>
+            <a:tailEnd/>
+          </a:ln>
+          <a:effectLst/>
+          <a:extLst>
+            <a:ext uri="{AF507438-7753-43E0-B8FC-AC1667EBCBE1}">
+              <a14:hiddenEffects xmlns:a14="http://schemas.microsoft.com/office/drawing/2010/main">
+                <a:effectLst>
+                  <a:outerShdw dist="35921" dir="2700000" algn="ctr" rotWithShape="0">
+                    <a:schemeClr val="bg2"/>
+                  </a:outerShdw>
+                </a:effectLst>
+              </a14:hiddenEffects>
+            </a:ext>
+          </a:extLst>
+        </p:spPr>
+        <p:txBody>
+          <a:bodyPr>
+            <a:spAutoFit/>
+          </a:bodyPr>
+          <a:lstStyle>
+            <a:lvl1pPr eaLnBrk="0" hangingPunct="0">
+              <a:spcBef>
+                <a:spcPct val="20000"/>
+              </a:spcBef>
+              <a:buClr>
+                <a:schemeClr val="tx1"/>
+              </a:buClr>
+              <a:buFont typeface="Monotype Sorts" pitchFamily="2" charset="2"/>
+              <a:buChar char="o"/>
+              <a:defRPr sz="2800">
+                <a:solidFill>
+                  <a:schemeClr val="tx1"/>
+                </a:solidFill>
+                <a:latin typeface="Arial" panose="020B0604020202020204" pitchFamily="34" charset="0"/>
+              </a:defRPr>
+            </a:lvl1pPr>
+            <a:lvl2pPr marL="742950" indent="-285750" eaLnBrk="0" hangingPunct="0">
+              <a:spcBef>
+                <a:spcPct val="20000"/>
+              </a:spcBef>
+              <a:buChar char="–"/>
+              <a:defRPr sz="2400">
+                <a:solidFill>
+                  <a:schemeClr val="tx1"/>
+                </a:solidFill>
+                <a:latin typeface="Arial" panose="020B0604020202020204" pitchFamily="34" charset="0"/>
+              </a:defRPr>
+            </a:lvl2pPr>
+            <a:lvl3pPr marL="1143000" indent="-228600" eaLnBrk="0" hangingPunct="0">
+              <a:spcBef>
+                <a:spcPct val="20000"/>
+              </a:spcBef>
+              <a:buChar char="•"/>
+              <a:defRPr sz="2000">
+                <a:solidFill>
+                  <a:schemeClr val="tx1"/>
+                </a:solidFill>
+                <a:latin typeface="Arial" panose="020B0604020202020204" pitchFamily="34" charset="0"/>
+              </a:defRPr>
+            </a:lvl3pPr>
+            <a:lvl4pPr marL="1600200" indent="-228600" eaLnBrk="0" hangingPunct="0">
+              <a:spcBef>
+                <a:spcPct val="20000"/>
+              </a:spcBef>
+              <a:buChar char="–"/>
+              <a:defRPr>
+                <a:solidFill>
+                  <a:schemeClr val="tx1"/>
+                </a:solidFill>
+                <a:latin typeface="Arial" panose="020B0604020202020204" pitchFamily="34" charset="0"/>
+              </a:defRPr>
+            </a:lvl4pPr>
+            <a:lvl5pPr marL="2057400" indent="-228600" eaLnBrk="0" hangingPunct="0">
+              <a:spcBef>
+                <a:spcPct val="20000"/>
+              </a:spcBef>
+              <a:buChar char="»"/>
+              <a:defRPr sz="1600">
+                <a:solidFill>
+                  <a:schemeClr val="tx1"/>
+                </a:solidFill>
+                <a:latin typeface="Arial" panose="020B0604020202020204" pitchFamily="34" charset="0"/>
+              </a:defRPr>
+            </a:lvl5pPr>
+            <a:lvl6pPr marL="2514600" indent="-228600" eaLnBrk="0" fontAlgn="base" hangingPunct="0">
+              <a:spcBef>
+                <a:spcPct val="20000"/>
+              </a:spcBef>
+              <a:spcAft>
+                <a:spcPct val="0"/>
+              </a:spcAft>
+              <a:buChar char="»"/>
+              <a:defRPr sz="1600">
+                <a:solidFill>
+                  <a:schemeClr val="tx1"/>
+                </a:solidFill>
+                <a:latin typeface="Arial" panose="020B0604020202020204" pitchFamily="34" charset="0"/>
+              </a:defRPr>
+            </a:lvl6pPr>
+            <a:lvl7pPr marL="2971800" indent="-228600" eaLnBrk="0" fontAlgn="base" hangingPunct="0">
+              <a:spcBef>
+                <a:spcPct val="20000"/>
+              </a:spcBef>
+              <a:spcAft>
+                <a:spcPct val="0"/>
+              </a:spcAft>
+              <a:buChar char="»"/>
+              <a:defRPr sz="1600">
+                <a:solidFill>
+                  <a:schemeClr val="tx1"/>
+                </a:solidFill>
+                <a:latin typeface="Arial" panose="020B0604020202020204" pitchFamily="34" charset="0"/>
+              </a:defRPr>
+            </a:lvl7pPr>
+            <a:lvl8pPr marL="3429000" indent="-228600" eaLnBrk="0" fontAlgn="base" hangingPunct="0">
+              <a:spcBef>
+                <a:spcPct val="20000"/>
+              </a:spcBef>
+              <a:spcAft>
+                <a:spcPct val="0"/>
+              </a:spcAft>
+              <a:buChar char="»"/>
+              <a:defRPr sz="1600">
+                <a:solidFill>
+                  <a:schemeClr val="tx1"/>
+                </a:solidFill>
+                <a:latin typeface="Arial" panose="020B0604020202020204" pitchFamily="34" charset="0"/>
+              </a:defRPr>
+            </a:lvl8pPr>
+            <a:lvl9pPr marL="3886200" indent="-228600" eaLnBrk="0" fontAlgn="base" hangingPunct="0">
+              <a:spcBef>
+                <a:spcPct val="20000"/>
+              </a:spcBef>
+              <a:spcAft>
+                <a:spcPct val="0"/>
+              </a:spcAft>
+              <a:buChar char="»"/>
+              <a:defRPr sz="1600">
+                <a:solidFill>
+                  <a:schemeClr val="tx1"/>
+                </a:solidFill>
+                <a:latin typeface="Arial" panose="020B0604020202020204" pitchFamily="34" charset="0"/>
+              </a:defRPr>
+            </a:lvl9pPr>
+          </a:lstStyle>
+          <a:p>
+            <a:pPr algn="ctr" eaLnBrk="1" hangingPunct="1">
+              <a:spcBef>
+                <a:spcPct val="0"/>
+              </a:spcBef>
+              <a:buClrTx/>
+              <a:buFontTx/>
+              <a:buNone/>
+            </a:pPr>
+            <a:r>
+              <a:rPr lang="en-GB" altLang="fr-FR" sz="1400" b="1">
+                <a:cs typeface="Arial" panose="020B0604020202020204" pitchFamily="34" charset="0"/>
+              </a:rPr>
+              <a:t> Track</a:t>
+            </a:r>
+            <a:r>
+              <a:rPr lang="en-GB" altLang="fr-FR" sz="1400">
+                <a:latin typeface="Courier New" panose="02070309020205020404" pitchFamily="49" charset="0"/>
+                <a:cs typeface="Courier New" panose="02070309020205020404" pitchFamily="49" charset="0"/>
+              </a:rPr>
+              <a:t>    </a:t>
+            </a:r>
+          </a:p>
+          <a:p>
+            <a:pPr algn="ctr" eaLnBrk="1" hangingPunct="1">
+              <a:spcBef>
+                <a:spcPct val="0"/>
+              </a:spcBef>
+              <a:buClrTx/>
+              <a:buFontTx/>
+              <a:buNone/>
+            </a:pPr>
+            <a:endParaRPr lang="en-GB" altLang="fr-FR" sz="1400">
+              <a:latin typeface="Courier New" panose="02070309020205020404" pitchFamily="49" charset="0"/>
+              <a:cs typeface="Courier New" panose="02070309020205020404" pitchFamily="49" charset="0"/>
+            </a:endParaRPr>
+          </a:p>
+          <a:p>
+            <a:pPr algn="ctr" eaLnBrk="1" hangingPunct="1">
+              <a:spcBef>
+                <a:spcPct val="0"/>
+              </a:spcBef>
+              <a:buClrTx/>
+              <a:buFontTx/>
+              <a:buNone/>
+            </a:pPr>
+            <a:endParaRPr lang="en-GB" altLang="fr-FR" sz="1400">
+              <a:latin typeface="Courier New" panose="02070309020205020404" pitchFamily="49" charset="0"/>
+              <a:cs typeface="Courier New" panose="02070309020205020404" pitchFamily="49" charset="0"/>
+            </a:endParaRPr>
+          </a:p>
+          <a:p>
+            <a:pPr algn="ctr" eaLnBrk="1" hangingPunct="1">
+              <a:spcBef>
+                <a:spcPct val="0"/>
+              </a:spcBef>
+              <a:buClrTx/>
+              <a:buFontTx/>
+              <a:buNone/>
+            </a:pPr>
+            <a:r>
+              <a:rPr lang="en-GB" altLang="fr-FR" sz="1400">
+                <a:latin typeface="Courier New" panose="02070309020205020404" pitchFamily="49" charset="0"/>
+                <a:cs typeface="Courier New" panose="02070309020205020404" pitchFamily="49" charset="0"/>
+              </a:rPr>
+              <a:t>    </a:t>
+            </a:r>
+          </a:p>
+        </p:txBody>
+      </p:sp>
+      <p:sp>
+        <p:nvSpPr>
+          <p:cNvPr id="5125" name="Text Box 14">
+            <a:extLst>
+              <a:ext uri="{FF2B5EF4-FFF2-40B4-BE49-F238E27FC236}">
+                <a16:creationId xmlns:a16="http://schemas.microsoft.com/office/drawing/2014/main" id="{E92A8F3D-0676-48DD-BE53-3C424E0F1281}"/>
+              </a:ext>
+            </a:extLst>
+          </p:cNvPr>
+          <p:cNvSpPr txBox="1">
+            <a:spLocks noChangeArrowheads="1"/>
+          </p:cNvSpPr>
+          <p:nvPr/>
+        </p:nvSpPr>
+        <p:spPr bwMode="blackWhite">
+          <a:xfrm>
+            <a:off x="6604000" y="5124450"/>
+            <a:ext cx="1576388" cy="955675"/>
+          </a:xfrm>
+          <a:prstGeom prst="rect">
+            <a:avLst/>
+          </a:prstGeom>
+          <a:solidFill>
+            <a:schemeClr val="accent1"/>
+          </a:solidFill>
+          <a:ln w="12700">
+            <a:solidFill>
+              <a:schemeClr val="tx1"/>
+            </a:solidFill>
+            <a:miter lim="800000"/>
+            <a:headEnd/>
+            <a:tailEnd/>
+          </a:ln>
+          <a:effectLst/>
+          <a:extLst>
+            <a:ext uri="{AF507438-7753-43E0-B8FC-AC1667EBCBE1}">
+              <a14:hiddenEffects xmlns:a14="http://schemas.microsoft.com/office/drawing/2010/main">
+                <a:effectLst>
+                  <a:outerShdw dist="35921" dir="2700000" algn="ctr" rotWithShape="0">
+                    <a:schemeClr val="bg2"/>
+                  </a:outerShdw>
+                </a:effectLst>
+              </a14:hiddenEffects>
+            </a:ext>
+          </a:extLst>
+        </p:spPr>
+        <p:txBody>
+          <a:bodyPr>
+            <a:spAutoFit/>
+          </a:bodyPr>
+          <a:lstStyle>
+            <a:lvl1pPr eaLnBrk="0" hangingPunct="0">
+              <a:spcBef>
+                <a:spcPct val="20000"/>
+              </a:spcBef>
+              <a:buClr>
+                <a:schemeClr val="tx1"/>
+              </a:buClr>
+              <a:buFont typeface="Monotype Sorts" pitchFamily="2" charset="2"/>
+              <a:buChar char="o"/>
+              <a:defRPr sz="2800">
+                <a:solidFill>
+                  <a:schemeClr val="tx1"/>
+                </a:solidFill>
+                <a:latin typeface="Arial" panose="020B0604020202020204" pitchFamily="34" charset="0"/>
+              </a:defRPr>
+            </a:lvl1pPr>
+            <a:lvl2pPr marL="742950" indent="-285750" eaLnBrk="0" hangingPunct="0">
+              <a:spcBef>
+                <a:spcPct val="20000"/>
+              </a:spcBef>
+              <a:buChar char="–"/>
+              <a:defRPr sz="2400">
+                <a:solidFill>
+                  <a:schemeClr val="tx1"/>
+                </a:solidFill>
+                <a:latin typeface="Arial" panose="020B0604020202020204" pitchFamily="34" charset="0"/>
+              </a:defRPr>
+            </a:lvl2pPr>
+            <a:lvl3pPr marL="1143000" indent="-228600" eaLnBrk="0" hangingPunct="0">
+              <a:spcBef>
+                <a:spcPct val="20000"/>
+              </a:spcBef>
+              <a:buChar char="•"/>
+              <a:defRPr sz="2000">
+                <a:solidFill>
+                  <a:schemeClr val="tx1"/>
+                </a:solidFill>
+                <a:latin typeface="Arial" panose="020B0604020202020204" pitchFamily="34" charset="0"/>
+              </a:defRPr>
+            </a:lvl3pPr>
+            <a:lvl4pPr marL="1600200" indent="-228600" eaLnBrk="0" hangingPunct="0">
+              <a:spcBef>
+                <a:spcPct val="20000"/>
+              </a:spcBef>
+              <a:buChar char="–"/>
+              <a:defRPr>
+                <a:solidFill>
+                  <a:schemeClr val="tx1"/>
+                </a:solidFill>
+                <a:latin typeface="Arial" panose="020B0604020202020204" pitchFamily="34" charset="0"/>
+              </a:defRPr>
+            </a:lvl4pPr>
+            <a:lvl5pPr marL="2057400" indent="-228600" eaLnBrk="0" hangingPunct="0">
+              <a:spcBef>
+                <a:spcPct val="20000"/>
+              </a:spcBef>
+              <a:buChar char="»"/>
+              <a:defRPr sz="1600">
+                <a:solidFill>
+                  <a:schemeClr val="tx1"/>
+                </a:solidFill>
+                <a:latin typeface="Arial" panose="020B0604020202020204" pitchFamily="34" charset="0"/>
+              </a:defRPr>
+            </a:lvl5pPr>
+            <a:lvl6pPr marL="2514600" indent="-228600" eaLnBrk="0" fontAlgn="base" hangingPunct="0">
+              <a:spcBef>
+                <a:spcPct val="20000"/>
+              </a:spcBef>
+              <a:spcAft>
+                <a:spcPct val="0"/>
+              </a:spcAft>
+              <a:buChar char="»"/>
+              <a:defRPr sz="1600">
+                <a:solidFill>
+                  <a:schemeClr val="tx1"/>
+                </a:solidFill>
+                <a:latin typeface="Arial" panose="020B0604020202020204" pitchFamily="34" charset="0"/>
+              </a:defRPr>
+            </a:lvl6pPr>
+            <a:lvl7pPr marL="2971800" indent="-228600" eaLnBrk="0" fontAlgn="base" hangingPunct="0">
+              <a:spcBef>
+                <a:spcPct val="20000"/>
+              </a:spcBef>
+              <a:spcAft>
+                <a:spcPct val="0"/>
+              </a:spcAft>
+              <a:buChar char="»"/>
+              <a:defRPr sz="1600">
+                <a:solidFill>
+                  <a:schemeClr val="tx1"/>
+                </a:solidFill>
+                <a:latin typeface="Arial" panose="020B0604020202020204" pitchFamily="34" charset="0"/>
+              </a:defRPr>
+            </a:lvl7pPr>
+            <a:lvl8pPr marL="3429000" indent="-228600" eaLnBrk="0" fontAlgn="base" hangingPunct="0">
+              <a:spcBef>
+                <a:spcPct val="20000"/>
+              </a:spcBef>
+              <a:spcAft>
+                <a:spcPct val="0"/>
+              </a:spcAft>
+              <a:buChar char="»"/>
+              <a:defRPr sz="1600">
+                <a:solidFill>
+                  <a:schemeClr val="tx1"/>
+                </a:solidFill>
+                <a:latin typeface="Arial" panose="020B0604020202020204" pitchFamily="34" charset="0"/>
+              </a:defRPr>
+            </a:lvl8pPr>
+            <a:lvl9pPr marL="3886200" indent="-228600" eaLnBrk="0" fontAlgn="base" hangingPunct="0">
+              <a:spcBef>
+                <a:spcPct val="20000"/>
+              </a:spcBef>
+              <a:spcAft>
+                <a:spcPct val="0"/>
+              </a:spcAft>
+              <a:buChar char="»"/>
+              <a:defRPr sz="1600">
+                <a:solidFill>
+                  <a:schemeClr val="tx1"/>
+                </a:solidFill>
+                <a:latin typeface="Arial" panose="020B0604020202020204" pitchFamily="34" charset="0"/>
+              </a:defRPr>
+            </a:lvl9pPr>
+          </a:lstStyle>
+          <a:p>
+            <a:pPr eaLnBrk="1" hangingPunct="1">
+              <a:spcBef>
+                <a:spcPct val="0"/>
+              </a:spcBef>
+              <a:buClrTx/>
+              <a:buFontTx/>
+              <a:buNone/>
+            </a:pPr>
+            <a:r>
+              <a:rPr lang="en-GB" altLang="fr-FR" sz="1400">
+                <a:latin typeface="Courier New" panose="02070309020205020404" pitchFamily="49" charset="0"/>
+                <a:cs typeface="Courier New" panose="02070309020205020404" pitchFamily="49" charset="0"/>
+              </a:rPr>
+              <a:t>   </a:t>
+            </a:r>
+            <a:r>
+              <a:rPr lang="en-GB" altLang="fr-FR" sz="1400" b="1">
+                <a:cs typeface="Arial" panose="020B0604020202020204" pitchFamily="34" charset="0"/>
+              </a:rPr>
+              <a:t>Duration</a:t>
+            </a:r>
+            <a:r>
+              <a:rPr lang="en-GB" altLang="fr-FR" sz="1400">
+                <a:latin typeface="Courier New" panose="02070309020205020404" pitchFamily="49" charset="0"/>
+                <a:cs typeface="Courier New" panose="02070309020205020404" pitchFamily="49" charset="0"/>
+              </a:rPr>
+              <a:t>  </a:t>
+            </a:r>
+          </a:p>
+          <a:p>
+            <a:pPr eaLnBrk="1" hangingPunct="1">
+              <a:spcBef>
+                <a:spcPct val="0"/>
+              </a:spcBef>
+              <a:buClrTx/>
+              <a:buFontTx/>
+              <a:buNone/>
+            </a:pPr>
+            <a:endParaRPr lang="en-GB" altLang="fr-FR" sz="1400">
+              <a:latin typeface="Courier New" panose="02070309020205020404" pitchFamily="49" charset="0"/>
+              <a:cs typeface="Courier New" panose="02070309020205020404" pitchFamily="49" charset="0"/>
+            </a:endParaRPr>
+          </a:p>
+          <a:p>
+            <a:pPr eaLnBrk="1" hangingPunct="1">
+              <a:spcBef>
+                <a:spcPct val="0"/>
+              </a:spcBef>
+              <a:buClrTx/>
+              <a:buFontTx/>
+              <a:buNone/>
+            </a:pPr>
+            <a:endParaRPr lang="en-GB" altLang="fr-FR" sz="1400">
+              <a:latin typeface="Courier New" panose="02070309020205020404" pitchFamily="49" charset="0"/>
+              <a:cs typeface="Courier New" panose="02070309020205020404" pitchFamily="49" charset="0"/>
+            </a:endParaRPr>
+          </a:p>
+          <a:p>
+            <a:pPr eaLnBrk="1" hangingPunct="1">
+              <a:spcBef>
+                <a:spcPct val="0"/>
+              </a:spcBef>
+              <a:buClrTx/>
+              <a:buFontTx/>
+              <a:buNone/>
+            </a:pPr>
+            <a:r>
+              <a:rPr lang="en-GB" altLang="fr-FR" sz="1400">
+                <a:latin typeface="Courier New" panose="02070309020205020404" pitchFamily="49" charset="0"/>
+                <a:cs typeface="Courier New" panose="02070309020205020404" pitchFamily="49" charset="0"/>
+              </a:rPr>
+              <a:t>    </a:t>
+            </a:r>
+          </a:p>
+        </p:txBody>
+      </p:sp>
+      <p:sp>
+        <p:nvSpPr>
+          <p:cNvPr id="5126" name="Line 15">
+            <a:extLst>
+              <a:ext uri="{FF2B5EF4-FFF2-40B4-BE49-F238E27FC236}">
+                <a16:creationId xmlns:a16="http://schemas.microsoft.com/office/drawing/2014/main" id="{8D76E7F7-7872-4050-A986-4FA14F80C68F}"/>
+              </a:ext>
+            </a:extLst>
+          </p:cNvPr>
+          <p:cNvSpPr>
+            <a:spLocks noChangeShapeType="1"/>
+          </p:cNvSpPr>
+          <p:nvPr/>
+        </p:nvSpPr>
+        <p:spPr bwMode="blackWhite">
+          <a:xfrm>
+            <a:off x="4060825" y="5438775"/>
+            <a:ext cx="1579563" cy="0"/>
+          </a:xfrm>
+          <a:prstGeom prst="line">
+            <a:avLst/>
+          </a:prstGeom>
+          <a:noFill/>
+          <a:ln w="12700">
+            <a:solidFill>
+              <a:schemeClr val="tx1"/>
+            </a:solidFill>
+            <a:round/>
+            <a:headEnd/>
+            <a:tailEnd/>
+          </a:ln>
+          <a:effectLst/>
+          <a:extLst>
+            <a:ext uri="{909E8E84-426E-40DD-AFC4-6F175D3DCCD1}">
+              <a14:hiddenFill xmlns:a14="http://schemas.microsoft.com/office/drawing/2010/main">
+                <a:noFill/>
+              </a14:hiddenFill>
+            </a:ext>
+            <a:ext uri="{AF507438-7753-43E0-B8FC-AC1667EBCBE1}">
+              <a14:hiddenEffects xmlns:a14="http://schemas.microsoft.com/office/drawing/2010/main">
+                <a:effectLst>
+                  <a:outerShdw dist="35921" dir="2700000" algn="ctr" rotWithShape="0">
+                    <a:schemeClr val="bg2"/>
+                  </a:outerShdw>
+                </a:effectLst>
+              </a14:hiddenEffects>
+            </a:ext>
+          </a:extLst>
+        </p:spPr>
+        <p:txBody>
+          <a:bodyPr>
+            <a:spAutoFit/>
+          </a:bodyPr>
+          <a:lstStyle/>
+          <a:p>
+            <a:endParaRPr lang="fr-FR"/>
+          </a:p>
+        </p:txBody>
+      </p:sp>
+      <p:sp>
+        <p:nvSpPr>
+          <p:cNvPr id="5127" name="Line 16">
+            <a:extLst>
+              <a:ext uri="{FF2B5EF4-FFF2-40B4-BE49-F238E27FC236}">
+                <a16:creationId xmlns:a16="http://schemas.microsoft.com/office/drawing/2014/main" id="{14C0FCA9-76EF-4F60-B567-09CE5795B221}"/>
+              </a:ext>
+            </a:extLst>
+          </p:cNvPr>
+          <p:cNvSpPr>
+            <a:spLocks noChangeShapeType="1"/>
+          </p:cNvSpPr>
+          <p:nvPr/>
+        </p:nvSpPr>
+        <p:spPr bwMode="blackWhite">
+          <a:xfrm>
+            <a:off x="6604000" y="5451475"/>
+            <a:ext cx="1579563" cy="0"/>
+          </a:xfrm>
+          <a:prstGeom prst="line">
+            <a:avLst/>
+          </a:prstGeom>
+          <a:noFill/>
+          <a:ln w="12700">
+            <a:solidFill>
+              <a:schemeClr val="tx1"/>
+            </a:solidFill>
+            <a:round/>
+            <a:headEnd/>
+            <a:tailEnd/>
+          </a:ln>
+          <a:effectLst/>
+          <a:extLst>
+            <a:ext uri="{909E8E84-426E-40DD-AFC4-6F175D3DCCD1}">
+              <a14:hiddenFill xmlns:a14="http://schemas.microsoft.com/office/drawing/2010/main">
+                <a:noFill/>
+              </a14:hiddenFill>
+            </a:ext>
+            <a:ext uri="{AF507438-7753-43E0-B8FC-AC1667EBCBE1}">
+              <a14:hiddenEffects xmlns:a14="http://schemas.microsoft.com/office/drawing/2010/main">
+                <a:effectLst>
+                  <a:outerShdw dist="35921" dir="2700000" algn="ctr" rotWithShape="0">
+                    <a:schemeClr val="bg2"/>
+                  </a:outerShdw>
+                </a:effectLst>
+              </a14:hiddenEffects>
+            </a:ext>
+          </a:extLst>
+        </p:spPr>
+        <p:txBody>
+          <a:bodyPr>
+            <a:spAutoFit/>
+          </a:bodyPr>
+          <a:lstStyle/>
+          <a:p>
+            <a:endParaRPr lang="fr-FR"/>
+          </a:p>
+        </p:txBody>
+      </p:sp>
+      <p:sp>
+        <p:nvSpPr>
+          <p:cNvPr id="5128" name="Line 17">
+            <a:extLst>
+              <a:ext uri="{FF2B5EF4-FFF2-40B4-BE49-F238E27FC236}">
+                <a16:creationId xmlns:a16="http://schemas.microsoft.com/office/drawing/2014/main" id="{4C504711-E8E0-40B2-9C13-90CFA9FEFFD1}"/>
+              </a:ext>
+            </a:extLst>
+          </p:cNvPr>
+          <p:cNvSpPr>
+            <a:spLocks noChangeShapeType="1"/>
+          </p:cNvSpPr>
+          <p:nvPr/>
+        </p:nvSpPr>
+        <p:spPr bwMode="blackWhite">
+          <a:xfrm>
+            <a:off x="4065588" y="5762625"/>
+            <a:ext cx="1579562" cy="0"/>
+          </a:xfrm>
+          <a:prstGeom prst="line">
+            <a:avLst/>
+          </a:prstGeom>
+          <a:noFill/>
+          <a:ln w="12700">
+            <a:solidFill>
+              <a:schemeClr val="tx1"/>
+            </a:solidFill>
+            <a:round/>
+            <a:headEnd/>
+            <a:tailEnd/>
+          </a:ln>
+          <a:effectLst/>
+          <a:extLst>
+            <a:ext uri="{909E8E84-426E-40DD-AFC4-6F175D3DCCD1}">
+              <a14:hiddenFill xmlns:a14="http://schemas.microsoft.com/office/drawing/2010/main">
+                <a:noFill/>
+              </a14:hiddenFill>
+            </a:ext>
+            <a:ext uri="{AF507438-7753-43E0-B8FC-AC1667EBCBE1}">
+              <a14:hiddenEffects xmlns:a14="http://schemas.microsoft.com/office/drawing/2010/main">
+                <a:effectLst>
+                  <a:outerShdw dist="35921" dir="2700000" algn="ctr" rotWithShape="0">
+                    <a:schemeClr val="bg2"/>
+                  </a:outerShdw>
+                </a:effectLst>
+              </a14:hiddenEffects>
+            </a:ext>
+          </a:extLst>
+        </p:spPr>
+        <p:txBody>
+          <a:bodyPr>
+            <a:spAutoFit/>
+          </a:bodyPr>
+          <a:lstStyle/>
+          <a:p>
+            <a:endParaRPr lang="fr-FR"/>
+          </a:p>
+        </p:txBody>
+      </p:sp>
+      <p:sp>
+        <p:nvSpPr>
+          <p:cNvPr id="5129" name="Line 18">
+            <a:extLst>
+              <a:ext uri="{FF2B5EF4-FFF2-40B4-BE49-F238E27FC236}">
+                <a16:creationId xmlns:a16="http://schemas.microsoft.com/office/drawing/2014/main" id="{0FD68115-5C09-4D18-8889-01B5D6B8F0A3}"/>
+              </a:ext>
+            </a:extLst>
+          </p:cNvPr>
+          <p:cNvSpPr>
+            <a:spLocks noChangeShapeType="1"/>
+          </p:cNvSpPr>
+          <p:nvPr/>
+        </p:nvSpPr>
+        <p:spPr bwMode="blackWhite">
+          <a:xfrm>
+            <a:off x="6610350" y="5776913"/>
+            <a:ext cx="1579563" cy="0"/>
+          </a:xfrm>
+          <a:prstGeom prst="line">
+            <a:avLst/>
+          </a:prstGeom>
+          <a:noFill/>
+          <a:ln w="12700">
+            <a:solidFill>
+              <a:schemeClr val="tx1"/>
+            </a:solidFill>
+            <a:round/>
+            <a:headEnd/>
+            <a:tailEnd/>
+          </a:ln>
+          <a:effectLst/>
+          <a:extLst>
+            <a:ext uri="{909E8E84-426E-40DD-AFC4-6F175D3DCCD1}">
+              <a14:hiddenFill xmlns:a14="http://schemas.microsoft.com/office/drawing/2010/main">
+                <a:noFill/>
+              </a14:hiddenFill>
+            </a:ext>
+            <a:ext uri="{AF507438-7753-43E0-B8FC-AC1667EBCBE1}">
+              <a14:hiddenEffects xmlns:a14="http://schemas.microsoft.com/office/drawing/2010/main">
+                <a:effectLst>
+                  <a:outerShdw dist="35921" dir="2700000" algn="ctr" rotWithShape="0">
+                    <a:schemeClr val="bg2"/>
+                  </a:outerShdw>
+                </a:effectLst>
+              </a14:hiddenEffects>
+            </a:ext>
+          </a:extLst>
+        </p:spPr>
+        <p:txBody>
+          <a:bodyPr>
+            <a:spAutoFit/>
+          </a:bodyPr>
+          <a:lstStyle/>
+          <a:p>
+            <a:endParaRPr lang="fr-FR"/>
+          </a:p>
+        </p:txBody>
+      </p:sp>
+      <p:sp>
+        <p:nvSpPr>
+          <p:cNvPr id="5130" name="AutoShape 19">
+            <a:extLst>
+              <a:ext uri="{FF2B5EF4-FFF2-40B4-BE49-F238E27FC236}">
+                <a16:creationId xmlns:a16="http://schemas.microsoft.com/office/drawing/2014/main" id="{2B176002-022E-4647-90B7-F84507D3BFD0}"/>
+              </a:ext>
+            </a:extLst>
+          </p:cNvPr>
+          <p:cNvSpPr>
+            <a:spLocks noChangeArrowheads="1"/>
+          </p:cNvSpPr>
+          <p:nvPr/>
+        </p:nvSpPr>
+        <p:spPr bwMode="blackWhite">
+          <a:xfrm>
+            <a:off x="3017838" y="5453063"/>
+            <a:ext cx="214312" cy="207962"/>
+          </a:xfrm>
+          <a:prstGeom prst="flowChartDecision">
+            <a:avLst/>
+          </a:prstGeom>
+          <a:solidFill>
+            <a:schemeClr val="tx2"/>
+          </a:solidFill>
+          <a:ln w="12700">
+            <a:solidFill>
+              <a:schemeClr val="tx1"/>
+            </a:solidFill>
+            <a:miter lim="800000"/>
+            <a:headEnd/>
+            <a:tailEnd/>
+          </a:ln>
+          <a:effectLst/>
+          <a:extLst>
+            <a:ext uri="{AF507438-7753-43E0-B8FC-AC1667EBCBE1}">
+              <a14:hiddenEffects xmlns:a14="http://schemas.microsoft.com/office/drawing/2010/main">
+                <a:effectLst>
+                  <a:outerShdw dist="35921" dir="2700000" algn="ctr" rotWithShape="0">
+                    <a:schemeClr val="bg2"/>
+                  </a:outerShdw>
+                </a:effectLst>
+              </a14:hiddenEffects>
+            </a:ext>
+          </a:extLst>
+        </p:spPr>
+        <p:txBody>
+          <a:bodyPr anchor="ctr">
+            <a:spAutoFit/>
+          </a:bodyPr>
+          <a:lstStyle>
+            <a:lvl1pPr eaLnBrk="0" hangingPunct="0">
+              <a:spcBef>
+                <a:spcPct val="20000"/>
+              </a:spcBef>
+              <a:buClr>
+                <a:schemeClr val="tx1"/>
+              </a:buClr>
+              <a:buFont typeface="Monotype Sorts" pitchFamily="2" charset="2"/>
+              <a:buChar char="o"/>
+              <a:defRPr sz="2800">
+                <a:solidFill>
+                  <a:schemeClr val="tx1"/>
+                </a:solidFill>
+                <a:latin typeface="Arial" panose="020B0604020202020204" pitchFamily="34" charset="0"/>
+              </a:defRPr>
+            </a:lvl1pPr>
+            <a:lvl2pPr marL="742950" indent="-285750" eaLnBrk="0" hangingPunct="0">
+              <a:spcBef>
+                <a:spcPct val="20000"/>
+              </a:spcBef>
+              <a:buChar char="–"/>
+              <a:defRPr sz="2400">
+                <a:solidFill>
+                  <a:schemeClr val="tx1"/>
+                </a:solidFill>
+                <a:latin typeface="Arial" panose="020B0604020202020204" pitchFamily="34" charset="0"/>
+              </a:defRPr>
+            </a:lvl2pPr>
+            <a:lvl3pPr marL="1143000" indent="-228600" eaLnBrk="0" hangingPunct="0">
+              <a:spcBef>
+                <a:spcPct val="20000"/>
+              </a:spcBef>
+              <a:buChar char="•"/>
+              <a:defRPr sz="2000">
+                <a:solidFill>
+                  <a:schemeClr val="tx1"/>
+                </a:solidFill>
+                <a:latin typeface="Arial" panose="020B0604020202020204" pitchFamily="34" charset="0"/>
+              </a:defRPr>
+            </a:lvl3pPr>
+            <a:lvl4pPr marL="1600200" indent="-228600" eaLnBrk="0" hangingPunct="0">
+              <a:spcBef>
+                <a:spcPct val="20000"/>
+              </a:spcBef>
+              <a:buChar char="–"/>
+              <a:defRPr>
+                <a:solidFill>
+                  <a:schemeClr val="tx1"/>
+                </a:solidFill>
+                <a:latin typeface="Arial" panose="020B0604020202020204" pitchFamily="34" charset="0"/>
+              </a:defRPr>
+            </a:lvl4pPr>
+            <a:lvl5pPr marL="2057400" indent="-228600" eaLnBrk="0" hangingPunct="0">
+              <a:spcBef>
+                <a:spcPct val="20000"/>
+              </a:spcBef>
+              <a:buChar char="»"/>
+              <a:defRPr sz="1600">
+                <a:solidFill>
+                  <a:schemeClr val="tx1"/>
+                </a:solidFill>
+                <a:latin typeface="Arial" panose="020B0604020202020204" pitchFamily="34" charset="0"/>
+              </a:defRPr>
+            </a:lvl5pPr>
+            <a:lvl6pPr marL="2514600" indent="-228600" eaLnBrk="0" fontAlgn="base" hangingPunct="0">
+              <a:spcBef>
+                <a:spcPct val="20000"/>
+              </a:spcBef>
+              <a:spcAft>
+                <a:spcPct val="0"/>
+              </a:spcAft>
+              <a:buChar char="»"/>
+              <a:defRPr sz="1600">
+                <a:solidFill>
+                  <a:schemeClr val="tx1"/>
+                </a:solidFill>
+                <a:latin typeface="Arial" panose="020B0604020202020204" pitchFamily="34" charset="0"/>
+              </a:defRPr>
+            </a:lvl6pPr>
+            <a:lvl7pPr marL="2971800" indent="-228600" eaLnBrk="0" fontAlgn="base" hangingPunct="0">
+              <a:spcBef>
+                <a:spcPct val="20000"/>
+              </a:spcBef>
+              <a:spcAft>
+                <a:spcPct val="0"/>
+              </a:spcAft>
+              <a:buChar char="»"/>
+              <a:defRPr sz="1600">
+                <a:solidFill>
+                  <a:schemeClr val="tx1"/>
+                </a:solidFill>
+                <a:latin typeface="Arial" panose="020B0604020202020204" pitchFamily="34" charset="0"/>
+              </a:defRPr>
+            </a:lvl7pPr>
+            <a:lvl8pPr marL="3429000" indent="-228600" eaLnBrk="0" fontAlgn="base" hangingPunct="0">
+              <a:spcBef>
+                <a:spcPct val="20000"/>
+              </a:spcBef>
+              <a:spcAft>
+                <a:spcPct val="0"/>
+              </a:spcAft>
+              <a:buChar char="»"/>
+              <a:defRPr sz="1600">
+                <a:solidFill>
+                  <a:schemeClr val="tx1"/>
+                </a:solidFill>
+                <a:latin typeface="Arial" panose="020B0604020202020204" pitchFamily="34" charset="0"/>
+              </a:defRPr>
+            </a:lvl8pPr>
+            <a:lvl9pPr marL="3886200" indent="-228600" eaLnBrk="0" fontAlgn="base" hangingPunct="0">
+              <a:spcBef>
+                <a:spcPct val="20000"/>
+              </a:spcBef>
+              <a:spcAft>
+                <a:spcPct val="0"/>
+              </a:spcAft>
+              <a:buChar char="»"/>
+              <a:defRPr sz="1600">
+                <a:solidFill>
+                  <a:schemeClr val="tx1"/>
+                </a:solidFill>
+                <a:latin typeface="Arial" panose="020B0604020202020204" pitchFamily="34" charset="0"/>
+              </a:defRPr>
+            </a:lvl9pPr>
+          </a:lstStyle>
+          <a:p>
+            <a:pPr eaLnBrk="1" hangingPunct="1">
+              <a:spcBef>
+                <a:spcPct val="0"/>
+              </a:spcBef>
+              <a:buClrTx/>
+              <a:buFontTx/>
+              <a:buNone/>
+            </a:pPr>
+            <a:endParaRPr lang="fr-FR" altLang="fr-FR" sz="2400"/>
+          </a:p>
+        </p:txBody>
+      </p:sp>
+      <p:sp>
+        <p:nvSpPr>
+          <p:cNvPr id="5131" name="AutoShape 20">
+            <a:extLst>
+              <a:ext uri="{FF2B5EF4-FFF2-40B4-BE49-F238E27FC236}">
+                <a16:creationId xmlns:a16="http://schemas.microsoft.com/office/drawing/2014/main" id="{EE942750-F008-4669-8F00-EDFD5E4B875F}"/>
+              </a:ext>
+            </a:extLst>
+          </p:cNvPr>
+          <p:cNvSpPr>
+            <a:spLocks noChangeArrowheads="1"/>
+          </p:cNvSpPr>
+          <p:nvPr/>
+        </p:nvSpPr>
+        <p:spPr bwMode="blackWhite">
+          <a:xfrm>
+            <a:off x="5641975" y="5430838"/>
+            <a:ext cx="214313" cy="207962"/>
+          </a:xfrm>
+          <a:prstGeom prst="flowChartDecision">
+            <a:avLst/>
+          </a:prstGeom>
+          <a:solidFill>
+            <a:schemeClr val="tx2"/>
+          </a:solidFill>
+          <a:ln w="12700">
+            <a:solidFill>
+              <a:schemeClr val="tx1"/>
+            </a:solidFill>
+            <a:miter lim="800000"/>
+            <a:headEnd/>
+            <a:tailEnd/>
+          </a:ln>
+          <a:effectLst/>
+          <a:extLst>
+            <a:ext uri="{AF507438-7753-43E0-B8FC-AC1667EBCBE1}">
+              <a14:hiddenEffects xmlns:a14="http://schemas.microsoft.com/office/drawing/2010/main">
+                <a:effectLst>
+                  <a:outerShdw dist="35921" dir="2700000" algn="ctr" rotWithShape="0">
+                    <a:schemeClr val="bg2"/>
+                  </a:outerShdw>
+                </a:effectLst>
+              </a14:hiddenEffects>
+            </a:ext>
+          </a:extLst>
+        </p:spPr>
+        <p:txBody>
+          <a:bodyPr anchor="ctr">
+            <a:spAutoFit/>
+          </a:bodyPr>
+          <a:lstStyle>
+            <a:lvl1pPr eaLnBrk="0" hangingPunct="0">
+              <a:spcBef>
+                <a:spcPct val="20000"/>
+              </a:spcBef>
+              <a:buClr>
+                <a:schemeClr val="tx1"/>
+              </a:buClr>
+              <a:buFont typeface="Monotype Sorts" pitchFamily="2" charset="2"/>
+              <a:buChar char="o"/>
+              <a:defRPr sz="2800">
+                <a:solidFill>
+                  <a:schemeClr val="tx1"/>
+                </a:solidFill>
+                <a:latin typeface="Arial" panose="020B0604020202020204" pitchFamily="34" charset="0"/>
+              </a:defRPr>
+            </a:lvl1pPr>
+            <a:lvl2pPr marL="742950" indent="-285750" eaLnBrk="0" hangingPunct="0">
+              <a:spcBef>
+                <a:spcPct val="20000"/>
+              </a:spcBef>
+              <a:buChar char="–"/>
+              <a:defRPr sz="2400">
+                <a:solidFill>
+                  <a:schemeClr val="tx1"/>
+                </a:solidFill>
+                <a:latin typeface="Arial" panose="020B0604020202020204" pitchFamily="34" charset="0"/>
+              </a:defRPr>
+            </a:lvl2pPr>
+            <a:lvl3pPr marL="1143000" indent="-228600" eaLnBrk="0" hangingPunct="0">
+              <a:spcBef>
+                <a:spcPct val="20000"/>
+              </a:spcBef>
+              <a:buChar char="•"/>
+              <a:defRPr sz="2000">
+                <a:solidFill>
+                  <a:schemeClr val="tx1"/>
+                </a:solidFill>
+                <a:latin typeface="Arial" panose="020B0604020202020204" pitchFamily="34" charset="0"/>
+              </a:defRPr>
+            </a:lvl3pPr>
+            <a:lvl4pPr marL="1600200" indent="-228600" eaLnBrk="0" hangingPunct="0">
+              <a:spcBef>
+                <a:spcPct val="20000"/>
+              </a:spcBef>
+              <a:buChar char="–"/>
+              <a:defRPr>
+                <a:solidFill>
+                  <a:schemeClr val="tx1"/>
+                </a:solidFill>
+                <a:latin typeface="Arial" panose="020B0604020202020204" pitchFamily="34" charset="0"/>
+              </a:defRPr>
+            </a:lvl4pPr>
+            <a:lvl5pPr marL="2057400" indent="-228600" eaLnBrk="0" hangingPunct="0">
+              <a:spcBef>
+                <a:spcPct val="20000"/>
+              </a:spcBef>
+              <a:buChar char="»"/>
+              <a:defRPr sz="1600">
+                <a:solidFill>
+                  <a:schemeClr val="tx1"/>
+                </a:solidFill>
+                <a:latin typeface="Arial" panose="020B0604020202020204" pitchFamily="34" charset="0"/>
+              </a:defRPr>
+            </a:lvl5pPr>
+            <a:lvl6pPr marL="2514600" indent="-228600" eaLnBrk="0" fontAlgn="base" hangingPunct="0">
+              <a:spcBef>
+                <a:spcPct val="20000"/>
+              </a:spcBef>
+              <a:spcAft>
+                <a:spcPct val="0"/>
+              </a:spcAft>
+              <a:buChar char="»"/>
+              <a:defRPr sz="1600">
+                <a:solidFill>
+                  <a:schemeClr val="tx1"/>
+                </a:solidFill>
+                <a:latin typeface="Arial" panose="020B0604020202020204" pitchFamily="34" charset="0"/>
+              </a:defRPr>
+            </a:lvl6pPr>
+            <a:lvl7pPr marL="2971800" indent="-228600" eaLnBrk="0" fontAlgn="base" hangingPunct="0">
+              <a:spcBef>
+                <a:spcPct val="20000"/>
+              </a:spcBef>
+              <a:spcAft>
+                <a:spcPct val="0"/>
+              </a:spcAft>
+              <a:buChar char="»"/>
+              <a:defRPr sz="1600">
+                <a:solidFill>
+                  <a:schemeClr val="tx1"/>
+                </a:solidFill>
+                <a:latin typeface="Arial" panose="020B0604020202020204" pitchFamily="34" charset="0"/>
+              </a:defRPr>
+            </a:lvl7pPr>
+            <a:lvl8pPr marL="3429000" indent="-228600" eaLnBrk="0" fontAlgn="base" hangingPunct="0">
+              <a:spcBef>
+                <a:spcPct val="20000"/>
+              </a:spcBef>
+              <a:spcAft>
+                <a:spcPct val="0"/>
+              </a:spcAft>
+              <a:buChar char="»"/>
+              <a:defRPr sz="1600">
+                <a:solidFill>
+                  <a:schemeClr val="tx1"/>
+                </a:solidFill>
+                <a:latin typeface="Arial" panose="020B0604020202020204" pitchFamily="34" charset="0"/>
+              </a:defRPr>
+            </a:lvl8pPr>
+            <a:lvl9pPr marL="3886200" indent="-228600" eaLnBrk="0" fontAlgn="base" hangingPunct="0">
+              <a:spcBef>
+                <a:spcPct val="20000"/>
+              </a:spcBef>
+              <a:spcAft>
+                <a:spcPct val="0"/>
+              </a:spcAft>
+              <a:buChar char="»"/>
+              <a:defRPr sz="1600">
+                <a:solidFill>
+                  <a:schemeClr val="tx1"/>
+                </a:solidFill>
+                <a:latin typeface="Arial" panose="020B0604020202020204" pitchFamily="34" charset="0"/>
+              </a:defRPr>
+            </a:lvl9pPr>
+          </a:lstStyle>
+          <a:p>
+            <a:pPr eaLnBrk="1" hangingPunct="1">
+              <a:spcBef>
+                <a:spcPct val="0"/>
+              </a:spcBef>
+              <a:buClrTx/>
+              <a:buFontTx/>
+              <a:buNone/>
+            </a:pPr>
+            <a:endParaRPr lang="fr-FR" altLang="fr-FR" sz="2400"/>
+          </a:p>
+        </p:txBody>
+      </p:sp>
+      <p:sp>
+        <p:nvSpPr>
+          <p:cNvPr id="5132" name="Line 21">
+            <a:extLst>
+              <a:ext uri="{FF2B5EF4-FFF2-40B4-BE49-F238E27FC236}">
+                <a16:creationId xmlns:a16="http://schemas.microsoft.com/office/drawing/2014/main" id="{3FA20AE0-7141-4E8D-B92D-565B9F71C14A}"/>
+              </a:ext>
+            </a:extLst>
+          </p:cNvPr>
+          <p:cNvSpPr>
+            <a:spLocks noChangeShapeType="1"/>
+          </p:cNvSpPr>
+          <p:nvPr/>
+        </p:nvSpPr>
+        <p:spPr bwMode="blackWhite">
+          <a:xfrm>
+            <a:off x="3217863" y="5557838"/>
+            <a:ext cx="842962" cy="0"/>
+          </a:xfrm>
+          <a:prstGeom prst="line">
+            <a:avLst/>
+          </a:prstGeom>
+          <a:noFill/>
+          <a:ln w="12700">
+            <a:solidFill>
+              <a:schemeClr val="tx1"/>
+            </a:solidFill>
+            <a:round/>
+            <a:headEnd/>
+            <a:tailEnd/>
+          </a:ln>
+          <a:effectLst/>
+          <a:extLst>
+            <a:ext uri="{909E8E84-426E-40DD-AFC4-6F175D3DCCD1}">
+              <a14:hiddenFill xmlns:a14="http://schemas.microsoft.com/office/drawing/2010/main">
+                <a:noFill/>
+              </a14:hiddenFill>
+            </a:ext>
+            <a:ext uri="{AF507438-7753-43E0-B8FC-AC1667EBCBE1}">
+              <a14:hiddenEffects xmlns:a14="http://schemas.microsoft.com/office/drawing/2010/main">
+                <a:effectLst>
+                  <a:outerShdw dist="35921" dir="2700000" algn="ctr" rotWithShape="0">
+                    <a:schemeClr val="bg2"/>
+                  </a:outerShdw>
+                </a:effectLst>
+              </a14:hiddenEffects>
+            </a:ext>
+          </a:extLst>
+        </p:spPr>
+        <p:txBody>
+          <a:bodyPr>
+            <a:spAutoFit/>
+          </a:bodyPr>
+          <a:lstStyle/>
+          <a:p>
+            <a:endParaRPr lang="fr-FR"/>
+          </a:p>
+        </p:txBody>
+      </p:sp>
+      <p:sp>
+        <p:nvSpPr>
+          <p:cNvPr id="5133" name="Line 22">
+            <a:extLst>
+              <a:ext uri="{FF2B5EF4-FFF2-40B4-BE49-F238E27FC236}">
+                <a16:creationId xmlns:a16="http://schemas.microsoft.com/office/drawing/2014/main" id="{867503BB-2F99-4113-86BF-D13FF525F5D9}"/>
+              </a:ext>
+            </a:extLst>
+          </p:cNvPr>
+          <p:cNvSpPr>
+            <a:spLocks noChangeShapeType="1"/>
+          </p:cNvSpPr>
+          <p:nvPr/>
+        </p:nvSpPr>
+        <p:spPr bwMode="blackWhite">
+          <a:xfrm flipV="1">
+            <a:off x="5842000" y="5534025"/>
+            <a:ext cx="773113" cy="0"/>
+          </a:xfrm>
+          <a:prstGeom prst="line">
+            <a:avLst/>
+          </a:prstGeom>
+          <a:noFill/>
+          <a:ln w="12700">
+            <a:solidFill>
+              <a:schemeClr val="tx1"/>
+            </a:solidFill>
+            <a:round/>
+            <a:headEnd/>
+            <a:tailEnd/>
+          </a:ln>
+          <a:effectLst/>
+          <a:extLst>
+            <a:ext uri="{909E8E84-426E-40DD-AFC4-6F175D3DCCD1}">
+              <a14:hiddenFill xmlns:a14="http://schemas.microsoft.com/office/drawing/2010/main">
+                <a:noFill/>
+              </a14:hiddenFill>
+            </a:ext>
+            <a:ext uri="{AF507438-7753-43E0-B8FC-AC1667EBCBE1}">
+              <a14:hiddenEffects xmlns:a14="http://schemas.microsoft.com/office/drawing/2010/main">
+                <a:effectLst>
+                  <a:outerShdw dist="35921" dir="2700000" algn="ctr" rotWithShape="0">
+                    <a:schemeClr val="bg2"/>
+                  </a:outerShdw>
+                </a:effectLst>
+              </a14:hiddenEffects>
+            </a:ext>
+          </a:extLst>
+        </p:spPr>
+        <p:txBody>
+          <a:bodyPr>
+            <a:spAutoFit/>
+          </a:bodyPr>
+          <a:lstStyle/>
+          <a:p>
+            <a:endParaRPr lang="fr-FR"/>
+          </a:p>
+        </p:txBody>
+      </p:sp>
+      <p:sp>
+        <p:nvSpPr>
+          <p:cNvPr id="5134" name="Text Box 23">
+            <a:extLst>
+              <a:ext uri="{FF2B5EF4-FFF2-40B4-BE49-F238E27FC236}">
+                <a16:creationId xmlns:a16="http://schemas.microsoft.com/office/drawing/2014/main" id="{FCB13C00-3556-43A3-8C87-EDED43729234}"/>
+              </a:ext>
+            </a:extLst>
+          </p:cNvPr>
+          <p:cNvSpPr txBox="1">
+            <a:spLocks noChangeArrowheads="1"/>
+          </p:cNvSpPr>
+          <p:nvPr/>
+        </p:nvSpPr>
+        <p:spPr bwMode="blackWhite">
+          <a:xfrm>
+            <a:off x="3078163" y="5175250"/>
+            <a:ext cx="282575" cy="304800"/>
+          </a:xfrm>
+          <a:prstGeom prst="rect">
+            <a:avLst/>
+          </a:prstGeom>
+          <a:noFill/>
+          <a:ln>
+            <a:noFill/>
+          </a:ln>
+          <a:effectLst/>
+          <a:extLst>
+            <a:ext uri="{909E8E84-426E-40DD-AFC4-6F175D3DCCD1}">
+              <a14:hiddenFill xmlns:a14="http://schemas.microsoft.com/office/drawing/2010/main">
+                <a:solidFill>
+                  <a:schemeClr val="accent1"/>
+                </a:solidFill>
+              </a14:hiddenFill>
+            </a:ext>
+            <a:ext uri="{91240B29-F687-4F45-9708-019B960494DF}">
+              <a14:hiddenLine xmlns:a14="http://schemas.microsoft.com/office/drawing/2010/main" w="12700">
+                <a:solidFill>
+                  <a:schemeClr val="tx1"/>
+                </a:solidFill>
+                <a:miter lim="800000"/>
+                <a:headEnd/>
+                <a:tailEnd/>
+              </a14:hiddenLine>
+            </a:ext>
+            <a:ext uri="{AF507438-7753-43E0-B8FC-AC1667EBCBE1}">
+              <a14:hiddenEffects xmlns:a14="http://schemas.microsoft.com/office/drawing/2010/main">
+                <a:effectLst>
+                  <a:outerShdw dist="35921" dir="2700000" algn="ctr" rotWithShape="0">
+                    <a:schemeClr val="bg2"/>
+                  </a:outerShdw>
+                </a:effectLst>
+              </a14:hiddenEffects>
+            </a:ext>
+          </a:extLst>
+        </p:spPr>
+        <p:txBody>
+          <a:bodyPr wrap="none">
+            <a:spAutoFit/>
+          </a:bodyPr>
+          <a:lstStyle>
+            <a:lvl1pPr eaLnBrk="0" hangingPunct="0">
+              <a:spcBef>
+                <a:spcPct val="20000"/>
+              </a:spcBef>
+              <a:buClr>
+                <a:schemeClr val="tx1"/>
+              </a:buClr>
+              <a:buFont typeface="Monotype Sorts" pitchFamily="2" charset="2"/>
+              <a:buChar char="o"/>
+              <a:defRPr sz="2800">
+                <a:solidFill>
+                  <a:schemeClr val="tx1"/>
+                </a:solidFill>
+                <a:latin typeface="Arial" panose="020B0604020202020204" pitchFamily="34" charset="0"/>
+              </a:defRPr>
+            </a:lvl1pPr>
+            <a:lvl2pPr marL="742950" indent="-285750" eaLnBrk="0" hangingPunct="0">
+              <a:spcBef>
+                <a:spcPct val="20000"/>
+              </a:spcBef>
+              <a:buChar char="–"/>
+              <a:defRPr sz="2400">
+                <a:solidFill>
+                  <a:schemeClr val="tx1"/>
+                </a:solidFill>
+                <a:latin typeface="Arial" panose="020B0604020202020204" pitchFamily="34" charset="0"/>
+              </a:defRPr>
+            </a:lvl2pPr>
+            <a:lvl3pPr marL="1143000" indent="-228600" eaLnBrk="0" hangingPunct="0">
+              <a:spcBef>
+                <a:spcPct val="20000"/>
+              </a:spcBef>
+              <a:buChar char="•"/>
+              <a:defRPr sz="2000">
+                <a:solidFill>
+                  <a:schemeClr val="tx1"/>
+                </a:solidFill>
+                <a:latin typeface="Arial" panose="020B0604020202020204" pitchFamily="34" charset="0"/>
+              </a:defRPr>
+            </a:lvl3pPr>
+            <a:lvl4pPr marL="1600200" indent="-228600" eaLnBrk="0" hangingPunct="0">
+              <a:spcBef>
+                <a:spcPct val="20000"/>
+              </a:spcBef>
+              <a:buChar char="–"/>
+              <a:defRPr>
+                <a:solidFill>
+                  <a:schemeClr val="tx1"/>
+                </a:solidFill>
+                <a:latin typeface="Arial" panose="020B0604020202020204" pitchFamily="34" charset="0"/>
+              </a:defRPr>
+            </a:lvl4pPr>
+            <a:lvl5pPr marL="2057400" indent="-228600" eaLnBrk="0" hangingPunct="0">
+              <a:spcBef>
+                <a:spcPct val="20000"/>
+              </a:spcBef>
+              <a:buChar char="»"/>
+              <a:defRPr sz="1600">
+                <a:solidFill>
+                  <a:schemeClr val="tx1"/>
+                </a:solidFill>
+                <a:latin typeface="Arial" panose="020B0604020202020204" pitchFamily="34" charset="0"/>
+              </a:defRPr>
+            </a:lvl5pPr>
+            <a:lvl6pPr marL="2514600" indent="-228600" eaLnBrk="0" fontAlgn="base" hangingPunct="0">
+              <a:spcBef>
+                <a:spcPct val="20000"/>
+              </a:spcBef>
+              <a:spcAft>
+                <a:spcPct val="0"/>
+              </a:spcAft>
+              <a:buChar char="»"/>
+              <a:defRPr sz="1600">
+                <a:solidFill>
+                  <a:schemeClr val="tx1"/>
+                </a:solidFill>
+                <a:latin typeface="Arial" panose="020B0604020202020204" pitchFamily="34" charset="0"/>
+              </a:defRPr>
+            </a:lvl6pPr>
+            <a:lvl7pPr marL="2971800" indent="-228600" eaLnBrk="0" fontAlgn="base" hangingPunct="0">
+              <a:spcBef>
+                <a:spcPct val="20000"/>
+              </a:spcBef>
+              <a:spcAft>
+                <a:spcPct val="0"/>
+              </a:spcAft>
+              <a:buChar char="»"/>
+              <a:defRPr sz="1600">
+                <a:solidFill>
+                  <a:schemeClr val="tx1"/>
+                </a:solidFill>
+                <a:latin typeface="Arial" panose="020B0604020202020204" pitchFamily="34" charset="0"/>
+              </a:defRPr>
+            </a:lvl7pPr>
+            <a:lvl8pPr marL="3429000" indent="-228600" eaLnBrk="0" fontAlgn="base" hangingPunct="0">
+              <a:spcBef>
+                <a:spcPct val="20000"/>
+              </a:spcBef>
+              <a:spcAft>
+                <a:spcPct val="0"/>
+              </a:spcAft>
+              <a:buChar char="»"/>
+              <a:defRPr sz="1600">
+                <a:solidFill>
+                  <a:schemeClr val="tx1"/>
+                </a:solidFill>
+                <a:latin typeface="Arial" panose="020B0604020202020204" pitchFamily="34" charset="0"/>
+              </a:defRPr>
+            </a:lvl8pPr>
+            <a:lvl9pPr marL="3886200" indent="-228600" eaLnBrk="0" fontAlgn="base" hangingPunct="0">
+              <a:spcBef>
+                <a:spcPct val="20000"/>
+              </a:spcBef>
+              <a:spcAft>
+                <a:spcPct val="0"/>
+              </a:spcAft>
+              <a:buChar char="»"/>
+              <a:defRPr sz="1600">
+                <a:solidFill>
+                  <a:schemeClr val="tx1"/>
+                </a:solidFill>
+                <a:latin typeface="Arial" panose="020B0604020202020204" pitchFamily="34" charset="0"/>
+              </a:defRPr>
+            </a:lvl9pPr>
+          </a:lstStyle>
+          <a:p>
+            <a:pPr eaLnBrk="1" hangingPunct="1">
+              <a:spcBef>
+                <a:spcPct val="0"/>
+              </a:spcBef>
+              <a:buClrTx/>
+              <a:buFontTx/>
+              <a:buNone/>
+            </a:pPr>
+            <a:r>
+              <a:rPr lang="en-GB" altLang="fr-FR" sz="1400">
+                <a:cs typeface="Arial" panose="020B0604020202020204" pitchFamily="34" charset="0"/>
+              </a:rPr>
+              <a:t>1</a:t>
+            </a:r>
+          </a:p>
+        </p:txBody>
+      </p:sp>
+      <p:sp>
+        <p:nvSpPr>
+          <p:cNvPr id="5135" name="Text Box 24">
+            <a:extLst>
+              <a:ext uri="{FF2B5EF4-FFF2-40B4-BE49-F238E27FC236}">
+                <a16:creationId xmlns:a16="http://schemas.microsoft.com/office/drawing/2014/main" id="{0F70FE44-CAD0-4B01-A9F6-5F72917B2352}"/>
+              </a:ext>
+            </a:extLst>
+          </p:cNvPr>
+          <p:cNvSpPr txBox="1">
+            <a:spLocks noChangeArrowheads="1"/>
+          </p:cNvSpPr>
+          <p:nvPr/>
+        </p:nvSpPr>
+        <p:spPr bwMode="blackWhite">
+          <a:xfrm>
+            <a:off x="3643313" y="5192713"/>
+            <a:ext cx="450850" cy="304800"/>
+          </a:xfrm>
+          <a:prstGeom prst="rect">
+            <a:avLst/>
+          </a:prstGeom>
+          <a:noFill/>
+          <a:ln>
+            <a:noFill/>
+          </a:ln>
+          <a:effectLst/>
+          <a:extLst>
+            <a:ext uri="{909E8E84-426E-40DD-AFC4-6F175D3DCCD1}">
+              <a14:hiddenFill xmlns:a14="http://schemas.microsoft.com/office/drawing/2010/main">
+                <a:solidFill>
+                  <a:schemeClr val="accent1"/>
+                </a:solidFill>
+              </a14:hiddenFill>
+            </a:ext>
+            <a:ext uri="{91240B29-F687-4F45-9708-019B960494DF}">
+              <a14:hiddenLine xmlns:a14="http://schemas.microsoft.com/office/drawing/2010/main" w="12700">
+                <a:solidFill>
+                  <a:schemeClr val="tx1"/>
+                </a:solidFill>
+                <a:miter lim="800000"/>
+                <a:headEnd/>
+                <a:tailEnd/>
+              </a14:hiddenLine>
+            </a:ext>
+            <a:ext uri="{AF507438-7753-43E0-B8FC-AC1667EBCBE1}">
+              <a14:hiddenEffects xmlns:a14="http://schemas.microsoft.com/office/drawing/2010/main">
+                <a:effectLst>
+                  <a:outerShdw dist="35921" dir="2700000" algn="ctr" rotWithShape="0">
+                    <a:schemeClr val="bg2"/>
+                  </a:outerShdw>
+                </a:effectLst>
+              </a14:hiddenEffects>
+            </a:ext>
+          </a:extLst>
+        </p:spPr>
+        <p:txBody>
+          <a:bodyPr wrap="none">
+            <a:spAutoFit/>
+          </a:bodyPr>
+          <a:lstStyle>
+            <a:lvl1pPr eaLnBrk="0" hangingPunct="0">
+              <a:spcBef>
+                <a:spcPct val="20000"/>
+              </a:spcBef>
+              <a:buClr>
+                <a:schemeClr val="tx1"/>
+              </a:buClr>
+              <a:buFont typeface="Monotype Sorts" pitchFamily="2" charset="2"/>
+              <a:buChar char="o"/>
+              <a:defRPr sz="2800">
+                <a:solidFill>
+                  <a:schemeClr val="tx1"/>
+                </a:solidFill>
+                <a:latin typeface="Arial" panose="020B0604020202020204" pitchFamily="34" charset="0"/>
+              </a:defRPr>
+            </a:lvl1pPr>
+            <a:lvl2pPr marL="742950" indent="-285750" eaLnBrk="0" hangingPunct="0">
+              <a:spcBef>
+                <a:spcPct val="20000"/>
+              </a:spcBef>
+              <a:buChar char="–"/>
+              <a:defRPr sz="2400">
+                <a:solidFill>
+                  <a:schemeClr val="tx1"/>
+                </a:solidFill>
+                <a:latin typeface="Arial" panose="020B0604020202020204" pitchFamily="34" charset="0"/>
+              </a:defRPr>
+            </a:lvl2pPr>
+            <a:lvl3pPr marL="1143000" indent="-228600" eaLnBrk="0" hangingPunct="0">
+              <a:spcBef>
+                <a:spcPct val="20000"/>
+              </a:spcBef>
+              <a:buChar char="•"/>
+              <a:defRPr sz="2000">
+                <a:solidFill>
+                  <a:schemeClr val="tx1"/>
+                </a:solidFill>
+                <a:latin typeface="Arial" panose="020B0604020202020204" pitchFamily="34" charset="0"/>
+              </a:defRPr>
+            </a:lvl3pPr>
+            <a:lvl4pPr marL="1600200" indent="-228600" eaLnBrk="0" hangingPunct="0">
+              <a:spcBef>
+                <a:spcPct val="20000"/>
+              </a:spcBef>
+              <a:buChar char="–"/>
+              <a:defRPr>
+                <a:solidFill>
+                  <a:schemeClr val="tx1"/>
+                </a:solidFill>
+                <a:latin typeface="Arial" panose="020B0604020202020204" pitchFamily="34" charset="0"/>
+              </a:defRPr>
+            </a:lvl4pPr>
+            <a:lvl5pPr marL="2057400" indent="-228600" eaLnBrk="0" hangingPunct="0">
+              <a:spcBef>
+                <a:spcPct val="20000"/>
+              </a:spcBef>
+              <a:buChar char="»"/>
+              <a:defRPr sz="1600">
+                <a:solidFill>
+                  <a:schemeClr val="tx1"/>
+                </a:solidFill>
+                <a:latin typeface="Arial" panose="020B0604020202020204" pitchFamily="34" charset="0"/>
+              </a:defRPr>
+            </a:lvl5pPr>
+            <a:lvl6pPr marL="2514600" indent="-228600" eaLnBrk="0" fontAlgn="base" hangingPunct="0">
+              <a:spcBef>
+                <a:spcPct val="20000"/>
+              </a:spcBef>
+              <a:spcAft>
+                <a:spcPct val="0"/>
+              </a:spcAft>
+              <a:buChar char="»"/>
+              <a:defRPr sz="1600">
+                <a:solidFill>
+                  <a:schemeClr val="tx1"/>
+                </a:solidFill>
+                <a:latin typeface="Arial" panose="020B0604020202020204" pitchFamily="34" charset="0"/>
+              </a:defRPr>
+            </a:lvl6pPr>
+            <a:lvl7pPr marL="2971800" indent="-228600" eaLnBrk="0" fontAlgn="base" hangingPunct="0">
+              <a:spcBef>
+                <a:spcPct val="20000"/>
+              </a:spcBef>
+              <a:spcAft>
+                <a:spcPct val="0"/>
+              </a:spcAft>
+              <a:buChar char="»"/>
+              <a:defRPr sz="1600">
+                <a:solidFill>
+                  <a:schemeClr val="tx1"/>
+                </a:solidFill>
+                <a:latin typeface="Arial" panose="020B0604020202020204" pitchFamily="34" charset="0"/>
+              </a:defRPr>
+            </a:lvl7pPr>
+            <a:lvl8pPr marL="3429000" indent="-228600" eaLnBrk="0" fontAlgn="base" hangingPunct="0">
+              <a:spcBef>
+                <a:spcPct val="20000"/>
+              </a:spcBef>
+              <a:spcAft>
+                <a:spcPct val="0"/>
+              </a:spcAft>
+              <a:buChar char="»"/>
+              <a:defRPr sz="1600">
+                <a:solidFill>
+                  <a:schemeClr val="tx1"/>
+                </a:solidFill>
+                <a:latin typeface="Arial" panose="020B0604020202020204" pitchFamily="34" charset="0"/>
+              </a:defRPr>
+            </a:lvl8pPr>
+            <a:lvl9pPr marL="3886200" indent="-228600" eaLnBrk="0" fontAlgn="base" hangingPunct="0">
+              <a:spcBef>
+                <a:spcPct val="20000"/>
+              </a:spcBef>
+              <a:spcAft>
+                <a:spcPct val="0"/>
+              </a:spcAft>
+              <a:buChar char="»"/>
+              <a:defRPr sz="1600">
+                <a:solidFill>
+                  <a:schemeClr val="tx1"/>
+                </a:solidFill>
+                <a:latin typeface="Arial" panose="020B0604020202020204" pitchFamily="34" charset="0"/>
+              </a:defRPr>
+            </a:lvl9pPr>
+          </a:lstStyle>
+          <a:p>
+            <a:pPr eaLnBrk="1" hangingPunct="1">
+              <a:spcBef>
+                <a:spcPct val="0"/>
+              </a:spcBef>
+              <a:buClrTx/>
+              <a:buFontTx/>
+              <a:buNone/>
+            </a:pPr>
+            <a:r>
+              <a:rPr lang="en-GB" altLang="fr-FR" sz="1400">
+                <a:cs typeface="Arial" panose="020B0604020202020204" pitchFamily="34" charset="0"/>
+              </a:rPr>
+              <a:t>1..*</a:t>
+            </a:r>
+          </a:p>
+        </p:txBody>
+      </p:sp>
+      <p:grpSp>
+        <p:nvGrpSpPr>
+          <p:cNvPr id="5136" name="Group 25">
+            <a:extLst>
+              <a:ext uri="{FF2B5EF4-FFF2-40B4-BE49-F238E27FC236}">
+                <a16:creationId xmlns:a16="http://schemas.microsoft.com/office/drawing/2014/main" id="{DFB6B1FA-0215-4FBB-96A0-754F123B733C}"/>
+              </a:ext>
+            </a:extLst>
+          </p:cNvPr>
+          <p:cNvGrpSpPr>
+            <a:grpSpLocks/>
+          </p:cNvGrpSpPr>
+          <p:nvPr/>
+        </p:nvGrpSpPr>
+        <p:grpSpPr bwMode="auto">
+          <a:xfrm>
+            <a:off x="998538" y="3503613"/>
+            <a:ext cx="2039937" cy="2536825"/>
+            <a:chOff x="854" y="2057"/>
+            <a:chExt cx="1285" cy="1598"/>
+          </a:xfrm>
+        </p:grpSpPr>
+        <p:sp>
+          <p:nvSpPr>
+            <p:cNvPr id="5139" name="Text Box 4">
+              <a:extLst>
+                <a:ext uri="{FF2B5EF4-FFF2-40B4-BE49-F238E27FC236}">
+                  <a16:creationId xmlns:a16="http://schemas.microsoft.com/office/drawing/2014/main" id="{B716E23D-9225-41BE-A909-810ED6205AF3}"/>
+                </a:ext>
+              </a:extLst>
+            </p:cNvPr>
+            <p:cNvSpPr txBox="1">
+              <a:spLocks noChangeArrowheads="1"/>
+            </p:cNvSpPr>
+            <p:nvPr/>
+          </p:nvSpPr>
+          <p:spPr bwMode="blackWhite">
+            <a:xfrm>
+              <a:off x="867" y="2057"/>
+              <a:ext cx="1272" cy="602"/>
+            </a:xfrm>
+            <a:prstGeom prst="rect">
+              <a:avLst/>
+            </a:prstGeom>
+            <a:solidFill>
+              <a:schemeClr val="accent1"/>
+            </a:solidFill>
+            <a:ln w="12700">
+              <a:solidFill>
+                <a:schemeClr val="tx1"/>
+              </a:solidFill>
+              <a:miter lim="800000"/>
+              <a:headEnd/>
+              <a:tailEnd/>
+            </a:ln>
+            <a:effectLst/>
+            <a:extLst>
+              <a:ext uri="{AF507438-7753-43E0-B8FC-AC1667EBCBE1}">
+                <a14:hiddenEffects xmlns:a14="http://schemas.microsoft.com/office/drawing/2010/main">
+                  <a:effectLst>
+                    <a:outerShdw dist="35921" dir="2700000" algn="ctr" rotWithShape="0">
+                      <a:schemeClr val="bg2"/>
+                    </a:outerShdw>
+                  </a:effectLst>
+                </a14:hiddenEffects>
+              </a:ext>
+            </a:extLst>
+          </p:spPr>
+          <p:txBody>
+            <a:bodyPr>
+              <a:spAutoFit/>
+            </a:bodyPr>
+            <a:lstStyle>
+              <a:lvl1pPr eaLnBrk="0" hangingPunct="0">
+                <a:spcBef>
+                  <a:spcPct val="20000"/>
+                </a:spcBef>
+                <a:buClr>
+                  <a:schemeClr val="tx1"/>
+                </a:buClr>
+                <a:buFont typeface="Monotype Sorts" pitchFamily="2" charset="2"/>
+                <a:buChar char="o"/>
+                <a:defRPr sz="2800">
+                  <a:solidFill>
+                    <a:schemeClr val="tx1"/>
+                  </a:solidFill>
+                  <a:latin typeface="Arial" panose="020B0604020202020204" pitchFamily="34" charset="0"/>
+                </a:defRPr>
+              </a:lvl1pPr>
+              <a:lvl2pPr marL="742950" indent="-285750" eaLnBrk="0" hangingPunct="0">
+                <a:spcBef>
+                  <a:spcPct val="20000"/>
+                </a:spcBef>
+                <a:buChar char="–"/>
+                <a:defRPr sz="2400">
+                  <a:solidFill>
+                    <a:schemeClr val="tx1"/>
+                  </a:solidFill>
+                  <a:latin typeface="Arial" panose="020B0604020202020204" pitchFamily="34" charset="0"/>
+                </a:defRPr>
+              </a:lvl2pPr>
+              <a:lvl3pPr marL="1143000" indent="-228600" eaLnBrk="0" hangingPunct="0">
+                <a:spcBef>
+                  <a:spcPct val="20000"/>
+                </a:spcBef>
+                <a:buChar char="•"/>
+                <a:defRPr sz="2000">
+                  <a:solidFill>
+                    <a:schemeClr val="tx1"/>
+                  </a:solidFill>
+                  <a:latin typeface="Arial" panose="020B0604020202020204" pitchFamily="34" charset="0"/>
+                </a:defRPr>
+              </a:lvl3pPr>
+              <a:lvl4pPr marL="1600200" indent="-228600" eaLnBrk="0" hangingPunct="0">
+                <a:spcBef>
+                  <a:spcPct val="20000"/>
+                </a:spcBef>
+                <a:buChar char="–"/>
+                <a:defRPr>
+                  <a:solidFill>
+                    <a:schemeClr val="tx1"/>
+                  </a:solidFill>
+                  <a:latin typeface="Arial" panose="020B0604020202020204" pitchFamily="34" charset="0"/>
+                </a:defRPr>
+              </a:lvl4pPr>
+              <a:lvl5pPr marL="2057400" indent="-228600" eaLnBrk="0" hangingPunct="0">
+                <a:spcBef>
+                  <a:spcPct val="20000"/>
+                </a:spcBef>
+                <a:buChar char="»"/>
+                <a:defRPr sz="1600">
+                  <a:solidFill>
+                    <a:schemeClr val="tx1"/>
+                  </a:solidFill>
+                  <a:latin typeface="Arial" panose="020B0604020202020204" pitchFamily="34" charset="0"/>
+                </a:defRPr>
+              </a:lvl5pPr>
+              <a:lvl6pPr marL="2514600" indent="-228600" eaLnBrk="0" fontAlgn="base" hangingPunct="0">
+                <a:spcBef>
+                  <a:spcPct val="20000"/>
+                </a:spcBef>
+                <a:spcAft>
+                  <a:spcPct val="0"/>
+                </a:spcAft>
+                <a:buChar char="»"/>
+                <a:defRPr sz="1600">
+                  <a:solidFill>
+                    <a:schemeClr val="tx1"/>
+                  </a:solidFill>
+                  <a:latin typeface="Arial" panose="020B0604020202020204" pitchFamily="34" charset="0"/>
+                </a:defRPr>
+              </a:lvl6pPr>
+              <a:lvl7pPr marL="2971800" indent="-228600" eaLnBrk="0" fontAlgn="base" hangingPunct="0">
+                <a:spcBef>
+                  <a:spcPct val="20000"/>
+                </a:spcBef>
+                <a:spcAft>
+                  <a:spcPct val="0"/>
+                </a:spcAft>
+                <a:buChar char="»"/>
+                <a:defRPr sz="1600">
+                  <a:solidFill>
+                    <a:schemeClr val="tx1"/>
+                  </a:solidFill>
+                  <a:latin typeface="Arial" panose="020B0604020202020204" pitchFamily="34" charset="0"/>
+                </a:defRPr>
+              </a:lvl7pPr>
+              <a:lvl8pPr marL="3429000" indent="-228600" eaLnBrk="0" fontAlgn="base" hangingPunct="0">
+                <a:spcBef>
+                  <a:spcPct val="20000"/>
+                </a:spcBef>
+                <a:spcAft>
+                  <a:spcPct val="0"/>
+                </a:spcAft>
+                <a:buChar char="»"/>
+                <a:defRPr sz="1600">
+                  <a:solidFill>
+                    <a:schemeClr val="tx1"/>
+                  </a:solidFill>
+                  <a:latin typeface="Arial" panose="020B0604020202020204" pitchFamily="34" charset="0"/>
+                </a:defRPr>
+              </a:lvl8pPr>
+              <a:lvl9pPr marL="3886200" indent="-228600" eaLnBrk="0" fontAlgn="base" hangingPunct="0">
+                <a:spcBef>
+                  <a:spcPct val="20000"/>
+                </a:spcBef>
+                <a:spcAft>
+                  <a:spcPct val="0"/>
+                </a:spcAft>
+                <a:buChar char="»"/>
+                <a:defRPr sz="1600">
+                  <a:solidFill>
+                    <a:schemeClr val="tx1"/>
+                  </a:solidFill>
+                  <a:latin typeface="Arial" panose="020B0604020202020204" pitchFamily="34" charset="0"/>
+                </a:defRPr>
+              </a:lvl9pPr>
+            </a:lstStyle>
+            <a:p>
+              <a:pPr algn="ctr" eaLnBrk="1" hangingPunct="1">
+                <a:spcBef>
+                  <a:spcPct val="50000"/>
+                </a:spcBef>
+                <a:buClrTx/>
+                <a:buFontTx/>
+                <a:buNone/>
+              </a:pPr>
+              <a:r>
+                <a:rPr lang="en-GB" altLang="fr-FR" sz="1400" b="1">
+                  <a:cs typeface="Arial" panose="020B0604020202020204" pitchFamily="34" charset="0"/>
+                </a:rPr>
+                <a:t>Recording</a:t>
+              </a:r>
+            </a:p>
+            <a:p>
+              <a:pPr algn="ctr" eaLnBrk="1" hangingPunct="1">
+                <a:spcBef>
+                  <a:spcPct val="50000"/>
+                </a:spcBef>
+                <a:buClrTx/>
+                <a:buFontTx/>
+                <a:buNone/>
+              </a:pPr>
+              <a:endParaRPr lang="en-GB" altLang="fr-FR" sz="1400">
+                <a:latin typeface="Courier New" panose="02070309020205020404" pitchFamily="49" charset="0"/>
+                <a:cs typeface="Courier New" panose="02070309020205020404" pitchFamily="49" charset="0"/>
+              </a:endParaRPr>
+            </a:p>
+            <a:p>
+              <a:pPr algn="ctr" eaLnBrk="1" hangingPunct="1">
+                <a:spcBef>
+                  <a:spcPct val="50000"/>
+                </a:spcBef>
+                <a:buClrTx/>
+                <a:buFontTx/>
+                <a:buNone/>
+              </a:pPr>
+              <a:endParaRPr lang="en-GB" altLang="fr-FR" sz="1400">
+                <a:latin typeface="Courier New" panose="02070309020205020404" pitchFamily="49" charset="0"/>
+                <a:cs typeface="Courier New" panose="02070309020205020404" pitchFamily="49" charset="0"/>
+              </a:endParaRPr>
+            </a:p>
+          </p:txBody>
+        </p:sp>
+        <p:sp>
+          <p:nvSpPr>
+            <p:cNvPr id="5140" name="Text Box 5">
+              <a:extLst>
+                <a:ext uri="{FF2B5EF4-FFF2-40B4-BE49-F238E27FC236}">
+                  <a16:creationId xmlns:a16="http://schemas.microsoft.com/office/drawing/2014/main" id="{91C5BE2C-D534-4F96-809B-48BD40BF1278}"/>
+                </a:ext>
+              </a:extLst>
+            </p:cNvPr>
+            <p:cNvSpPr txBox="1">
+              <a:spLocks noChangeArrowheads="1"/>
+            </p:cNvSpPr>
+            <p:nvPr/>
+          </p:nvSpPr>
+          <p:spPr bwMode="blackWhite">
+            <a:xfrm>
+              <a:off x="854" y="3053"/>
+              <a:ext cx="1272" cy="602"/>
+            </a:xfrm>
+            <a:prstGeom prst="rect">
+              <a:avLst/>
+            </a:prstGeom>
+            <a:solidFill>
+              <a:schemeClr val="accent1"/>
+            </a:solidFill>
+            <a:ln w="12700">
+              <a:solidFill>
+                <a:schemeClr val="tx1"/>
+              </a:solidFill>
+              <a:miter lim="800000"/>
+              <a:headEnd/>
+              <a:tailEnd/>
+            </a:ln>
+            <a:effectLst/>
+            <a:extLst>
+              <a:ext uri="{AF507438-7753-43E0-B8FC-AC1667EBCBE1}">
+                <a14:hiddenEffects xmlns:a14="http://schemas.microsoft.com/office/drawing/2010/main">
+                  <a:effectLst>
+                    <a:outerShdw dist="35921" dir="2700000" algn="ctr" rotWithShape="0">
+                      <a:schemeClr val="bg2"/>
+                    </a:outerShdw>
+                  </a:effectLst>
+                </a14:hiddenEffects>
+              </a:ext>
+            </a:extLst>
+          </p:spPr>
+          <p:txBody>
+            <a:bodyPr>
+              <a:spAutoFit/>
+            </a:bodyPr>
+            <a:lstStyle>
+              <a:lvl1pPr eaLnBrk="0" hangingPunct="0">
+                <a:spcBef>
+                  <a:spcPct val="20000"/>
+                </a:spcBef>
+                <a:buClr>
+                  <a:schemeClr val="tx1"/>
+                </a:buClr>
+                <a:buFont typeface="Monotype Sorts" pitchFamily="2" charset="2"/>
+                <a:buChar char="o"/>
+                <a:defRPr sz="2800">
+                  <a:solidFill>
+                    <a:schemeClr val="tx1"/>
+                  </a:solidFill>
+                  <a:latin typeface="Arial" panose="020B0604020202020204" pitchFamily="34" charset="0"/>
+                </a:defRPr>
+              </a:lvl1pPr>
+              <a:lvl2pPr marL="742950" indent="-285750" eaLnBrk="0" hangingPunct="0">
+                <a:spcBef>
+                  <a:spcPct val="20000"/>
+                </a:spcBef>
+                <a:buChar char="–"/>
+                <a:defRPr sz="2400">
+                  <a:solidFill>
+                    <a:schemeClr val="tx1"/>
+                  </a:solidFill>
+                  <a:latin typeface="Arial" panose="020B0604020202020204" pitchFamily="34" charset="0"/>
+                </a:defRPr>
+              </a:lvl2pPr>
+              <a:lvl3pPr marL="1143000" indent="-228600" eaLnBrk="0" hangingPunct="0">
+                <a:spcBef>
+                  <a:spcPct val="20000"/>
+                </a:spcBef>
+                <a:buChar char="•"/>
+                <a:defRPr sz="2000">
+                  <a:solidFill>
+                    <a:schemeClr val="tx1"/>
+                  </a:solidFill>
+                  <a:latin typeface="Arial" panose="020B0604020202020204" pitchFamily="34" charset="0"/>
+                </a:defRPr>
+              </a:lvl3pPr>
+              <a:lvl4pPr marL="1600200" indent="-228600" eaLnBrk="0" hangingPunct="0">
+                <a:spcBef>
+                  <a:spcPct val="20000"/>
+                </a:spcBef>
+                <a:buChar char="–"/>
+                <a:defRPr>
+                  <a:solidFill>
+                    <a:schemeClr val="tx1"/>
+                  </a:solidFill>
+                  <a:latin typeface="Arial" panose="020B0604020202020204" pitchFamily="34" charset="0"/>
+                </a:defRPr>
+              </a:lvl4pPr>
+              <a:lvl5pPr marL="2057400" indent="-228600" eaLnBrk="0" hangingPunct="0">
+                <a:spcBef>
+                  <a:spcPct val="20000"/>
+                </a:spcBef>
+                <a:buChar char="»"/>
+                <a:defRPr sz="1600">
+                  <a:solidFill>
+                    <a:schemeClr val="tx1"/>
+                  </a:solidFill>
+                  <a:latin typeface="Arial" panose="020B0604020202020204" pitchFamily="34" charset="0"/>
+                </a:defRPr>
+              </a:lvl5pPr>
+              <a:lvl6pPr marL="2514600" indent="-228600" eaLnBrk="0" fontAlgn="base" hangingPunct="0">
+                <a:spcBef>
+                  <a:spcPct val="20000"/>
+                </a:spcBef>
+                <a:spcAft>
+                  <a:spcPct val="0"/>
+                </a:spcAft>
+                <a:buChar char="»"/>
+                <a:defRPr sz="1600">
+                  <a:solidFill>
+                    <a:schemeClr val="tx1"/>
+                  </a:solidFill>
+                  <a:latin typeface="Arial" panose="020B0604020202020204" pitchFamily="34" charset="0"/>
+                </a:defRPr>
+              </a:lvl6pPr>
+              <a:lvl7pPr marL="2971800" indent="-228600" eaLnBrk="0" fontAlgn="base" hangingPunct="0">
+                <a:spcBef>
+                  <a:spcPct val="20000"/>
+                </a:spcBef>
+                <a:spcAft>
+                  <a:spcPct val="0"/>
+                </a:spcAft>
+                <a:buChar char="»"/>
+                <a:defRPr sz="1600">
+                  <a:solidFill>
+                    <a:schemeClr val="tx1"/>
+                  </a:solidFill>
+                  <a:latin typeface="Arial" panose="020B0604020202020204" pitchFamily="34" charset="0"/>
+                </a:defRPr>
+              </a:lvl7pPr>
+              <a:lvl8pPr marL="3429000" indent="-228600" eaLnBrk="0" fontAlgn="base" hangingPunct="0">
+                <a:spcBef>
+                  <a:spcPct val="20000"/>
+                </a:spcBef>
+                <a:spcAft>
+                  <a:spcPct val="0"/>
+                </a:spcAft>
+                <a:buChar char="»"/>
+                <a:defRPr sz="1600">
+                  <a:solidFill>
+                    <a:schemeClr val="tx1"/>
+                  </a:solidFill>
+                  <a:latin typeface="Arial" panose="020B0604020202020204" pitchFamily="34" charset="0"/>
+                </a:defRPr>
+              </a:lvl8pPr>
+              <a:lvl9pPr marL="3886200" indent="-228600" eaLnBrk="0" fontAlgn="base" hangingPunct="0">
+                <a:spcBef>
+                  <a:spcPct val="20000"/>
+                </a:spcBef>
+                <a:spcAft>
+                  <a:spcPct val="0"/>
+                </a:spcAft>
+                <a:buChar char="»"/>
+                <a:defRPr sz="1600">
+                  <a:solidFill>
+                    <a:schemeClr val="tx1"/>
+                  </a:solidFill>
+                  <a:latin typeface="Arial" panose="020B0604020202020204" pitchFamily="34" charset="0"/>
+                </a:defRPr>
+              </a:lvl9pPr>
+            </a:lstStyle>
+            <a:p>
+              <a:pPr algn="ctr" eaLnBrk="1" hangingPunct="1">
+                <a:spcBef>
+                  <a:spcPct val="50000"/>
+                </a:spcBef>
+                <a:buClrTx/>
+                <a:buFontTx/>
+                <a:buNone/>
+              </a:pPr>
+              <a:r>
+                <a:rPr lang="en-GB" altLang="fr-FR" sz="1400" b="1">
+                  <a:cs typeface="Arial" panose="020B0604020202020204" pitchFamily="34" charset="0"/>
+                </a:rPr>
+                <a:t>MusicRecording</a:t>
+              </a:r>
+            </a:p>
+            <a:p>
+              <a:pPr algn="ctr" eaLnBrk="1" hangingPunct="1">
+                <a:spcBef>
+                  <a:spcPct val="50000"/>
+                </a:spcBef>
+                <a:buClrTx/>
+                <a:buFontTx/>
+                <a:buNone/>
+              </a:pPr>
+              <a:endParaRPr lang="en-GB" altLang="fr-FR" sz="1400">
+                <a:latin typeface="Courier New" panose="02070309020205020404" pitchFamily="49" charset="0"/>
+                <a:cs typeface="Courier New" panose="02070309020205020404" pitchFamily="49" charset="0"/>
+              </a:endParaRPr>
+            </a:p>
+            <a:p>
+              <a:pPr algn="ctr" eaLnBrk="1" hangingPunct="1">
+                <a:spcBef>
+                  <a:spcPct val="50000"/>
+                </a:spcBef>
+                <a:buClrTx/>
+                <a:buFontTx/>
+                <a:buNone/>
+              </a:pPr>
+              <a:endParaRPr lang="en-GB" altLang="fr-FR" sz="1400">
+                <a:latin typeface="Courier New" panose="02070309020205020404" pitchFamily="49" charset="0"/>
+                <a:cs typeface="Courier New" panose="02070309020205020404" pitchFamily="49" charset="0"/>
+              </a:endParaRPr>
+            </a:p>
+          </p:txBody>
+        </p:sp>
+        <p:sp>
+          <p:nvSpPr>
+            <p:cNvPr id="5141" name="AutoShape 6">
+              <a:extLst>
+                <a:ext uri="{FF2B5EF4-FFF2-40B4-BE49-F238E27FC236}">
+                  <a16:creationId xmlns:a16="http://schemas.microsoft.com/office/drawing/2014/main" id="{8C87518E-7459-4613-A873-1A9EFDE03F09}"/>
+                </a:ext>
+              </a:extLst>
+            </p:cNvPr>
+            <p:cNvSpPr>
+              <a:spLocks noChangeArrowheads="1"/>
+            </p:cNvSpPr>
+            <p:nvPr/>
+          </p:nvSpPr>
+          <p:spPr bwMode="blackWhite">
+            <a:xfrm>
+              <a:off x="1432" y="2663"/>
+              <a:ext cx="157" cy="105"/>
+            </a:xfrm>
+            <a:prstGeom prst="triangle">
+              <a:avLst>
+                <a:gd name="adj" fmla="val 50000"/>
+              </a:avLst>
+            </a:prstGeom>
+            <a:noFill/>
+            <a:ln w="12700">
+              <a:solidFill>
+                <a:schemeClr val="tx1"/>
+              </a:solidFill>
+              <a:miter lim="800000"/>
+              <a:headEnd/>
+              <a:tailEnd/>
+            </a:ln>
+            <a:effectLst/>
+            <a:extLst>
+              <a:ext uri="{909E8E84-426E-40DD-AFC4-6F175D3DCCD1}">
+                <a14:hiddenFill xmlns:a14="http://schemas.microsoft.com/office/drawing/2010/main">
+                  <a:solidFill>
+                    <a:schemeClr val="accent1"/>
+                  </a:solidFill>
+                </a14:hiddenFill>
+              </a:ext>
+              <a:ext uri="{AF507438-7753-43E0-B8FC-AC1667EBCBE1}">
+                <a14:hiddenEffects xmlns:a14="http://schemas.microsoft.com/office/drawing/2010/main">
+                  <a:effectLst>
+                    <a:outerShdw dist="35921" dir="2700000" algn="ctr" rotWithShape="0">
+                      <a:schemeClr val="bg2"/>
+                    </a:outerShdw>
+                  </a:effectLst>
+                </a14:hiddenEffects>
+              </a:ext>
+            </a:extLst>
+          </p:spPr>
+          <p:txBody>
+            <a:bodyPr anchor="ctr">
+              <a:spAutoFit/>
+            </a:bodyPr>
+            <a:lstStyle>
+              <a:lvl1pPr eaLnBrk="0" hangingPunct="0">
+                <a:spcBef>
+                  <a:spcPct val="20000"/>
+                </a:spcBef>
+                <a:buClr>
+                  <a:schemeClr val="tx1"/>
+                </a:buClr>
+                <a:buFont typeface="Monotype Sorts" pitchFamily="2" charset="2"/>
+                <a:buChar char="o"/>
+                <a:defRPr sz="2800">
+                  <a:solidFill>
+                    <a:schemeClr val="tx1"/>
+                  </a:solidFill>
+                  <a:latin typeface="Arial" panose="020B0604020202020204" pitchFamily="34" charset="0"/>
+                </a:defRPr>
+              </a:lvl1pPr>
+              <a:lvl2pPr marL="742950" indent="-285750" eaLnBrk="0" hangingPunct="0">
+                <a:spcBef>
+                  <a:spcPct val="20000"/>
+                </a:spcBef>
+                <a:buChar char="–"/>
+                <a:defRPr sz="2400">
+                  <a:solidFill>
+                    <a:schemeClr val="tx1"/>
+                  </a:solidFill>
+                  <a:latin typeface="Arial" panose="020B0604020202020204" pitchFamily="34" charset="0"/>
+                </a:defRPr>
+              </a:lvl2pPr>
+              <a:lvl3pPr marL="1143000" indent="-228600" eaLnBrk="0" hangingPunct="0">
+                <a:spcBef>
+                  <a:spcPct val="20000"/>
+                </a:spcBef>
+                <a:buChar char="•"/>
+                <a:defRPr sz="2000">
+                  <a:solidFill>
+                    <a:schemeClr val="tx1"/>
+                  </a:solidFill>
+                  <a:latin typeface="Arial" panose="020B0604020202020204" pitchFamily="34" charset="0"/>
+                </a:defRPr>
+              </a:lvl3pPr>
+              <a:lvl4pPr marL="1600200" indent="-228600" eaLnBrk="0" hangingPunct="0">
+                <a:spcBef>
+                  <a:spcPct val="20000"/>
+                </a:spcBef>
+                <a:buChar char="–"/>
+                <a:defRPr>
+                  <a:solidFill>
+                    <a:schemeClr val="tx1"/>
+                  </a:solidFill>
+                  <a:latin typeface="Arial" panose="020B0604020202020204" pitchFamily="34" charset="0"/>
+                </a:defRPr>
+              </a:lvl4pPr>
+              <a:lvl5pPr marL="2057400" indent="-228600" eaLnBrk="0" hangingPunct="0">
+                <a:spcBef>
+                  <a:spcPct val="20000"/>
+                </a:spcBef>
+                <a:buChar char="»"/>
+                <a:defRPr sz="1600">
+                  <a:solidFill>
+                    <a:schemeClr val="tx1"/>
+                  </a:solidFill>
+                  <a:latin typeface="Arial" panose="020B0604020202020204" pitchFamily="34" charset="0"/>
+                </a:defRPr>
+              </a:lvl5pPr>
+              <a:lvl6pPr marL="2514600" indent="-228600" eaLnBrk="0" fontAlgn="base" hangingPunct="0">
+                <a:spcBef>
+                  <a:spcPct val="20000"/>
+                </a:spcBef>
+                <a:spcAft>
+                  <a:spcPct val="0"/>
+                </a:spcAft>
+                <a:buChar char="»"/>
+                <a:defRPr sz="1600">
+                  <a:solidFill>
+                    <a:schemeClr val="tx1"/>
+                  </a:solidFill>
+                  <a:latin typeface="Arial" panose="020B0604020202020204" pitchFamily="34" charset="0"/>
+                </a:defRPr>
+              </a:lvl6pPr>
+              <a:lvl7pPr marL="2971800" indent="-228600" eaLnBrk="0" fontAlgn="base" hangingPunct="0">
+                <a:spcBef>
+                  <a:spcPct val="20000"/>
+                </a:spcBef>
+                <a:spcAft>
+                  <a:spcPct val="0"/>
+                </a:spcAft>
+                <a:buChar char="»"/>
+                <a:defRPr sz="1600">
+                  <a:solidFill>
+                    <a:schemeClr val="tx1"/>
+                  </a:solidFill>
+                  <a:latin typeface="Arial" panose="020B0604020202020204" pitchFamily="34" charset="0"/>
+                </a:defRPr>
+              </a:lvl7pPr>
+              <a:lvl8pPr marL="3429000" indent="-228600" eaLnBrk="0" fontAlgn="base" hangingPunct="0">
+                <a:spcBef>
+                  <a:spcPct val="20000"/>
+                </a:spcBef>
+                <a:spcAft>
+                  <a:spcPct val="0"/>
+                </a:spcAft>
+                <a:buChar char="»"/>
+                <a:defRPr sz="1600">
+                  <a:solidFill>
+                    <a:schemeClr val="tx1"/>
+                  </a:solidFill>
+                  <a:latin typeface="Arial" panose="020B0604020202020204" pitchFamily="34" charset="0"/>
+                </a:defRPr>
+              </a:lvl8pPr>
+              <a:lvl9pPr marL="3886200" indent="-228600" eaLnBrk="0" fontAlgn="base" hangingPunct="0">
+                <a:spcBef>
+                  <a:spcPct val="20000"/>
+                </a:spcBef>
+                <a:spcAft>
+                  <a:spcPct val="0"/>
+                </a:spcAft>
+                <a:buChar char="»"/>
+                <a:defRPr sz="1600">
+                  <a:solidFill>
+                    <a:schemeClr val="tx1"/>
+                  </a:solidFill>
+                  <a:latin typeface="Arial" panose="020B0604020202020204" pitchFamily="34" charset="0"/>
+                </a:defRPr>
+              </a:lvl9pPr>
+            </a:lstStyle>
+            <a:p>
+              <a:pPr eaLnBrk="1" hangingPunct="1">
+                <a:spcBef>
+                  <a:spcPct val="0"/>
+                </a:spcBef>
+                <a:buClrTx/>
+                <a:buFontTx/>
+                <a:buNone/>
+              </a:pPr>
+              <a:endParaRPr lang="fr-FR" altLang="fr-FR" sz="2400"/>
+            </a:p>
+          </p:txBody>
+        </p:sp>
+        <p:sp>
+          <p:nvSpPr>
+            <p:cNvPr id="5142" name="Line 7">
+              <a:extLst>
+                <a:ext uri="{FF2B5EF4-FFF2-40B4-BE49-F238E27FC236}">
+                  <a16:creationId xmlns:a16="http://schemas.microsoft.com/office/drawing/2014/main" id="{0DECBA6C-186D-4856-9F5F-3BC89A4DB393}"/>
+                </a:ext>
+              </a:extLst>
+            </p:cNvPr>
+            <p:cNvSpPr>
+              <a:spLocks noChangeShapeType="1"/>
+            </p:cNvSpPr>
+            <p:nvPr/>
+          </p:nvSpPr>
+          <p:spPr bwMode="blackWhite">
+            <a:xfrm>
+              <a:off x="1511" y="2761"/>
+              <a:ext cx="0" cy="291"/>
+            </a:xfrm>
+            <a:prstGeom prst="line">
+              <a:avLst/>
+            </a:prstGeom>
+            <a:noFill/>
+            <a:ln w="12700">
+              <a:solidFill>
+                <a:schemeClr val="tx1"/>
+              </a:solidFill>
+              <a:round/>
+              <a:headEnd/>
+              <a:tailEnd/>
+            </a:ln>
+            <a:effectLst/>
+            <a:extLst>
+              <a:ext uri="{909E8E84-426E-40DD-AFC4-6F175D3DCCD1}">
+                <a14:hiddenFill xmlns:a14="http://schemas.microsoft.com/office/drawing/2010/main">
+                  <a:noFill/>
+                </a14:hiddenFill>
+              </a:ext>
+              <a:ext uri="{AF507438-7753-43E0-B8FC-AC1667EBCBE1}">
+                <a14:hiddenEffects xmlns:a14="http://schemas.microsoft.com/office/drawing/2010/main">
+                  <a:effectLst>
+                    <a:outerShdw dist="35921" dir="2700000" algn="ctr" rotWithShape="0">
+                      <a:schemeClr val="bg2"/>
+                    </a:outerShdw>
+                  </a:effectLst>
+                </a14:hiddenEffects>
+              </a:ext>
+            </a:extLst>
+          </p:spPr>
+          <p:txBody>
+            <a:bodyPr>
+              <a:spAutoFit/>
+            </a:bodyPr>
+            <a:lstStyle/>
+            <a:p>
+              <a:endParaRPr lang="fr-FR"/>
+            </a:p>
+          </p:txBody>
+        </p:sp>
+        <p:sp>
+          <p:nvSpPr>
+            <p:cNvPr id="5143" name="Line 8">
+              <a:extLst>
+                <a:ext uri="{FF2B5EF4-FFF2-40B4-BE49-F238E27FC236}">
+                  <a16:creationId xmlns:a16="http://schemas.microsoft.com/office/drawing/2014/main" id="{2611342B-F701-4F0D-9828-CB869B53794A}"/>
+                </a:ext>
+              </a:extLst>
+            </p:cNvPr>
+            <p:cNvSpPr>
+              <a:spLocks noChangeShapeType="1"/>
+            </p:cNvSpPr>
+            <p:nvPr/>
+          </p:nvSpPr>
+          <p:spPr bwMode="blackWhite">
+            <a:xfrm>
+              <a:off x="860" y="2270"/>
+              <a:ext cx="1272" cy="0"/>
+            </a:xfrm>
+            <a:prstGeom prst="line">
+              <a:avLst/>
+            </a:prstGeom>
+            <a:noFill/>
+            <a:ln w="12700">
+              <a:solidFill>
+                <a:schemeClr val="tx1"/>
+              </a:solidFill>
+              <a:round/>
+              <a:headEnd/>
+              <a:tailEnd/>
+            </a:ln>
+            <a:effectLst/>
+            <a:extLst>
+              <a:ext uri="{909E8E84-426E-40DD-AFC4-6F175D3DCCD1}">
+                <a14:hiddenFill xmlns:a14="http://schemas.microsoft.com/office/drawing/2010/main">
+                  <a:noFill/>
+                </a14:hiddenFill>
+              </a:ext>
+              <a:ext uri="{AF507438-7753-43E0-B8FC-AC1667EBCBE1}">
+                <a14:hiddenEffects xmlns:a14="http://schemas.microsoft.com/office/drawing/2010/main">
+                  <a:effectLst>
+                    <a:outerShdw dist="35921" dir="2700000" algn="ctr" rotWithShape="0">
+                      <a:schemeClr val="bg2"/>
+                    </a:outerShdw>
+                  </a:effectLst>
+                </a14:hiddenEffects>
+              </a:ext>
+            </a:extLst>
+          </p:spPr>
+          <p:txBody>
+            <a:bodyPr>
+              <a:spAutoFit/>
+            </a:bodyPr>
+            <a:lstStyle/>
+            <a:p>
+              <a:endParaRPr lang="fr-FR"/>
+            </a:p>
+          </p:txBody>
+        </p:sp>
+        <p:sp>
+          <p:nvSpPr>
+            <p:cNvPr id="5144" name="Line 9">
+              <a:extLst>
+                <a:ext uri="{FF2B5EF4-FFF2-40B4-BE49-F238E27FC236}">
+                  <a16:creationId xmlns:a16="http://schemas.microsoft.com/office/drawing/2014/main" id="{843DD7CF-0F87-44AB-B702-BFFA20993486}"/>
+                </a:ext>
+              </a:extLst>
+            </p:cNvPr>
+            <p:cNvSpPr>
+              <a:spLocks noChangeShapeType="1"/>
+            </p:cNvSpPr>
+            <p:nvPr/>
+          </p:nvSpPr>
+          <p:spPr bwMode="blackWhite">
+            <a:xfrm>
+              <a:off x="863" y="2455"/>
+              <a:ext cx="1272" cy="0"/>
+            </a:xfrm>
+            <a:prstGeom prst="line">
+              <a:avLst/>
+            </a:prstGeom>
+            <a:noFill/>
+            <a:ln w="12700">
+              <a:solidFill>
+                <a:schemeClr val="tx1"/>
+              </a:solidFill>
+              <a:round/>
+              <a:headEnd/>
+              <a:tailEnd/>
+            </a:ln>
+            <a:effectLst/>
+            <a:extLst>
+              <a:ext uri="{909E8E84-426E-40DD-AFC4-6F175D3DCCD1}">
+                <a14:hiddenFill xmlns:a14="http://schemas.microsoft.com/office/drawing/2010/main">
+                  <a:noFill/>
+                </a14:hiddenFill>
+              </a:ext>
+              <a:ext uri="{AF507438-7753-43E0-B8FC-AC1667EBCBE1}">
+                <a14:hiddenEffects xmlns:a14="http://schemas.microsoft.com/office/drawing/2010/main">
+                  <a:effectLst>
+                    <a:outerShdw dist="35921" dir="2700000" algn="ctr" rotWithShape="0">
+                      <a:schemeClr val="bg2"/>
+                    </a:outerShdw>
+                  </a:effectLst>
+                </a14:hiddenEffects>
+              </a:ext>
+            </a:extLst>
+          </p:spPr>
+          <p:txBody>
+            <a:bodyPr>
+              <a:spAutoFit/>
+            </a:bodyPr>
+            <a:lstStyle/>
+            <a:p>
+              <a:endParaRPr lang="fr-FR"/>
+            </a:p>
+          </p:txBody>
+        </p:sp>
+        <p:sp>
+          <p:nvSpPr>
+            <p:cNvPr id="5145" name="Line 10">
+              <a:extLst>
+                <a:ext uri="{FF2B5EF4-FFF2-40B4-BE49-F238E27FC236}">
+                  <a16:creationId xmlns:a16="http://schemas.microsoft.com/office/drawing/2014/main" id="{7F1F63EE-54A5-4B99-8855-099DB93EC167}"/>
+                </a:ext>
+              </a:extLst>
+            </p:cNvPr>
+            <p:cNvSpPr>
+              <a:spLocks noChangeShapeType="1"/>
+            </p:cNvSpPr>
+            <p:nvPr/>
+          </p:nvSpPr>
+          <p:spPr bwMode="blackWhite">
+            <a:xfrm>
+              <a:off x="857" y="3279"/>
+              <a:ext cx="1272" cy="0"/>
+            </a:xfrm>
+            <a:prstGeom prst="line">
+              <a:avLst/>
+            </a:prstGeom>
+            <a:noFill/>
+            <a:ln w="12700">
+              <a:solidFill>
+                <a:schemeClr val="tx1"/>
+              </a:solidFill>
+              <a:round/>
+              <a:headEnd/>
+              <a:tailEnd/>
+            </a:ln>
+            <a:effectLst/>
+            <a:extLst>
+              <a:ext uri="{909E8E84-426E-40DD-AFC4-6F175D3DCCD1}">
+                <a14:hiddenFill xmlns:a14="http://schemas.microsoft.com/office/drawing/2010/main">
+                  <a:noFill/>
+                </a14:hiddenFill>
+              </a:ext>
+              <a:ext uri="{AF507438-7753-43E0-B8FC-AC1667EBCBE1}">
+                <a14:hiddenEffects xmlns:a14="http://schemas.microsoft.com/office/drawing/2010/main">
+                  <a:effectLst>
+                    <a:outerShdw dist="35921" dir="2700000" algn="ctr" rotWithShape="0">
+                      <a:schemeClr val="bg2"/>
+                    </a:outerShdw>
+                  </a:effectLst>
+                </a14:hiddenEffects>
+              </a:ext>
+            </a:extLst>
+          </p:spPr>
+          <p:txBody>
+            <a:bodyPr>
+              <a:spAutoFit/>
+            </a:bodyPr>
+            <a:lstStyle/>
+            <a:p>
+              <a:endParaRPr lang="fr-FR"/>
+            </a:p>
+          </p:txBody>
+        </p:sp>
+        <p:sp>
+          <p:nvSpPr>
+            <p:cNvPr id="5146" name="Line 11">
+              <a:extLst>
+                <a:ext uri="{FF2B5EF4-FFF2-40B4-BE49-F238E27FC236}">
+                  <a16:creationId xmlns:a16="http://schemas.microsoft.com/office/drawing/2014/main" id="{EED07B52-6FBA-44DD-9625-745776568A81}"/>
+                </a:ext>
+              </a:extLst>
+            </p:cNvPr>
+            <p:cNvSpPr>
+              <a:spLocks noChangeShapeType="1"/>
+            </p:cNvSpPr>
+            <p:nvPr/>
+          </p:nvSpPr>
+          <p:spPr bwMode="blackWhite">
+            <a:xfrm>
+              <a:off x="856" y="3467"/>
+              <a:ext cx="1272" cy="0"/>
+            </a:xfrm>
+            <a:prstGeom prst="line">
+              <a:avLst/>
+            </a:prstGeom>
+            <a:noFill/>
+            <a:ln w="12700">
+              <a:solidFill>
+                <a:schemeClr val="tx1"/>
+              </a:solidFill>
+              <a:round/>
+              <a:headEnd/>
+              <a:tailEnd/>
+            </a:ln>
+            <a:effectLst/>
+            <a:extLst>
+              <a:ext uri="{909E8E84-426E-40DD-AFC4-6F175D3DCCD1}">
+                <a14:hiddenFill xmlns:a14="http://schemas.microsoft.com/office/drawing/2010/main">
+                  <a:noFill/>
+                </a14:hiddenFill>
+              </a:ext>
+              <a:ext uri="{AF507438-7753-43E0-B8FC-AC1667EBCBE1}">
+                <a14:hiddenEffects xmlns:a14="http://schemas.microsoft.com/office/drawing/2010/main">
+                  <a:effectLst>
+                    <a:outerShdw dist="35921" dir="2700000" algn="ctr" rotWithShape="0">
+                      <a:schemeClr val="bg2"/>
+                    </a:outerShdw>
+                  </a:effectLst>
+                </a14:hiddenEffects>
+              </a:ext>
+            </a:extLst>
+          </p:spPr>
+          <p:txBody>
+            <a:bodyPr>
+              <a:spAutoFit/>
+            </a:bodyPr>
+            <a:lstStyle/>
+            <a:p>
+              <a:endParaRPr lang="fr-FR"/>
+            </a:p>
+          </p:txBody>
+        </p:sp>
+      </p:grpSp>
+      <p:sp>
+        <p:nvSpPr>
+          <p:cNvPr id="5137" name="Text Box 26">
+            <a:extLst>
+              <a:ext uri="{FF2B5EF4-FFF2-40B4-BE49-F238E27FC236}">
+                <a16:creationId xmlns:a16="http://schemas.microsoft.com/office/drawing/2014/main" id="{2009A949-05F3-4F97-AF25-19AB52A9A497}"/>
+              </a:ext>
+            </a:extLst>
+          </p:cNvPr>
+          <p:cNvSpPr txBox="1">
+            <a:spLocks noChangeArrowheads="1"/>
+          </p:cNvSpPr>
+          <p:nvPr/>
+        </p:nvSpPr>
+        <p:spPr bwMode="blackWhite">
+          <a:xfrm>
+            <a:off x="5699125" y="5203825"/>
+            <a:ext cx="282575" cy="304800"/>
+          </a:xfrm>
+          <a:prstGeom prst="rect">
+            <a:avLst/>
+          </a:prstGeom>
+          <a:noFill/>
+          <a:ln>
+            <a:noFill/>
+          </a:ln>
+          <a:effectLst/>
+          <a:extLst>
+            <a:ext uri="{909E8E84-426E-40DD-AFC4-6F175D3DCCD1}">
+              <a14:hiddenFill xmlns:a14="http://schemas.microsoft.com/office/drawing/2010/main">
+                <a:solidFill>
+                  <a:schemeClr val="accent1"/>
+                </a:solidFill>
+              </a14:hiddenFill>
+            </a:ext>
+            <a:ext uri="{91240B29-F687-4F45-9708-019B960494DF}">
+              <a14:hiddenLine xmlns:a14="http://schemas.microsoft.com/office/drawing/2010/main" w="12700">
+                <a:solidFill>
+                  <a:schemeClr val="tx1"/>
+                </a:solidFill>
+                <a:miter lim="800000"/>
+                <a:headEnd/>
+                <a:tailEnd/>
+              </a14:hiddenLine>
+            </a:ext>
+            <a:ext uri="{AF507438-7753-43E0-B8FC-AC1667EBCBE1}">
+              <a14:hiddenEffects xmlns:a14="http://schemas.microsoft.com/office/drawing/2010/main">
+                <a:effectLst>
+                  <a:outerShdw dist="35921" dir="2700000" algn="ctr" rotWithShape="0">
+                    <a:schemeClr val="bg2"/>
+                  </a:outerShdw>
+                </a:effectLst>
+              </a14:hiddenEffects>
+            </a:ext>
+          </a:extLst>
+        </p:spPr>
+        <p:txBody>
+          <a:bodyPr wrap="none">
+            <a:spAutoFit/>
+          </a:bodyPr>
+          <a:lstStyle>
+            <a:lvl1pPr eaLnBrk="0" hangingPunct="0">
+              <a:spcBef>
+                <a:spcPct val="20000"/>
+              </a:spcBef>
+              <a:buClr>
+                <a:schemeClr val="tx1"/>
+              </a:buClr>
+              <a:buFont typeface="Monotype Sorts" pitchFamily="2" charset="2"/>
+              <a:buChar char="o"/>
+              <a:defRPr sz="2800">
+                <a:solidFill>
+                  <a:schemeClr val="tx1"/>
+                </a:solidFill>
+                <a:latin typeface="Arial" panose="020B0604020202020204" pitchFamily="34" charset="0"/>
+              </a:defRPr>
+            </a:lvl1pPr>
+            <a:lvl2pPr marL="742950" indent="-285750" eaLnBrk="0" hangingPunct="0">
+              <a:spcBef>
+                <a:spcPct val="20000"/>
+              </a:spcBef>
+              <a:buChar char="–"/>
+              <a:defRPr sz="2400">
+                <a:solidFill>
+                  <a:schemeClr val="tx1"/>
+                </a:solidFill>
+                <a:latin typeface="Arial" panose="020B0604020202020204" pitchFamily="34" charset="0"/>
+              </a:defRPr>
+            </a:lvl2pPr>
+            <a:lvl3pPr marL="1143000" indent="-228600" eaLnBrk="0" hangingPunct="0">
+              <a:spcBef>
+                <a:spcPct val="20000"/>
+              </a:spcBef>
+              <a:buChar char="•"/>
+              <a:defRPr sz="2000">
+                <a:solidFill>
+                  <a:schemeClr val="tx1"/>
+                </a:solidFill>
+                <a:latin typeface="Arial" panose="020B0604020202020204" pitchFamily="34" charset="0"/>
+              </a:defRPr>
+            </a:lvl3pPr>
+            <a:lvl4pPr marL="1600200" indent="-228600" eaLnBrk="0" hangingPunct="0">
+              <a:spcBef>
+                <a:spcPct val="20000"/>
+              </a:spcBef>
+              <a:buChar char="–"/>
+              <a:defRPr>
+                <a:solidFill>
+                  <a:schemeClr val="tx1"/>
+                </a:solidFill>
+                <a:latin typeface="Arial" panose="020B0604020202020204" pitchFamily="34" charset="0"/>
+              </a:defRPr>
+            </a:lvl4pPr>
+            <a:lvl5pPr marL="2057400" indent="-228600" eaLnBrk="0" hangingPunct="0">
+              <a:spcBef>
+                <a:spcPct val="20000"/>
+              </a:spcBef>
+              <a:buChar char="»"/>
+              <a:defRPr sz="1600">
+                <a:solidFill>
+                  <a:schemeClr val="tx1"/>
+                </a:solidFill>
+                <a:latin typeface="Arial" panose="020B0604020202020204" pitchFamily="34" charset="0"/>
+              </a:defRPr>
+            </a:lvl5pPr>
+            <a:lvl6pPr marL="2514600" indent="-228600" eaLnBrk="0" fontAlgn="base" hangingPunct="0">
+              <a:spcBef>
+                <a:spcPct val="20000"/>
+              </a:spcBef>
+              <a:spcAft>
+                <a:spcPct val="0"/>
+              </a:spcAft>
+              <a:buChar char="»"/>
+              <a:defRPr sz="1600">
+                <a:solidFill>
+                  <a:schemeClr val="tx1"/>
+                </a:solidFill>
+                <a:latin typeface="Arial" panose="020B0604020202020204" pitchFamily="34" charset="0"/>
+              </a:defRPr>
+            </a:lvl6pPr>
+            <a:lvl7pPr marL="2971800" indent="-228600" eaLnBrk="0" fontAlgn="base" hangingPunct="0">
+              <a:spcBef>
+                <a:spcPct val="20000"/>
+              </a:spcBef>
+              <a:spcAft>
+                <a:spcPct val="0"/>
+              </a:spcAft>
+              <a:buChar char="»"/>
+              <a:defRPr sz="1600">
+                <a:solidFill>
+                  <a:schemeClr val="tx1"/>
+                </a:solidFill>
+                <a:latin typeface="Arial" panose="020B0604020202020204" pitchFamily="34" charset="0"/>
+              </a:defRPr>
+            </a:lvl7pPr>
+            <a:lvl8pPr marL="3429000" indent="-228600" eaLnBrk="0" fontAlgn="base" hangingPunct="0">
+              <a:spcBef>
+                <a:spcPct val="20000"/>
+              </a:spcBef>
+              <a:spcAft>
+                <a:spcPct val="0"/>
+              </a:spcAft>
+              <a:buChar char="»"/>
+              <a:defRPr sz="1600">
+                <a:solidFill>
+                  <a:schemeClr val="tx1"/>
+                </a:solidFill>
+                <a:latin typeface="Arial" panose="020B0604020202020204" pitchFamily="34" charset="0"/>
+              </a:defRPr>
+            </a:lvl8pPr>
+            <a:lvl9pPr marL="3886200" indent="-228600" eaLnBrk="0" fontAlgn="base" hangingPunct="0">
+              <a:spcBef>
+                <a:spcPct val="20000"/>
+              </a:spcBef>
+              <a:spcAft>
+                <a:spcPct val="0"/>
+              </a:spcAft>
+              <a:buChar char="»"/>
+              <a:defRPr sz="1600">
+                <a:solidFill>
+                  <a:schemeClr val="tx1"/>
+                </a:solidFill>
+                <a:latin typeface="Arial" panose="020B0604020202020204" pitchFamily="34" charset="0"/>
+              </a:defRPr>
+            </a:lvl9pPr>
+          </a:lstStyle>
+          <a:p>
+            <a:pPr eaLnBrk="1" hangingPunct="1">
+              <a:spcBef>
+                <a:spcPct val="0"/>
+              </a:spcBef>
+              <a:buClrTx/>
+              <a:buFontTx/>
+              <a:buNone/>
+            </a:pPr>
+            <a:r>
+              <a:rPr lang="en-GB" altLang="fr-FR" sz="1400">
+                <a:cs typeface="Arial" panose="020B0604020202020204" pitchFamily="34" charset="0"/>
+              </a:rPr>
+              <a:t>1</a:t>
+            </a:r>
+          </a:p>
+        </p:txBody>
+      </p:sp>
+      <p:sp>
+        <p:nvSpPr>
+          <p:cNvPr id="5138" name="Text Box 27">
+            <a:extLst>
+              <a:ext uri="{FF2B5EF4-FFF2-40B4-BE49-F238E27FC236}">
+                <a16:creationId xmlns:a16="http://schemas.microsoft.com/office/drawing/2014/main" id="{A2F67482-943E-42E1-8A5E-5E4D5C81DCD0}"/>
+              </a:ext>
+            </a:extLst>
+          </p:cNvPr>
+          <p:cNvSpPr txBox="1">
+            <a:spLocks noChangeArrowheads="1"/>
+          </p:cNvSpPr>
+          <p:nvPr/>
+        </p:nvSpPr>
+        <p:spPr bwMode="blackWhite">
+          <a:xfrm>
+            <a:off x="6262688" y="5205413"/>
+            <a:ext cx="282575" cy="304800"/>
+          </a:xfrm>
+          <a:prstGeom prst="rect">
+            <a:avLst/>
+          </a:prstGeom>
+          <a:noFill/>
+          <a:ln>
+            <a:noFill/>
+          </a:ln>
+          <a:effectLst/>
+          <a:extLst>
+            <a:ext uri="{909E8E84-426E-40DD-AFC4-6F175D3DCCD1}">
+              <a14:hiddenFill xmlns:a14="http://schemas.microsoft.com/office/drawing/2010/main">
+                <a:solidFill>
+                  <a:schemeClr val="accent1"/>
+                </a:solidFill>
+              </a14:hiddenFill>
+            </a:ext>
+            <a:ext uri="{91240B29-F687-4F45-9708-019B960494DF}">
+              <a14:hiddenLine xmlns:a14="http://schemas.microsoft.com/office/drawing/2010/main" w="12700">
+                <a:solidFill>
+                  <a:schemeClr val="tx1"/>
+                </a:solidFill>
+                <a:miter lim="800000"/>
+                <a:headEnd/>
+                <a:tailEnd/>
+              </a14:hiddenLine>
+            </a:ext>
+            <a:ext uri="{AF507438-7753-43E0-B8FC-AC1667EBCBE1}">
+              <a14:hiddenEffects xmlns:a14="http://schemas.microsoft.com/office/drawing/2010/main">
+                <a:effectLst>
+                  <a:outerShdw dist="35921" dir="2700000" algn="ctr" rotWithShape="0">
+                    <a:schemeClr val="bg2"/>
+                  </a:outerShdw>
+                </a:effectLst>
+              </a14:hiddenEffects>
+            </a:ext>
+          </a:extLst>
+        </p:spPr>
+        <p:txBody>
+          <a:bodyPr wrap="none">
+            <a:spAutoFit/>
+          </a:bodyPr>
+          <a:lstStyle>
+            <a:lvl1pPr eaLnBrk="0" hangingPunct="0">
+              <a:spcBef>
+                <a:spcPct val="20000"/>
+              </a:spcBef>
+              <a:buClr>
+                <a:schemeClr val="tx1"/>
+              </a:buClr>
+              <a:buFont typeface="Monotype Sorts" pitchFamily="2" charset="2"/>
+              <a:buChar char="o"/>
+              <a:defRPr sz="2800">
+                <a:solidFill>
+                  <a:schemeClr val="tx1"/>
+                </a:solidFill>
+                <a:latin typeface="Arial" panose="020B0604020202020204" pitchFamily="34" charset="0"/>
+              </a:defRPr>
+            </a:lvl1pPr>
+            <a:lvl2pPr marL="742950" indent="-285750" eaLnBrk="0" hangingPunct="0">
+              <a:spcBef>
+                <a:spcPct val="20000"/>
+              </a:spcBef>
+              <a:buChar char="–"/>
+              <a:defRPr sz="2400">
+                <a:solidFill>
+                  <a:schemeClr val="tx1"/>
+                </a:solidFill>
+                <a:latin typeface="Arial" panose="020B0604020202020204" pitchFamily="34" charset="0"/>
+              </a:defRPr>
+            </a:lvl2pPr>
+            <a:lvl3pPr marL="1143000" indent="-228600" eaLnBrk="0" hangingPunct="0">
+              <a:spcBef>
+                <a:spcPct val="20000"/>
+              </a:spcBef>
+              <a:buChar char="•"/>
+              <a:defRPr sz="2000">
+                <a:solidFill>
+                  <a:schemeClr val="tx1"/>
+                </a:solidFill>
+                <a:latin typeface="Arial" panose="020B0604020202020204" pitchFamily="34" charset="0"/>
+              </a:defRPr>
+            </a:lvl3pPr>
+            <a:lvl4pPr marL="1600200" indent="-228600" eaLnBrk="0" hangingPunct="0">
+              <a:spcBef>
+                <a:spcPct val="20000"/>
+              </a:spcBef>
+              <a:buChar char="–"/>
+              <a:defRPr>
+                <a:solidFill>
+                  <a:schemeClr val="tx1"/>
+                </a:solidFill>
+                <a:latin typeface="Arial" panose="020B0604020202020204" pitchFamily="34" charset="0"/>
+              </a:defRPr>
+            </a:lvl4pPr>
+            <a:lvl5pPr marL="2057400" indent="-228600" eaLnBrk="0" hangingPunct="0">
+              <a:spcBef>
+                <a:spcPct val="20000"/>
+              </a:spcBef>
+              <a:buChar char="»"/>
+              <a:defRPr sz="1600">
+                <a:solidFill>
+                  <a:schemeClr val="tx1"/>
+                </a:solidFill>
+                <a:latin typeface="Arial" panose="020B0604020202020204" pitchFamily="34" charset="0"/>
+              </a:defRPr>
+            </a:lvl5pPr>
+            <a:lvl6pPr marL="2514600" indent="-228600" eaLnBrk="0" fontAlgn="base" hangingPunct="0">
+              <a:spcBef>
+                <a:spcPct val="20000"/>
+              </a:spcBef>
+              <a:spcAft>
+                <a:spcPct val="0"/>
+              </a:spcAft>
+              <a:buChar char="»"/>
+              <a:defRPr sz="1600">
+                <a:solidFill>
+                  <a:schemeClr val="tx1"/>
+                </a:solidFill>
+                <a:latin typeface="Arial" panose="020B0604020202020204" pitchFamily="34" charset="0"/>
+              </a:defRPr>
+            </a:lvl6pPr>
+            <a:lvl7pPr marL="2971800" indent="-228600" eaLnBrk="0" fontAlgn="base" hangingPunct="0">
+              <a:spcBef>
+                <a:spcPct val="20000"/>
+              </a:spcBef>
+              <a:spcAft>
+                <a:spcPct val="0"/>
+              </a:spcAft>
+              <a:buChar char="»"/>
+              <a:defRPr sz="1600">
+                <a:solidFill>
+                  <a:schemeClr val="tx1"/>
+                </a:solidFill>
+                <a:latin typeface="Arial" panose="020B0604020202020204" pitchFamily="34" charset="0"/>
+              </a:defRPr>
+            </a:lvl7pPr>
+            <a:lvl8pPr marL="3429000" indent="-228600" eaLnBrk="0" fontAlgn="base" hangingPunct="0">
+              <a:spcBef>
+                <a:spcPct val="20000"/>
+              </a:spcBef>
+              <a:spcAft>
+                <a:spcPct val="0"/>
+              </a:spcAft>
+              <a:buChar char="»"/>
+              <a:defRPr sz="1600">
+                <a:solidFill>
+                  <a:schemeClr val="tx1"/>
+                </a:solidFill>
+                <a:latin typeface="Arial" panose="020B0604020202020204" pitchFamily="34" charset="0"/>
+              </a:defRPr>
+            </a:lvl8pPr>
+            <a:lvl9pPr marL="3886200" indent="-228600" eaLnBrk="0" fontAlgn="base" hangingPunct="0">
+              <a:spcBef>
+                <a:spcPct val="20000"/>
+              </a:spcBef>
+              <a:spcAft>
+                <a:spcPct val="0"/>
+              </a:spcAft>
+              <a:buChar char="»"/>
+              <a:defRPr sz="1600">
+                <a:solidFill>
+                  <a:schemeClr val="tx1"/>
+                </a:solidFill>
+                <a:latin typeface="Arial" panose="020B0604020202020204" pitchFamily="34" charset="0"/>
+              </a:defRPr>
+            </a:lvl9pPr>
+          </a:lstStyle>
+          <a:p>
+            <a:pPr eaLnBrk="1" hangingPunct="1">
+              <a:spcBef>
+                <a:spcPct val="0"/>
+              </a:spcBef>
+              <a:buClrTx/>
+              <a:buFontTx/>
+              <a:buNone/>
+            </a:pPr>
+            <a:r>
+              <a:rPr lang="en-GB" altLang="fr-FR" sz="1400">
+                <a:cs typeface="Arial" panose="020B0604020202020204" pitchFamily="34" charset="0"/>
+              </a:rPr>
+              <a:t>1</a:t>
+            </a:r>
+          </a:p>
+        </p:txBody>
+      </p:sp>
+    </p:spTree>
+  </p:cSld>
+  <p:clrMapOvr>
+    <a:masterClrMapping/>
+  </p:clrMapOvr>
+</p:sld>
+</file>
+
+<file path=ppt/slides/slide4.xml><?xml version="1.0" encoding="utf-8"?>
+<p:sld xmlns:a="http://schemas.openxmlformats.org/drawingml/2006/main" xmlns:r="http://schemas.openxmlformats.org/officeDocument/2006/relationships" xmlns:p="http://schemas.openxmlformats.org/presentationml/2006/main">
+  <p:cSld>
+    <p:spTree>
+      <p:nvGrpSpPr>
+        <p:cNvPr id="1" name=""/>
+        <p:cNvGrpSpPr/>
+        <p:nvPr/>
+      </p:nvGrpSpPr>
+      <p:grpSpPr>
+        <a:xfrm>
+          <a:off x="0" y="0"/>
+          <a:ext cx="0" cy="0"/>
+          <a:chOff x="0" y="0"/>
+          <a:chExt cx="0" cy="0"/>
+        </a:xfrm>
+      </p:grpSpPr>
+      <p:sp>
+        <p:nvSpPr>
+          <p:cNvPr id="6146" name="Rectangle 2">
+            <a:extLst>
+              <a:ext uri="{FF2B5EF4-FFF2-40B4-BE49-F238E27FC236}">
+                <a16:creationId xmlns:a16="http://schemas.microsoft.com/office/drawing/2014/main" id="{560B5C7D-B156-44ED-8394-8A2C2FE69D48}"/>
+              </a:ext>
+            </a:extLst>
+          </p:cNvPr>
+          <p:cNvSpPr>
+            <a:spLocks noGrp="1" noChangeArrowheads="1"/>
+          </p:cNvSpPr>
+          <p:nvPr>
+            <p:ph type="title"/>
+          </p:nvPr>
+        </p:nvSpPr>
+        <p:spPr/>
+        <p:txBody>
+          <a:bodyPr/>
+          <a:lstStyle/>
+          <a:p>
+            <a:r>
+              <a:rPr lang="fr-FR" altLang="fr-FR"/>
+              <a:t>Mapping Objet Relationnel</a:t>
+            </a:r>
+          </a:p>
+        </p:txBody>
+      </p:sp>
+      <p:sp>
+        <p:nvSpPr>
+          <p:cNvPr id="6147" name="Rectangle 3">
+            <a:extLst>
+              <a:ext uri="{FF2B5EF4-FFF2-40B4-BE49-F238E27FC236}">
+                <a16:creationId xmlns:a16="http://schemas.microsoft.com/office/drawing/2014/main" id="{8332708A-CEDF-4490-A0A6-AFD01D397225}"/>
+              </a:ext>
+            </a:extLst>
+          </p:cNvPr>
+          <p:cNvSpPr>
+            <a:spLocks noGrp="1" noChangeArrowheads="1"/>
+          </p:cNvSpPr>
+          <p:nvPr>
+            <p:ph type="body" idx="1"/>
+          </p:nvPr>
+        </p:nvSpPr>
+        <p:spPr>
+          <a:xfrm>
+            <a:off x="279400" y="1312863"/>
+            <a:ext cx="8599488" cy="4495800"/>
+          </a:xfrm>
+        </p:spPr>
+        <p:txBody>
+          <a:bodyPr/>
+          <a:lstStyle/>
+          <a:p>
+            <a:r>
+              <a:rPr lang="fr-FR" altLang="fr-FR" sz="2000"/>
+              <a:t>Le problème posé est celui de l’automatisation de la persistance des objets Java dans une base de données</a:t>
+            </a:r>
+          </a:p>
+          <a:p>
+            <a:r>
+              <a:rPr lang="fr-FR" altLang="fr-FR" sz="2000"/>
+              <a:t>Les solutions envisageables sont liées à beaucoup de questions que l’on peut se poser</a:t>
+            </a:r>
+          </a:p>
+          <a:p>
+            <a:pPr lvl="1"/>
+            <a:r>
+              <a:rPr lang="fr-FR" altLang="fr-FR" sz="1800"/>
+              <a:t>Quelles doivent être les classes persistantes ?</a:t>
+            </a:r>
+          </a:p>
+          <a:p>
+            <a:pPr lvl="1"/>
+            <a:r>
+              <a:rPr lang="fr-FR" altLang="fr-FR" sz="1800"/>
+              <a:t>Comment la correspondance avec les tables de la base est-elle définie ?</a:t>
+            </a:r>
+          </a:p>
+          <a:p>
+            <a:pPr lvl="1"/>
+            <a:r>
+              <a:rPr lang="fr-FR" altLang="fr-FR" sz="1800"/>
+              <a:t>Comment gérer l’héritage ?</a:t>
+            </a:r>
+          </a:p>
+          <a:p>
+            <a:pPr lvl="1"/>
+            <a:r>
+              <a:rPr lang="fr-FR" altLang="fr-FR" sz="1800"/>
+              <a:t>Comment représenter la durée de vie des objets et de leurs liens ? </a:t>
+            </a:r>
+          </a:p>
+          <a:p>
+            <a:pPr lvl="1"/>
+            <a:r>
+              <a:rPr lang="fr-FR" altLang="fr-FR" sz="1800"/>
+              <a:t>Comment les requêtes peuvent-elles être automatisées et définies avec une vision orientée objet ?</a:t>
+            </a:r>
+          </a:p>
+          <a:p>
+            <a:r>
+              <a:rPr lang="fr-FR" altLang="fr-FR" sz="2000"/>
+              <a:t>Employer un outil destiné au mapping Objet Relationnel</a:t>
+            </a:r>
+          </a:p>
+          <a:p>
+            <a:pPr lvl="1"/>
+            <a:r>
+              <a:rPr lang="fr-FR" altLang="fr-FR" sz="1800"/>
+              <a:t>Améliore la productivité </a:t>
+            </a:r>
+          </a:p>
+          <a:p>
+            <a:pPr lvl="1"/>
+            <a:r>
+              <a:rPr lang="fr-FR" altLang="fr-FR" sz="1800"/>
+              <a:t>Améliore la maintenabilité du code</a:t>
+            </a:r>
+          </a:p>
+          <a:p>
+            <a:pPr lvl="1"/>
+            <a:r>
+              <a:rPr lang="fr-FR" altLang="fr-FR" sz="1800"/>
+              <a:t>Permet une optimisation des performances de manière flexible</a:t>
+            </a:r>
+          </a:p>
+        </p:txBody>
+      </p:sp>
+    </p:spTree>
+  </p:cSld>
+  <p:clrMapOvr>
+    <a:masterClrMapping/>
+  </p:clrMapOvr>
+</p:sld>
+</file>
+
+<file path=ppt/slides/slide5.xml><?xml version="1.0" encoding="utf-8"?>
+<p:sld xmlns:a="http://schemas.openxmlformats.org/drawingml/2006/main" xmlns:r="http://schemas.openxmlformats.org/officeDocument/2006/relationships" xmlns:p="http://schemas.openxmlformats.org/presentationml/2006/main">
+  <p:cSld>
+    <p:spTree>
+      <p:nvGrpSpPr>
+        <p:cNvPr id="1" name=""/>
+        <p:cNvGrpSpPr/>
+        <p:nvPr/>
+      </p:nvGrpSpPr>
+      <p:grpSpPr>
+        <a:xfrm>
+          <a:off x="0" y="0"/>
+          <a:ext cx="0" cy="0"/>
+          <a:chOff x="0" y="0"/>
+          <a:chExt cx="0" cy="0"/>
+        </a:xfrm>
+      </p:grpSpPr>
+      <p:sp>
+        <p:nvSpPr>
+          <p:cNvPr id="7170" name="Rectangle 2">
+            <a:extLst>
+              <a:ext uri="{FF2B5EF4-FFF2-40B4-BE49-F238E27FC236}">
+                <a16:creationId xmlns:a16="http://schemas.microsoft.com/office/drawing/2014/main" id="{16C662AA-9B43-4CD0-813B-206727DB9D8A}"/>
+              </a:ext>
+            </a:extLst>
+          </p:cNvPr>
+          <p:cNvSpPr>
+            <a:spLocks noGrp="1" noChangeArrowheads="1"/>
+          </p:cNvSpPr>
+          <p:nvPr>
+            <p:ph type="title"/>
+          </p:nvPr>
+        </p:nvSpPr>
+        <p:spPr>
+          <a:xfrm>
+            <a:off x="179388" y="160338"/>
+            <a:ext cx="8443912" cy="725487"/>
+          </a:xfrm>
+        </p:spPr>
+        <p:txBody>
+          <a:bodyPr/>
+          <a:lstStyle/>
+          <a:p>
+            <a:r>
+              <a:rPr lang="fr-FR" altLang="fr-FR"/>
+              <a:t>Solutions possibles pour le Mapping Objet Relationnel</a:t>
+            </a:r>
+          </a:p>
+        </p:txBody>
+      </p:sp>
+      <p:sp>
+        <p:nvSpPr>
+          <p:cNvPr id="7171" name="Rectangle 3">
+            <a:extLst>
+              <a:ext uri="{FF2B5EF4-FFF2-40B4-BE49-F238E27FC236}">
+                <a16:creationId xmlns:a16="http://schemas.microsoft.com/office/drawing/2014/main" id="{44018465-C7BE-4B89-A80E-589692FF3EA3}"/>
+              </a:ext>
+            </a:extLst>
+          </p:cNvPr>
+          <p:cNvSpPr>
+            <a:spLocks noGrp="1" noChangeArrowheads="1"/>
+          </p:cNvSpPr>
+          <p:nvPr>
+            <p:ph type="body" idx="1"/>
+          </p:nvPr>
+        </p:nvSpPr>
+        <p:spPr>
+          <a:xfrm>
+            <a:off x="279400" y="1312863"/>
+            <a:ext cx="8599488" cy="3819525"/>
+          </a:xfrm>
+        </p:spPr>
+        <p:txBody>
+          <a:bodyPr/>
+          <a:lstStyle/>
+          <a:p>
+            <a:r>
+              <a:rPr lang="fr-FR" altLang="fr-FR"/>
+              <a:t>Les développeurs Java ont de nombreux choix :</a:t>
+            </a:r>
+          </a:p>
+          <a:p>
+            <a:pPr lvl="1"/>
+            <a:r>
+              <a:rPr lang="fr-FR" altLang="fr-FR"/>
+              <a:t>Standards Java</a:t>
+            </a:r>
+          </a:p>
+          <a:p>
+            <a:pPr lvl="2"/>
+            <a:r>
+              <a:rPr lang="fr-FR" altLang="fr-FR"/>
+              <a:t>Java Data Objects (JDO, JSR 12)</a:t>
+            </a:r>
+          </a:p>
+          <a:p>
+            <a:pPr lvl="2"/>
+            <a:r>
+              <a:rPr lang="fr-FR" altLang="fr-FR"/>
+              <a:t>JPA</a:t>
+            </a:r>
+          </a:p>
+          <a:p>
+            <a:pPr lvl="2"/>
+            <a:r>
+              <a:rPr lang="fr-FR" altLang="fr-FR"/>
+              <a:t>EJB 2.1</a:t>
+            </a:r>
+          </a:p>
+          <a:p>
+            <a:pPr lvl="2"/>
+            <a:r>
+              <a:rPr lang="fr-FR" altLang="fr-FR"/>
+              <a:t>EJB 3.0 (JSR 220) </a:t>
+            </a:r>
+          </a:p>
+          <a:p>
+            <a:pPr lvl="1"/>
+            <a:r>
+              <a:rPr lang="fr-FR" altLang="fr-FR"/>
+              <a:t>Solutions commerciales et open-source</a:t>
+            </a:r>
+          </a:p>
+          <a:p>
+            <a:pPr lvl="2"/>
+            <a:r>
+              <a:rPr lang="fr-FR" altLang="fr-FR"/>
+              <a:t>Oracle Toplink : </a:t>
+            </a:r>
+            <a:r>
+              <a:rPr lang="fr-FR" altLang="fr-FR">
+                <a:latin typeface="Courier New" panose="02070309020205020404" pitchFamily="49" charset="0"/>
+                <a:cs typeface="Courier New" panose="02070309020205020404" pitchFamily="49" charset="0"/>
+              </a:rPr>
+              <a:t>www.oracle.com</a:t>
+            </a:r>
+            <a:endParaRPr lang="fr-FR" altLang="fr-FR"/>
+          </a:p>
+          <a:p>
+            <a:pPr lvl="2"/>
+            <a:r>
+              <a:rPr lang="fr-FR" altLang="fr-FR"/>
+              <a:t>iBatis SQL Maps : </a:t>
+            </a:r>
+            <a:r>
+              <a:rPr lang="fr-FR" altLang="fr-FR">
+                <a:latin typeface="Courier New" panose="02070309020205020404" pitchFamily="49" charset="0"/>
+                <a:cs typeface="Courier New" panose="02070309020205020404" pitchFamily="49" charset="0"/>
+              </a:rPr>
+              <a:t>http://ibatis.apache.org</a:t>
+            </a:r>
+            <a:endParaRPr lang="fr-FR" altLang="fr-FR"/>
+          </a:p>
+          <a:p>
+            <a:pPr lvl="2"/>
+            <a:r>
+              <a:rPr lang="fr-FR" altLang="fr-FR"/>
+              <a:t>Apache OJB : </a:t>
+            </a:r>
+            <a:r>
+              <a:rPr lang="fr-FR" altLang="fr-FR">
+                <a:latin typeface="Courier New" panose="02070309020205020404" pitchFamily="49" charset="0"/>
+                <a:cs typeface="Courier New" panose="02070309020205020404" pitchFamily="49" charset="0"/>
+              </a:rPr>
+              <a:t>http://db.apache.org/ojb</a:t>
+            </a:r>
+            <a:endParaRPr lang="fr-FR" altLang="fr-FR"/>
+          </a:p>
+          <a:p>
+            <a:pPr lvl="2"/>
+            <a:r>
+              <a:rPr lang="fr-FR" altLang="fr-FR"/>
+              <a:t>Cayenne : </a:t>
+            </a:r>
+            <a:r>
+              <a:rPr lang="fr-FR" altLang="fr-FR">
+                <a:latin typeface="Courier New" panose="02070309020205020404" pitchFamily="49" charset="0"/>
+                <a:cs typeface="Courier New" panose="02070309020205020404" pitchFamily="49" charset="0"/>
+              </a:rPr>
+              <a:t>www.objectstyle.org/cayenne</a:t>
+            </a:r>
+            <a:endParaRPr lang="fr-FR" altLang="fr-FR"/>
+          </a:p>
+          <a:p>
+            <a:pPr lvl="2"/>
+            <a:r>
+              <a:rPr lang="fr-FR" altLang="fr-FR"/>
+              <a:t>Hibernate : </a:t>
+            </a:r>
+            <a:r>
+              <a:rPr lang="fr-FR" altLang="fr-FR">
+                <a:latin typeface="Courier New" panose="02070309020205020404" pitchFamily="49" charset="0"/>
+                <a:cs typeface="Courier New" panose="02070309020205020404" pitchFamily="49" charset="0"/>
+              </a:rPr>
+              <a:t>www.hibernate.org</a:t>
+            </a:r>
+          </a:p>
+          <a:p>
+            <a:r>
+              <a:rPr lang="fr-FR" altLang="fr-FR"/>
+              <a:t>Hibernate est l’outil le plus largement employé</a:t>
+            </a:r>
+          </a:p>
+        </p:txBody>
+      </p:sp>
+    </p:spTree>
+  </p:cSld>
+  <p:clrMapOvr>
+    <a:masterClrMapping/>
+  </p:clrMapOvr>
+</p:sld>
+</file>
+
+<file path=ppt/slides/slide6.xml><?xml version="1.0" encoding="utf-8"?>
+<p:sld xmlns:a="http://schemas.openxmlformats.org/drawingml/2006/main" xmlns:r="http://schemas.openxmlformats.org/officeDocument/2006/relationships" xmlns:p="http://schemas.openxmlformats.org/presentationml/2006/main">
+  <p:cSld>
+    <p:spTree>
+      <p:nvGrpSpPr>
+        <p:cNvPr id="1" name=""/>
+        <p:cNvGrpSpPr/>
+        <p:nvPr/>
+      </p:nvGrpSpPr>
+      <p:grpSpPr>
+        <a:xfrm>
+          <a:off x="0" y="0"/>
+          <a:ext cx="0" cy="0"/>
+          <a:chOff x="0" y="0"/>
+          <a:chExt cx="0" cy="0"/>
+        </a:xfrm>
+      </p:grpSpPr>
+      <p:sp>
+        <p:nvSpPr>
+          <p:cNvPr id="8194" name="Rectangle 2">
+            <a:extLst>
+              <a:ext uri="{FF2B5EF4-FFF2-40B4-BE49-F238E27FC236}">
+                <a16:creationId xmlns:a16="http://schemas.microsoft.com/office/drawing/2014/main" id="{91D28EEF-6417-4088-8C71-63969C460B67}"/>
+              </a:ext>
+            </a:extLst>
+          </p:cNvPr>
+          <p:cNvSpPr>
+            <a:spLocks noGrp="1" noChangeArrowheads="1"/>
+          </p:cNvSpPr>
+          <p:nvPr>
+            <p:ph type="title"/>
+          </p:nvPr>
+        </p:nvSpPr>
+        <p:spPr/>
+        <p:txBody>
+          <a:bodyPr/>
+          <a:lstStyle/>
+          <a:p>
+            <a:r>
+              <a:rPr lang="fr-FR" altLang="fr-FR"/>
+              <a:t>Les buts d’Hibernate</a:t>
+            </a:r>
+          </a:p>
+        </p:txBody>
+      </p:sp>
+      <p:sp>
+        <p:nvSpPr>
+          <p:cNvPr id="8195" name="Rectangle 3">
+            <a:extLst>
+              <a:ext uri="{FF2B5EF4-FFF2-40B4-BE49-F238E27FC236}">
+                <a16:creationId xmlns:a16="http://schemas.microsoft.com/office/drawing/2014/main" id="{64E24D8A-F6C1-41FA-B9A6-4CE198F96BFB}"/>
+              </a:ext>
+            </a:extLst>
+          </p:cNvPr>
+          <p:cNvSpPr>
+            <a:spLocks noGrp="1" noChangeArrowheads="1"/>
+          </p:cNvSpPr>
+          <p:nvPr>
+            <p:ph type="body" idx="1"/>
+          </p:nvPr>
+        </p:nvSpPr>
+        <p:spPr>
+          <a:xfrm>
+            <a:off x="279400" y="1312863"/>
+            <a:ext cx="8599488" cy="5114925"/>
+          </a:xfrm>
+        </p:spPr>
+        <p:txBody>
+          <a:bodyPr/>
+          <a:lstStyle/>
+          <a:p>
+            <a:r>
+              <a:rPr lang="fr-FR" altLang="fr-FR"/>
+              <a:t>Fournir une vue centrée Java des informations concernant la persistance</a:t>
+            </a:r>
+          </a:p>
+          <a:p>
+            <a:r>
+              <a:rPr lang="fr-FR" altLang="fr-FR"/>
+              <a:t>Travaille avec des POJO</a:t>
+            </a:r>
+          </a:p>
+          <a:p>
+            <a:r>
+              <a:rPr lang="fr-FR" altLang="fr-FR"/>
+              <a:t>Supporte les concepts orientés objet </a:t>
+            </a:r>
+          </a:p>
+          <a:p>
+            <a:pPr lvl="1"/>
+            <a:r>
+              <a:rPr lang="fr-FR" altLang="fr-FR"/>
+              <a:t>Encapsulation, héritage, polymorphisme</a:t>
+            </a:r>
+          </a:p>
+          <a:p>
+            <a:r>
+              <a:rPr lang="fr-FR" altLang="fr-FR"/>
+              <a:t>Supprime la nécessité de coder à la main le SQL</a:t>
+            </a:r>
+          </a:p>
+          <a:p>
+            <a:pPr lvl="1"/>
+            <a:r>
+              <a:rPr lang="fr-FR" altLang="fr-FR"/>
+              <a:t>Les requêtes peuvent être définies dans des fichiers externes</a:t>
+            </a:r>
+          </a:p>
+          <a:p>
+            <a:pPr lvl="2"/>
+            <a:r>
+              <a:rPr lang="fr-FR" altLang="fr-FR"/>
+              <a:t>Ecrites d’une manière orientée objet</a:t>
+            </a:r>
+          </a:p>
+          <a:p>
+            <a:pPr lvl="2"/>
+            <a:endParaRPr lang="fr-FR" altLang="fr-FR"/>
+          </a:p>
+          <a:p>
+            <a:pPr lvl="2"/>
+            <a:endParaRPr lang="fr-FR" altLang="fr-FR"/>
+          </a:p>
+          <a:p>
+            <a:pPr lvl="2"/>
+            <a:endParaRPr lang="en-US" altLang="fr-FR"/>
+          </a:p>
+          <a:p>
+            <a:pPr lvl="2"/>
+            <a:endParaRPr lang="en-US" altLang="fr-FR"/>
+          </a:p>
+          <a:p>
+            <a:pPr lvl="2"/>
+            <a:endParaRPr lang="en-US" altLang="fr-FR"/>
+          </a:p>
+          <a:p>
+            <a:pPr lvl="2"/>
+            <a:endParaRPr lang="en-US" altLang="fr-FR"/>
+          </a:p>
+          <a:p>
+            <a:pPr lvl="2"/>
+            <a:endParaRPr lang="en-US" altLang="fr-FR"/>
+          </a:p>
+          <a:p>
+            <a:pPr>
+              <a:buFont typeface="Arial" panose="020B0604020202020204" pitchFamily="34" charset="0"/>
+              <a:buNone/>
+            </a:pPr>
+            <a:r>
+              <a:rPr lang="en-US" altLang="fr-FR" sz="1400"/>
+              <a:t>POJO = Plain Old Java Object</a:t>
+            </a:r>
+          </a:p>
+        </p:txBody>
+      </p:sp>
+    </p:spTree>
+  </p:cSld>
+  <p:clrMapOvr>
+    <a:masterClrMapping/>
+  </p:clrMapOvr>
+</p:sld>
+</file>
+
+<file path=ppt/slides/slide7.xml><?xml version="1.0" encoding="utf-8"?>
+<p:sld xmlns:a="http://schemas.openxmlformats.org/drawingml/2006/main" xmlns:r="http://schemas.openxmlformats.org/officeDocument/2006/relationships" xmlns:p="http://schemas.openxmlformats.org/presentationml/2006/main">
+  <p:cSld>
+    <p:spTree>
+      <p:nvGrpSpPr>
+        <p:cNvPr id="1" name=""/>
+        <p:cNvGrpSpPr/>
+        <p:nvPr/>
+      </p:nvGrpSpPr>
+      <p:grpSpPr>
+        <a:xfrm>
+          <a:off x="0" y="0"/>
+          <a:ext cx="0" cy="0"/>
+          <a:chOff x="0" y="0"/>
+          <a:chExt cx="0" cy="0"/>
+        </a:xfrm>
+      </p:grpSpPr>
+      <p:sp>
+        <p:nvSpPr>
+          <p:cNvPr id="9218" name="Rectangle 2">
+            <a:extLst>
+              <a:ext uri="{FF2B5EF4-FFF2-40B4-BE49-F238E27FC236}">
+                <a16:creationId xmlns:a16="http://schemas.microsoft.com/office/drawing/2014/main" id="{400235B8-0CF0-42EC-B1D0-00A07DBC8F8A}"/>
+              </a:ext>
+            </a:extLst>
+          </p:cNvPr>
+          <p:cNvSpPr>
+            <a:spLocks noGrp="1" noChangeArrowheads="1"/>
+          </p:cNvSpPr>
+          <p:nvPr>
+            <p:ph type="title"/>
+          </p:nvPr>
+        </p:nvSpPr>
+        <p:spPr/>
+        <p:txBody>
+          <a:bodyPr/>
+          <a:lstStyle/>
+          <a:p>
+            <a:r>
+              <a:rPr lang="fr-FR" altLang="fr-FR"/>
+              <a:t>Architecture d’Hibernate</a:t>
+            </a:r>
+          </a:p>
+        </p:txBody>
+      </p:sp>
+      <p:sp>
+        <p:nvSpPr>
+          <p:cNvPr id="9219" name="Rectangle 3">
+            <a:extLst>
+              <a:ext uri="{FF2B5EF4-FFF2-40B4-BE49-F238E27FC236}">
+                <a16:creationId xmlns:a16="http://schemas.microsoft.com/office/drawing/2014/main" id="{AD214584-AEE8-464C-8AAF-58369B437F06}"/>
+              </a:ext>
+            </a:extLst>
+          </p:cNvPr>
+          <p:cNvSpPr>
+            <a:spLocks noGrp="1" noChangeArrowheads="1"/>
+          </p:cNvSpPr>
+          <p:nvPr>
+            <p:ph type="body" idx="1"/>
+          </p:nvPr>
+        </p:nvSpPr>
+        <p:spPr>
+          <a:xfrm>
+            <a:off x="279400" y="1312863"/>
+            <a:ext cx="8599488" cy="966787"/>
+          </a:xfrm>
+        </p:spPr>
+        <p:txBody>
+          <a:bodyPr/>
+          <a:lstStyle/>
+          <a:p>
+            <a:r>
+              <a:rPr lang="fr-FR" altLang="fr-FR" sz="2000"/>
+              <a:t>Hibernate implémente la couche d’accès aux données</a:t>
+            </a:r>
+          </a:p>
+          <a:p>
+            <a:pPr lvl="1"/>
+            <a:r>
+              <a:rPr lang="fr-FR" altLang="fr-FR" sz="1800"/>
+              <a:t>Fournit des objets du domaine comme POJO en réponse aux requêtes</a:t>
+            </a:r>
+          </a:p>
+          <a:p>
+            <a:pPr lvl="1"/>
+            <a:r>
+              <a:rPr lang="fr-FR" altLang="fr-FR" sz="1800"/>
+              <a:t>Gère la persistance des objets du domaine</a:t>
+            </a:r>
+          </a:p>
+        </p:txBody>
+      </p:sp>
+      <p:sp>
+        <p:nvSpPr>
+          <p:cNvPr id="9220" name="Rectangle 5">
+            <a:extLst>
+              <a:ext uri="{FF2B5EF4-FFF2-40B4-BE49-F238E27FC236}">
+                <a16:creationId xmlns:a16="http://schemas.microsoft.com/office/drawing/2014/main" id="{A3ADE846-F8CA-44BF-98CD-CE486918A29D}"/>
+              </a:ext>
+            </a:extLst>
+          </p:cNvPr>
+          <p:cNvSpPr>
+            <a:spLocks noChangeArrowheads="1"/>
+          </p:cNvSpPr>
+          <p:nvPr/>
+        </p:nvSpPr>
+        <p:spPr bwMode="blackWhite">
+          <a:xfrm>
+            <a:off x="2754313" y="2589213"/>
+            <a:ext cx="3384550" cy="830262"/>
+          </a:xfrm>
+          <a:prstGeom prst="rect">
+            <a:avLst/>
+          </a:prstGeom>
+          <a:solidFill>
+            <a:srgbClr val="CCECFF"/>
+          </a:solidFill>
+          <a:ln w="12700">
+            <a:solidFill>
+              <a:schemeClr val="tx1"/>
+            </a:solidFill>
+            <a:miter lim="800000"/>
+            <a:headEnd/>
+            <a:tailEnd/>
+          </a:ln>
+          <a:effectLst/>
+          <a:extLst>
+            <a:ext uri="{AF507438-7753-43E0-B8FC-AC1667EBCBE1}">
+              <a14:hiddenEffects xmlns:a14="http://schemas.microsoft.com/office/drawing/2010/main">
+                <a:effectLst>
+                  <a:outerShdw dist="35921" dir="2700000" algn="ctr" rotWithShape="0">
+                    <a:schemeClr val="bg2"/>
+                  </a:outerShdw>
+                </a:effectLst>
+              </a14:hiddenEffects>
+            </a:ext>
+          </a:extLst>
+        </p:spPr>
+        <p:txBody>
+          <a:bodyPr wrap="none" anchor="ctr">
+            <a:spAutoFit/>
+          </a:bodyPr>
+          <a:lstStyle>
+            <a:lvl1pPr eaLnBrk="0" hangingPunct="0">
+              <a:spcBef>
+                <a:spcPct val="20000"/>
+              </a:spcBef>
+              <a:buClr>
+                <a:schemeClr val="tx1"/>
+              </a:buClr>
+              <a:buFont typeface="Monotype Sorts" pitchFamily="2" charset="2"/>
+              <a:buChar char="o"/>
+              <a:defRPr sz="2800">
+                <a:solidFill>
+                  <a:schemeClr val="tx1"/>
+                </a:solidFill>
+                <a:latin typeface="Arial" panose="020B0604020202020204" pitchFamily="34" charset="0"/>
+              </a:defRPr>
+            </a:lvl1pPr>
+            <a:lvl2pPr marL="742950" indent="-285750" eaLnBrk="0" hangingPunct="0">
+              <a:spcBef>
+                <a:spcPct val="20000"/>
+              </a:spcBef>
+              <a:buChar char="–"/>
+              <a:defRPr sz="2400">
+                <a:solidFill>
+                  <a:schemeClr val="tx1"/>
+                </a:solidFill>
+                <a:latin typeface="Arial" panose="020B0604020202020204" pitchFamily="34" charset="0"/>
+              </a:defRPr>
+            </a:lvl2pPr>
+            <a:lvl3pPr marL="1143000" indent="-228600" eaLnBrk="0" hangingPunct="0">
+              <a:spcBef>
+                <a:spcPct val="20000"/>
+              </a:spcBef>
+              <a:buChar char="•"/>
+              <a:defRPr sz="2000">
+                <a:solidFill>
+                  <a:schemeClr val="tx1"/>
+                </a:solidFill>
+                <a:latin typeface="Arial" panose="020B0604020202020204" pitchFamily="34" charset="0"/>
+              </a:defRPr>
+            </a:lvl3pPr>
+            <a:lvl4pPr marL="1600200" indent="-228600" eaLnBrk="0" hangingPunct="0">
+              <a:spcBef>
+                <a:spcPct val="20000"/>
+              </a:spcBef>
+              <a:buChar char="–"/>
+              <a:defRPr>
+                <a:solidFill>
+                  <a:schemeClr val="tx1"/>
+                </a:solidFill>
+                <a:latin typeface="Arial" panose="020B0604020202020204" pitchFamily="34" charset="0"/>
+              </a:defRPr>
+            </a:lvl4pPr>
+            <a:lvl5pPr marL="2057400" indent="-228600" eaLnBrk="0" hangingPunct="0">
+              <a:spcBef>
+                <a:spcPct val="20000"/>
+              </a:spcBef>
+              <a:buChar char="»"/>
+              <a:defRPr sz="1600">
+                <a:solidFill>
+                  <a:schemeClr val="tx1"/>
+                </a:solidFill>
+                <a:latin typeface="Arial" panose="020B0604020202020204" pitchFamily="34" charset="0"/>
+              </a:defRPr>
+            </a:lvl5pPr>
+            <a:lvl6pPr marL="2514600" indent="-228600" eaLnBrk="0" fontAlgn="base" hangingPunct="0">
+              <a:spcBef>
+                <a:spcPct val="20000"/>
+              </a:spcBef>
+              <a:spcAft>
+                <a:spcPct val="0"/>
+              </a:spcAft>
+              <a:buChar char="»"/>
+              <a:defRPr sz="1600">
+                <a:solidFill>
+                  <a:schemeClr val="tx1"/>
+                </a:solidFill>
+                <a:latin typeface="Arial" panose="020B0604020202020204" pitchFamily="34" charset="0"/>
+              </a:defRPr>
+            </a:lvl6pPr>
+            <a:lvl7pPr marL="2971800" indent="-228600" eaLnBrk="0" fontAlgn="base" hangingPunct="0">
+              <a:spcBef>
+                <a:spcPct val="20000"/>
+              </a:spcBef>
+              <a:spcAft>
+                <a:spcPct val="0"/>
+              </a:spcAft>
+              <a:buChar char="»"/>
+              <a:defRPr sz="1600">
+                <a:solidFill>
+                  <a:schemeClr val="tx1"/>
+                </a:solidFill>
+                <a:latin typeface="Arial" panose="020B0604020202020204" pitchFamily="34" charset="0"/>
+              </a:defRPr>
+            </a:lvl7pPr>
+            <a:lvl8pPr marL="3429000" indent="-228600" eaLnBrk="0" fontAlgn="base" hangingPunct="0">
+              <a:spcBef>
+                <a:spcPct val="20000"/>
+              </a:spcBef>
+              <a:spcAft>
+                <a:spcPct val="0"/>
+              </a:spcAft>
+              <a:buChar char="»"/>
+              <a:defRPr sz="1600">
+                <a:solidFill>
+                  <a:schemeClr val="tx1"/>
+                </a:solidFill>
+                <a:latin typeface="Arial" panose="020B0604020202020204" pitchFamily="34" charset="0"/>
+              </a:defRPr>
+            </a:lvl8pPr>
+            <a:lvl9pPr marL="3886200" indent="-228600" eaLnBrk="0" fontAlgn="base" hangingPunct="0">
+              <a:spcBef>
+                <a:spcPct val="20000"/>
+              </a:spcBef>
+              <a:spcAft>
+                <a:spcPct val="0"/>
+              </a:spcAft>
+              <a:buChar char="»"/>
+              <a:defRPr sz="1600">
+                <a:solidFill>
+                  <a:schemeClr val="tx1"/>
+                </a:solidFill>
+                <a:latin typeface="Arial" panose="020B0604020202020204" pitchFamily="34" charset="0"/>
+              </a:defRPr>
+            </a:lvl9pPr>
+          </a:lstStyle>
+          <a:p>
+            <a:pPr eaLnBrk="1" hangingPunct="1">
+              <a:spcBef>
+                <a:spcPct val="0"/>
+              </a:spcBef>
+              <a:buClrTx/>
+              <a:buFontTx/>
+              <a:buNone/>
+            </a:pPr>
+            <a:endParaRPr lang="fr-FR" altLang="fr-FR" sz="2400"/>
+          </a:p>
+        </p:txBody>
+      </p:sp>
+      <p:sp>
+        <p:nvSpPr>
+          <p:cNvPr id="9221" name="Rectangle 6">
+            <a:extLst>
+              <a:ext uri="{FF2B5EF4-FFF2-40B4-BE49-F238E27FC236}">
+                <a16:creationId xmlns:a16="http://schemas.microsoft.com/office/drawing/2014/main" id="{7E438EB6-C169-4075-8B0A-D8AEE52696E8}"/>
+              </a:ext>
+            </a:extLst>
+          </p:cNvPr>
+          <p:cNvSpPr>
+            <a:spLocks noChangeArrowheads="1"/>
+          </p:cNvSpPr>
+          <p:nvPr/>
+        </p:nvSpPr>
+        <p:spPr bwMode="blackWhite">
+          <a:xfrm>
+            <a:off x="2755900" y="5278438"/>
+            <a:ext cx="3384550" cy="830262"/>
+          </a:xfrm>
+          <a:prstGeom prst="rect">
+            <a:avLst/>
+          </a:prstGeom>
+          <a:solidFill>
+            <a:schemeClr val="hlink"/>
+          </a:solidFill>
+          <a:ln w="12700">
+            <a:solidFill>
+              <a:schemeClr val="tx1"/>
+            </a:solidFill>
+            <a:miter lim="800000"/>
+            <a:headEnd/>
+            <a:tailEnd/>
+          </a:ln>
+          <a:effectLst/>
+          <a:extLst>
+            <a:ext uri="{AF507438-7753-43E0-B8FC-AC1667EBCBE1}">
+              <a14:hiddenEffects xmlns:a14="http://schemas.microsoft.com/office/drawing/2010/main">
+                <a:effectLst>
+                  <a:outerShdw dist="35921" dir="2700000" algn="ctr" rotWithShape="0">
+                    <a:schemeClr val="bg2"/>
+                  </a:outerShdw>
+                </a:effectLst>
+              </a14:hiddenEffects>
+            </a:ext>
+          </a:extLst>
+        </p:spPr>
+        <p:txBody>
+          <a:bodyPr wrap="none" anchor="ctr">
+            <a:spAutoFit/>
+          </a:bodyPr>
+          <a:lstStyle>
+            <a:lvl1pPr eaLnBrk="0" hangingPunct="0">
+              <a:spcBef>
+                <a:spcPct val="20000"/>
+              </a:spcBef>
+              <a:buClr>
+                <a:schemeClr val="tx1"/>
+              </a:buClr>
+              <a:buFont typeface="Monotype Sorts" pitchFamily="2" charset="2"/>
+              <a:buChar char="o"/>
+              <a:defRPr sz="2800">
+                <a:solidFill>
+                  <a:schemeClr val="tx1"/>
+                </a:solidFill>
+                <a:latin typeface="Arial" panose="020B0604020202020204" pitchFamily="34" charset="0"/>
+              </a:defRPr>
+            </a:lvl1pPr>
+            <a:lvl2pPr marL="742950" indent="-285750" eaLnBrk="0" hangingPunct="0">
+              <a:spcBef>
+                <a:spcPct val="20000"/>
+              </a:spcBef>
+              <a:buChar char="–"/>
+              <a:defRPr sz="2400">
+                <a:solidFill>
+                  <a:schemeClr val="tx1"/>
+                </a:solidFill>
+                <a:latin typeface="Arial" panose="020B0604020202020204" pitchFamily="34" charset="0"/>
+              </a:defRPr>
+            </a:lvl2pPr>
+            <a:lvl3pPr marL="1143000" indent="-228600" eaLnBrk="0" hangingPunct="0">
+              <a:spcBef>
+                <a:spcPct val="20000"/>
+              </a:spcBef>
+              <a:buChar char="•"/>
+              <a:defRPr sz="2000">
+                <a:solidFill>
+                  <a:schemeClr val="tx1"/>
+                </a:solidFill>
+                <a:latin typeface="Arial" panose="020B0604020202020204" pitchFamily="34" charset="0"/>
+              </a:defRPr>
+            </a:lvl3pPr>
+            <a:lvl4pPr marL="1600200" indent="-228600" eaLnBrk="0" hangingPunct="0">
+              <a:spcBef>
+                <a:spcPct val="20000"/>
+              </a:spcBef>
+              <a:buChar char="–"/>
+              <a:defRPr>
+                <a:solidFill>
+                  <a:schemeClr val="tx1"/>
+                </a:solidFill>
+                <a:latin typeface="Arial" panose="020B0604020202020204" pitchFamily="34" charset="0"/>
+              </a:defRPr>
+            </a:lvl4pPr>
+            <a:lvl5pPr marL="2057400" indent="-228600" eaLnBrk="0" hangingPunct="0">
+              <a:spcBef>
+                <a:spcPct val="20000"/>
+              </a:spcBef>
+              <a:buChar char="»"/>
+              <a:defRPr sz="1600">
+                <a:solidFill>
+                  <a:schemeClr val="tx1"/>
+                </a:solidFill>
+                <a:latin typeface="Arial" panose="020B0604020202020204" pitchFamily="34" charset="0"/>
+              </a:defRPr>
+            </a:lvl5pPr>
+            <a:lvl6pPr marL="2514600" indent="-228600" eaLnBrk="0" fontAlgn="base" hangingPunct="0">
+              <a:spcBef>
+                <a:spcPct val="20000"/>
+              </a:spcBef>
+              <a:spcAft>
+                <a:spcPct val="0"/>
+              </a:spcAft>
+              <a:buChar char="»"/>
+              <a:defRPr sz="1600">
+                <a:solidFill>
+                  <a:schemeClr val="tx1"/>
+                </a:solidFill>
+                <a:latin typeface="Arial" panose="020B0604020202020204" pitchFamily="34" charset="0"/>
+              </a:defRPr>
+            </a:lvl6pPr>
+            <a:lvl7pPr marL="2971800" indent="-228600" eaLnBrk="0" fontAlgn="base" hangingPunct="0">
+              <a:spcBef>
+                <a:spcPct val="20000"/>
+              </a:spcBef>
+              <a:spcAft>
+                <a:spcPct val="0"/>
+              </a:spcAft>
+              <a:buChar char="»"/>
+              <a:defRPr sz="1600">
+                <a:solidFill>
+                  <a:schemeClr val="tx1"/>
+                </a:solidFill>
+                <a:latin typeface="Arial" panose="020B0604020202020204" pitchFamily="34" charset="0"/>
+              </a:defRPr>
+            </a:lvl7pPr>
+            <a:lvl8pPr marL="3429000" indent="-228600" eaLnBrk="0" fontAlgn="base" hangingPunct="0">
+              <a:spcBef>
+                <a:spcPct val="20000"/>
+              </a:spcBef>
+              <a:spcAft>
+                <a:spcPct val="0"/>
+              </a:spcAft>
+              <a:buChar char="»"/>
+              <a:defRPr sz="1600">
+                <a:solidFill>
+                  <a:schemeClr val="tx1"/>
+                </a:solidFill>
+                <a:latin typeface="Arial" panose="020B0604020202020204" pitchFamily="34" charset="0"/>
+              </a:defRPr>
+            </a:lvl8pPr>
+            <a:lvl9pPr marL="3886200" indent="-228600" eaLnBrk="0" fontAlgn="base" hangingPunct="0">
+              <a:spcBef>
+                <a:spcPct val="20000"/>
+              </a:spcBef>
+              <a:spcAft>
+                <a:spcPct val="0"/>
+              </a:spcAft>
+              <a:buChar char="»"/>
+              <a:defRPr sz="1600">
+                <a:solidFill>
+                  <a:schemeClr val="tx1"/>
+                </a:solidFill>
+                <a:latin typeface="Arial" panose="020B0604020202020204" pitchFamily="34" charset="0"/>
+              </a:defRPr>
+            </a:lvl9pPr>
+          </a:lstStyle>
+          <a:p>
+            <a:pPr eaLnBrk="1" hangingPunct="1">
+              <a:spcBef>
+                <a:spcPct val="0"/>
+              </a:spcBef>
+              <a:buClrTx/>
+              <a:buFontTx/>
+              <a:buNone/>
+            </a:pPr>
+            <a:endParaRPr lang="fr-FR" altLang="fr-FR" sz="2400"/>
+          </a:p>
+        </p:txBody>
+      </p:sp>
+      <p:sp>
+        <p:nvSpPr>
+          <p:cNvPr id="9222" name="Rectangle 7">
+            <a:extLst>
+              <a:ext uri="{FF2B5EF4-FFF2-40B4-BE49-F238E27FC236}">
+                <a16:creationId xmlns:a16="http://schemas.microsoft.com/office/drawing/2014/main" id="{0D49AC34-FCA4-4CF4-8E16-EFFE01EA22C6}"/>
+              </a:ext>
+            </a:extLst>
+          </p:cNvPr>
+          <p:cNvSpPr>
+            <a:spLocks noChangeArrowheads="1"/>
+          </p:cNvSpPr>
+          <p:nvPr/>
+        </p:nvSpPr>
+        <p:spPr bwMode="blackWhite">
+          <a:xfrm>
+            <a:off x="2754313" y="3663950"/>
+            <a:ext cx="3384550" cy="1363663"/>
+          </a:xfrm>
+          <a:prstGeom prst="rect">
+            <a:avLst/>
+          </a:prstGeom>
+          <a:solidFill>
+            <a:srgbClr val="CCFFCC"/>
+          </a:solidFill>
+          <a:ln w="12700">
+            <a:solidFill>
+              <a:schemeClr val="tx1"/>
+            </a:solidFill>
+            <a:miter lim="800000"/>
+            <a:headEnd/>
+            <a:tailEnd/>
+          </a:ln>
+          <a:effectLst/>
+          <a:extLst>
+            <a:ext uri="{AF507438-7753-43E0-B8FC-AC1667EBCBE1}">
+              <a14:hiddenEffects xmlns:a14="http://schemas.microsoft.com/office/drawing/2010/main">
+                <a:effectLst>
+                  <a:outerShdw dist="35921" dir="2700000" algn="ctr" rotWithShape="0">
+                    <a:schemeClr val="bg2"/>
+                  </a:outerShdw>
+                </a:effectLst>
+              </a14:hiddenEffects>
+            </a:ext>
+          </a:extLst>
+        </p:spPr>
+        <p:txBody>
+          <a:bodyPr anchor="ctr">
+            <a:spAutoFit/>
+          </a:bodyPr>
+          <a:lstStyle>
+            <a:lvl1pPr eaLnBrk="0" hangingPunct="0">
+              <a:spcBef>
+                <a:spcPct val="20000"/>
+              </a:spcBef>
+              <a:buClr>
+                <a:schemeClr val="tx1"/>
+              </a:buClr>
+              <a:buFont typeface="Monotype Sorts" pitchFamily="2" charset="2"/>
+              <a:buChar char="o"/>
+              <a:defRPr sz="2800">
+                <a:solidFill>
+                  <a:schemeClr val="tx1"/>
+                </a:solidFill>
+                <a:latin typeface="Arial" panose="020B0604020202020204" pitchFamily="34" charset="0"/>
+              </a:defRPr>
+            </a:lvl1pPr>
+            <a:lvl2pPr marL="742950" indent="-285750" eaLnBrk="0" hangingPunct="0">
+              <a:spcBef>
+                <a:spcPct val="20000"/>
+              </a:spcBef>
+              <a:buChar char="–"/>
+              <a:defRPr sz="2400">
+                <a:solidFill>
+                  <a:schemeClr val="tx1"/>
+                </a:solidFill>
+                <a:latin typeface="Arial" panose="020B0604020202020204" pitchFamily="34" charset="0"/>
+              </a:defRPr>
+            </a:lvl2pPr>
+            <a:lvl3pPr marL="1143000" indent="-228600" eaLnBrk="0" hangingPunct="0">
+              <a:spcBef>
+                <a:spcPct val="20000"/>
+              </a:spcBef>
+              <a:buChar char="•"/>
+              <a:defRPr sz="2000">
+                <a:solidFill>
+                  <a:schemeClr val="tx1"/>
+                </a:solidFill>
+                <a:latin typeface="Arial" panose="020B0604020202020204" pitchFamily="34" charset="0"/>
+              </a:defRPr>
+            </a:lvl3pPr>
+            <a:lvl4pPr marL="1600200" indent="-228600" eaLnBrk="0" hangingPunct="0">
+              <a:spcBef>
+                <a:spcPct val="20000"/>
+              </a:spcBef>
+              <a:buChar char="–"/>
+              <a:defRPr>
+                <a:solidFill>
+                  <a:schemeClr val="tx1"/>
+                </a:solidFill>
+                <a:latin typeface="Arial" panose="020B0604020202020204" pitchFamily="34" charset="0"/>
+              </a:defRPr>
+            </a:lvl4pPr>
+            <a:lvl5pPr marL="2057400" indent="-228600" eaLnBrk="0" hangingPunct="0">
+              <a:spcBef>
+                <a:spcPct val="20000"/>
+              </a:spcBef>
+              <a:buChar char="»"/>
+              <a:defRPr sz="1600">
+                <a:solidFill>
+                  <a:schemeClr val="tx1"/>
+                </a:solidFill>
+                <a:latin typeface="Arial" panose="020B0604020202020204" pitchFamily="34" charset="0"/>
+              </a:defRPr>
+            </a:lvl5pPr>
+            <a:lvl6pPr marL="2514600" indent="-228600" eaLnBrk="0" fontAlgn="base" hangingPunct="0">
+              <a:spcBef>
+                <a:spcPct val="20000"/>
+              </a:spcBef>
+              <a:spcAft>
+                <a:spcPct val="0"/>
+              </a:spcAft>
+              <a:buChar char="»"/>
+              <a:defRPr sz="1600">
+                <a:solidFill>
+                  <a:schemeClr val="tx1"/>
+                </a:solidFill>
+                <a:latin typeface="Arial" panose="020B0604020202020204" pitchFamily="34" charset="0"/>
+              </a:defRPr>
+            </a:lvl6pPr>
+            <a:lvl7pPr marL="2971800" indent="-228600" eaLnBrk="0" fontAlgn="base" hangingPunct="0">
+              <a:spcBef>
+                <a:spcPct val="20000"/>
+              </a:spcBef>
+              <a:spcAft>
+                <a:spcPct val="0"/>
+              </a:spcAft>
+              <a:buChar char="»"/>
+              <a:defRPr sz="1600">
+                <a:solidFill>
+                  <a:schemeClr val="tx1"/>
+                </a:solidFill>
+                <a:latin typeface="Arial" panose="020B0604020202020204" pitchFamily="34" charset="0"/>
+              </a:defRPr>
+            </a:lvl7pPr>
+            <a:lvl8pPr marL="3429000" indent="-228600" eaLnBrk="0" fontAlgn="base" hangingPunct="0">
+              <a:spcBef>
+                <a:spcPct val="20000"/>
+              </a:spcBef>
+              <a:spcAft>
+                <a:spcPct val="0"/>
+              </a:spcAft>
+              <a:buChar char="»"/>
+              <a:defRPr sz="1600">
+                <a:solidFill>
+                  <a:schemeClr val="tx1"/>
+                </a:solidFill>
+                <a:latin typeface="Arial" panose="020B0604020202020204" pitchFamily="34" charset="0"/>
+              </a:defRPr>
+            </a:lvl8pPr>
+            <a:lvl9pPr marL="3886200" indent="-228600" eaLnBrk="0" fontAlgn="base" hangingPunct="0">
+              <a:spcBef>
+                <a:spcPct val="20000"/>
+              </a:spcBef>
+              <a:spcAft>
+                <a:spcPct val="0"/>
+              </a:spcAft>
+              <a:buChar char="»"/>
+              <a:defRPr sz="1600">
+                <a:solidFill>
+                  <a:schemeClr val="tx1"/>
+                </a:solidFill>
+                <a:latin typeface="Arial" panose="020B0604020202020204" pitchFamily="34" charset="0"/>
+              </a:defRPr>
+            </a:lvl9pPr>
+          </a:lstStyle>
+          <a:p>
+            <a:pPr eaLnBrk="1" hangingPunct="1">
+              <a:spcBef>
+                <a:spcPct val="0"/>
+              </a:spcBef>
+              <a:buClrTx/>
+              <a:buFontTx/>
+              <a:buNone/>
+            </a:pPr>
+            <a:endParaRPr lang="fr-FR" altLang="fr-FR" sz="2400"/>
+          </a:p>
+        </p:txBody>
+      </p:sp>
+      <p:sp>
+        <p:nvSpPr>
+          <p:cNvPr id="9223" name="Rectangle 8">
+            <a:extLst>
+              <a:ext uri="{FF2B5EF4-FFF2-40B4-BE49-F238E27FC236}">
+                <a16:creationId xmlns:a16="http://schemas.microsoft.com/office/drawing/2014/main" id="{77454A7F-3E6C-40F1-89FB-8615E7622741}"/>
+              </a:ext>
+            </a:extLst>
+          </p:cNvPr>
+          <p:cNvSpPr>
+            <a:spLocks noChangeArrowheads="1"/>
+          </p:cNvSpPr>
+          <p:nvPr/>
+        </p:nvSpPr>
+        <p:spPr bwMode="blackWhite">
+          <a:xfrm>
+            <a:off x="3313113" y="3230563"/>
+            <a:ext cx="2268537" cy="604837"/>
+          </a:xfrm>
+          <a:prstGeom prst="rect">
+            <a:avLst/>
+          </a:prstGeom>
+          <a:solidFill>
+            <a:schemeClr val="accent1"/>
+          </a:solidFill>
+          <a:ln w="12700">
+            <a:solidFill>
+              <a:schemeClr val="tx1"/>
+            </a:solidFill>
+            <a:miter lim="800000"/>
+            <a:headEnd/>
+            <a:tailEnd/>
+          </a:ln>
+          <a:effectLst/>
+          <a:extLst>
+            <a:ext uri="{AF507438-7753-43E0-B8FC-AC1667EBCBE1}">
+              <a14:hiddenEffects xmlns:a14="http://schemas.microsoft.com/office/drawing/2010/main">
+                <a:effectLst>
+                  <a:outerShdw dist="35921" dir="2700000" algn="ctr" rotWithShape="0">
+                    <a:schemeClr val="bg2"/>
+                  </a:outerShdw>
+                </a:effectLst>
+              </a14:hiddenEffects>
+            </a:ext>
+          </a:extLst>
+        </p:spPr>
+        <p:txBody>
+          <a:bodyPr wrap="none" anchor="ctr">
+            <a:spAutoFit/>
+          </a:bodyPr>
+          <a:lstStyle>
+            <a:lvl1pPr eaLnBrk="0" hangingPunct="0">
+              <a:spcBef>
+                <a:spcPct val="20000"/>
+              </a:spcBef>
+              <a:buClr>
+                <a:schemeClr val="tx1"/>
+              </a:buClr>
+              <a:buFont typeface="Monotype Sorts" pitchFamily="2" charset="2"/>
+              <a:buChar char="o"/>
+              <a:defRPr sz="2800">
+                <a:solidFill>
+                  <a:schemeClr val="tx1"/>
+                </a:solidFill>
+                <a:latin typeface="Arial" panose="020B0604020202020204" pitchFamily="34" charset="0"/>
+              </a:defRPr>
+            </a:lvl1pPr>
+            <a:lvl2pPr marL="742950" indent="-285750" eaLnBrk="0" hangingPunct="0">
+              <a:spcBef>
+                <a:spcPct val="20000"/>
+              </a:spcBef>
+              <a:buChar char="–"/>
+              <a:defRPr sz="2400">
+                <a:solidFill>
+                  <a:schemeClr val="tx1"/>
+                </a:solidFill>
+                <a:latin typeface="Arial" panose="020B0604020202020204" pitchFamily="34" charset="0"/>
+              </a:defRPr>
+            </a:lvl2pPr>
+            <a:lvl3pPr marL="1143000" indent="-228600" eaLnBrk="0" hangingPunct="0">
+              <a:spcBef>
+                <a:spcPct val="20000"/>
+              </a:spcBef>
+              <a:buChar char="•"/>
+              <a:defRPr sz="2000">
+                <a:solidFill>
+                  <a:schemeClr val="tx1"/>
+                </a:solidFill>
+                <a:latin typeface="Arial" panose="020B0604020202020204" pitchFamily="34" charset="0"/>
+              </a:defRPr>
+            </a:lvl3pPr>
+            <a:lvl4pPr marL="1600200" indent="-228600" eaLnBrk="0" hangingPunct="0">
+              <a:spcBef>
+                <a:spcPct val="20000"/>
+              </a:spcBef>
+              <a:buChar char="–"/>
+              <a:defRPr>
+                <a:solidFill>
+                  <a:schemeClr val="tx1"/>
+                </a:solidFill>
+                <a:latin typeface="Arial" panose="020B0604020202020204" pitchFamily="34" charset="0"/>
+              </a:defRPr>
+            </a:lvl4pPr>
+            <a:lvl5pPr marL="2057400" indent="-228600" eaLnBrk="0" hangingPunct="0">
+              <a:spcBef>
+                <a:spcPct val="20000"/>
+              </a:spcBef>
+              <a:buChar char="»"/>
+              <a:defRPr sz="1600">
+                <a:solidFill>
+                  <a:schemeClr val="tx1"/>
+                </a:solidFill>
+                <a:latin typeface="Arial" panose="020B0604020202020204" pitchFamily="34" charset="0"/>
+              </a:defRPr>
+            </a:lvl5pPr>
+            <a:lvl6pPr marL="2514600" indent="-228600" eaLnBrk="0" fontAlgn="base" hangingPunct="0">
+              <a:spcBef>
+                <a:spcPct val="20000"/>
+              </a:spcBef>
+              <a:spcAft>
+                <a:spcPct val="0"/>
+              </a:spcAft>
+              <a:buChar char="»"/>
+              <a:defRPr sz="1600">
+                <a:solidFill>
+                  <a:schemeClr val="tx1"/>
+                </a:solidFill>
+                <a:latin typeface="Arial" panose="020B0604020202020204" pitchFamily="34" charset="0"/>
+              </a:defRPr>
+            </a:lvl6pPr>
+            <a:lvl7pPr marL="2971800" indent="-228600" eaLnBrk="0" fontAlgn="base" hangingPunct="0">
+              <a:spcBef>
+                <a:spcPct val="20000"/>
+              </a:spcBef>
+              <a:spcAft>
+                <a:spcPct val="0"/>
+              </a:spcAft>
+              <a:buChar char="»"/>
+              <a:defRPr sz="1600">
+                <a:solidFill>
+                  <a:schemeClr val="tx1"/>
+                </a:solidFill>
+                <a:latin typeface="Arial" panose="020B0604020202020204" pitchFamily="34" charset="0"/>
+              </a:defRPr>
+            </a:lvl7pPr>
+            <a:lvl8pPr marL="3429000" indent="-228600" eaLnBrk="0" fontAlgn="base" hangingPunct="0">
+              <a:spcBef>
+                <a:spcPct val="20000"/>
+              </a:spcBef>
+              <a:spcAft>
+                <a:spcPct val="0"/>
+              </a:spcAft>
+              <a:buChar char="»"/>
+              <a:defRPr sz="1600">
+                <a:solidFill>
+                  <a:schemeClr val="tx1"/>
+                </a:solidFill>
+                <a:latin typeface="Arial" panose="020B0604020202020204" pitchFamily="34" charset="0"/>
+              </a:defRPr>
+            </a:lvl8pPr>
+            <a:lvl9pPr marL="3886200" indent="-228600" eaLnBrk="0" fontAlgn="base" hangingPunct="0">
+              <a:spcBef>
+                <a:spcPct val="20000"/>
+              </a:spcBef>
+              <a:spcAft>
+                <a:spcPct val="0"/>
+              </a:spcAft>
+              <a:buChar char="»"/>
+              <a:defRPr sz="1600">
+                <a:solidFill>
+                  <a:schemeClr val="tx1"/>
+                </a:solidFill>
+                <a:latin typeface="Arial" panose="020B0604020202020204" pitchFamily="34" charset="0"/>
+              </a:defRPr>
+            </a:lvl9pPr>
+          </a:lstStyle>
+          <a:p>
+            <a:pPr eaLnBrk="1" hangingPunct="1">
+              <a:spcBef>
+                <a:spcPct val="0"/>
+              </a:spcBef>
+              <a:buClrTx/>
+              <a:buFontTx/>
+              <a:buNone/>
+            </a:pPr>
+            <a:endParaRPr lang="fr-FR" altLang="fr-FR" sz="2400"/>
+          </a:p>
+        </p:txBody>
+      </p:sp>
+      <p:sp>
+        <p:nvSpPr>
+          <p:cNvPr id="9224" name="Text Box 9">
+            <a:extLst>
+              <a:ext uri="{FF2B5EF4-FFF2-40B4-BE49-F238E27FC236}">
+                <a16:creationId xmlns:a16="http://schemas.microsoft.com/office/drawing/2014/main" id="{E929D912-A1D1-481B-B030-79FDD03871CB}"/>
+              </a:ext>
+            </a:extLst>
+          </p:cNvPr>
+          <p:cNvSpPr txBox="1">
+            <a:spLocks noChangeArrowheads="1"/>
+          </p:cNvSpPr>
+          <p:nvPr/>
+        </p:nvSpPr>
+        <p:spPr bwMode="auto">
+          <a:xfrm>
+            <a:off x="3790950" y="2713038"/>
+            <a:ext cx="1290638" cy="336550"/>
+          </a:xfrm>
+          <a:prstGeom prst="rect">
+            <a:avLst/>
+          </a:prstGeom>
+          <a:noFill/>
+          <a:ln>
+            <a:noFill/>
+          </a:ln>
+          <a:effectLst/>
+          <a:extLst>
+            <a:ext uri="{909E8E84-426E-40DD-AFC4-6F175D3DCCD1}">
+              <a14:hiddenFill xmlns:a14="http://schemas.microsoft.com/office/drawing/2010/main">
+                <a:solidFill>
+                  <a:schemeClr val="accent1"/>
+                </a:solidFill>
+              </a14:hiddenFill>
+            </a:ext>
+            <a:ext uri="{91240B29-F687-4F45-9708-019B960494DF}">
+              <a14:hiddenLine xmlns:a14="http://schemas.microsoft.com/office/drawing/2010/main" w="12700">
+                <a:solidFill>
+                  <a:schemeClr val="tx1"/>
+                </a:solidFill>
+                <a:miter lim="800000"/>
+                <a:headEnd/>
+                <a:tailEnd/>
+              </a14:hiddenLine>
+            </a:ext>
+            <a:ext uri="{AF507438-7753-43E0-B8FC-AC1667EBCBE1}">
+              <a14:hiddenEffects xmlns:a14="http://schemas.microsoft.com/office/drawing/2010/main">
+                <a:effectLst>
+                  <a:outerShdw dist="35921" dir="2700000" algn="ctr" rotWithShape="0">
+                    <a:schemeClr val="bg2"/>
+                  </a:outerShdw>
+                </a:effectLst>
+              </a14:hiddenEffects>
+            </a:ext>
+          </a:extLst>
+        </p:spPr>
+        <p:txBody>
+          <a:bodyPr wrap="none">
+            <a:spAutoFit/>
+          </a:bodyPr>
+          <a:lstStyle>
+            <a:lvl1pPr eaLnBrk="0" hangingPunct="0">
+              <a:spcBef>
+                <a:spcPct val="20000"/>
+              </a:spcBef>
+              <a:buClr>
+                <a:schemeClr val="tx1"/>
+              </a:buClr>
+              <a:buFont typeface="Monotype Sorts" pitchFamily="2" charset="2"/>
+              <a:buChar char="o"/>
+              <a:defRPr sz="2800">
+                <a:solidFill>
+                  <a:schemeClr val="tx1"/>
+                </a:solidFill>
+                <a:latin typeface="Arial" panose="020B0604020202020204" pitchFamily="34" charset="0"/>
+              </a:defRPr>
+            </a:lvl1pPr>
+            <a:lvl2pPr marL="742950" indent="-285750" eaLnBrk="0" hangingPunct="0">
+              <a:spcBef>
+                <a:spcPct val="20000"/>
+              </a:spcBef>
+              <a:buChar char="–"/>
+              <a:defRPr sz="2400">
+                <a:solidFill>
+                  <a:schemeClr val="tx1"/>
+                </a:solidFill>
+                <a:latin typeface="Arial" panose="020B0604020202020204" pitchFamily="34" charset="0"/>
+              </a:defRPr>
+            </a:lvl2pPr>
+            <a:lvl3pPr marL="1143000" indent="-228600" eaLnBrk="0" hangingPunct="0">
+              <a:spcBef>
+                <a:spcPct val="20000"/>
+              </a:spcBef>
+              <a:buChar char="•"/>
+              <a:defRPr sz="2000">
+                <a:solidFill>
+                  <a:schemeClr val="tx1"/>
+                </a:solidFill>
+                <a:latin typeface="Arial" panose="020B0604020202020204" pitchFamily="34" charset="0"/>
+              </a:defRPr>
+            </a:lvl3pPr>
+            <a:lvl4pPr marL="1600200" indent="-228600" eaLnBrk="0" hangingPunct="0">
+              <a:spcBef>
+                <a:spcPct val="20000"/>
+              </a:spcBef>
+              <a:buChar char="–"/>
+              <a:defRPr>
+                <a:solidFill>
+                  <a:schemeClr val="tx1"/>
+                </a:solidFill>
+                <a:latin typeface="Arial" panose="020B0604020202020204" pitchFamily="34" charset="0"/>
+              </a:defRPr>
+            </a:lvl4pPr>
+            <a:lvl5pPr marL="2057400" indent="-228600" eaLnBrk="0" hangingPunct="0">
+              <a:spcBef>
+                <a:spcPct val="20000"/>
+              </a:spcBef>
+              <a:buChar char="»"/>
+              <a:defRPr sz="1600">
+                <a:solidFill>
+                  <a:schemeClr val="tx1"/>
+                </a:solidFill>
+                <a:latin typeface="Arial" panose="020B0604020202020204" pitchFamily="34" charset="0"/>
+              </a:defRPr>
+            </a:lvl5pPr>
+            <a:lvl6pPr marL="2514600" indent="-228600" eaLnBrk="0" fontAlgn="base" hangingPunct="0">
+              <a:spcBef>
+                <a:spcPct val="20000"/>
+              </a:spcBef>
+              <a:spcAft>
+                <a:spcPct val="0"/>
+              </a:spcAft>
+              <a:buChar char="»"/>
+              <a:defRPr sz="1600">
+                <a:solidFill>
+                  <a:schemeClr val="tx1"/>
+                </a:solidFill>
+                <a:latin typeface="Arial" panose="020B0604020202020204" pitchFamily="34" charset="0"/>
+              </a:defRPr>
+            </a:lvl6pPr>
+            <a:lvl7pPr marL="2971800" indent="-228600" eaLnBrk="0" fontAlgn="base" hangingPunct="0">
+              <a:spcBef>
+                <a:spcPct val="20000"/>
+              </a:spcBef>
+              <a:spcAft>
+                <a:spcPct val="0"/>
+              </a:spcAft>
+              <a:buChar char="»"/>
+              <a:defRPr sz="1600">
+                <a:solidFill>
+                  <a:schemeClr val="tx1"/>
+                </a:solidFill>
+                <a:latin typeface="Arial" panose="020B0604020202020204" pitchFamily="34" charset="0"/>
+              </a:defRPr>
+            </a:lvl7pPr>
+            <a:lvl8pPr marL="3429000" indent="-228600" eaLnBrk="0" fontAlgn="base" hangingPunct="0">
+              <a:spcBef>
+                <a:spcPct val="20000"/>
+              </a:spcBef>
+              <a:spcAft>
+                <a:spcPct val="0"/>
+              </a:spcAft>
+              <a:buChar char="»"/>
+              <a:defRPr sz="1600">
+                <a:solidFill>
+                  <a:schemeClr val="tx1"/>
+                </a:solidFill>
+                <a:latin typeface="Arial" panose="020B0604020202020204" pitchFamily="34" charset="0"/>
+              </a:defRPr>
+            </a:lvl8pPr>
+            <a:lvl9pPr marL="3886200" indent="-228600" eaLnBrk="0" fontAlgn="base" hangingPunct="0">
+              <a:spcBef>
+                <a:spcPct val="20000"/>
+              </a:spcBef>
+              <a:spcAft>
+                <a:spcPct val="0"/>
+              </a:spcAft>
+              <a:buChar char="»"/>
+              <a:defRPr sz="1600">
+                <a:solidFill>
+                  <a:schemeClr val="tx1"/>
+                </a:solidFill>
+                <a:latin typeface="Arial" panose="020B0604020202020204" pitchFamily="34" charset="0"/>
+              </a:defRPr>
+            </a:lvl9pPr>
+          </a:lstStyle>
+          <a:p>
+            <a:pPr eaLnBrk="1" hangingPunct="1">
+              <a:spcBef>
+                <a:spcPct val="0"/>
+              </a:spcBef>
+              <a:buClrTx/>
+              <a:buFontTx/>
+              <a:buNone/>
+            </a:pPr>
+            <a:r>
+              <a:rPr lang="en-GB" altLang="fr-FR" sz="1600" b="1">
+                <a:cs typeface="Arial" panose="020B0604020202020204" pitchFamily="34" charset="0"/>
+              </a:rPr>
+              <a:t>Application</a:t>
+            </a:r>
+          </a:p>
+        </p:txBody>
+      </p:sp>
+      <p:sp>
+        <p:nvSpPr>
+          <p:cNvPr id="9225" name="Text Box 10">
+            <a:extLst>
+              <a:ext uri="{FF2B5EF4-FFF2-40B4-BE49-F238E27FC236}">
+                <a16:creationId xmlns:a16="http://schemas.microsoft.com/office/drawing/2014/main" id="{41E9DEFC-32F8-4D2A-81FE-A81D5516D9F0}"/>
+              </a:ext>
+            </a:extLst>
+          </p:cNvPr>
+          <p:cNvSpPr txBox="1">
+            <a:spLocks noChangeArrowheads="1"/>
+          </p:cNvSpPr>
+          <p:nvPr/>
+        </p:nvSpPr>
+        <p:spPr bwMode="auto">
+          <a:xfrm>
+            <a:off x="3708400" y="3368675"/>
+            <a:ext cx="1652588" cy="304800"/>
+          </a:xfrm>
+          <a:prstGeom prst="rect">
+            <a:avLst/>
+          </a:prstGeom>
+          <a:noFill/>
+          <a:ln>
+            <a:noFill/>
+          </a:ln>
+          <a:effectLst/>
+          <a:extLst>
+            <a:ext uri="{909E8E84-426E-40DD-AFC4-6F175D3DCCD1}">
+              <a14:hiddenFill xmlns:a14="http://schemas.microsoft.com/office/drawing/2010/main">
+                <a:solidFill>
+                  <a:schemeClr val="accent1"/>
+                </a:solidFill>
+              </a14:hiddenFill>
+            </a:ext>
+            <a:ext uri="{91240B29-F687-4F45-9708-019B960494DF}">
+              <a14:hiddenLine xmlns:a14="http://schemas.microsoft.com/office/drawing/2010/main" w="12700">
+                <a:solidFill>
+                  <a:schemeClr val="tx1"/>
+                </a:solidFill>
+                <a:miter lim="800000"/>
+                <a:headEnd/>
+                <a:tailEnd/>
+              </a14:hiddenLine>
+            </a:ext>
+            <a:ext uri="{AF507438-7753-43E0-B8FC-AC1667EBCBE1}">
+              <a14:hiddenEffects xmlns:a14="http://schemas.microsoft.com/office/drawing/2010/main">
+                <a:effectLst>
+                  <a:outerShdw dist="35921" dir="2700000" algn="ctr" rotWithShape="0">
+                    <a:schemeClr val="bg2"/>
+                  </a:outerShdw>
+                </a:effectLst>
+              </a14:hiddenEffects>
+            </a:ext>
+          </a:extLst>
+        </p:spPr>
+        <p:txBody>
+          <a:bodyPr wrap="none">
+            <a:spAutoFit/>
+          </a:bodyPr>
+          <a:lstStyle>
+            <a:lvl1pPr eaLnBrk="0" hangingPunct="0">
+              <a:spcBef>
+                <a:spcPct val="20000"/>
+              </a:spcBef>
+              <a:buClr>
+                <a:schemeClr val="tx1"/>
+              </a:buClr>
+              <a:buFont typeface="Monotype Sorts" pitchFamily="2" charset="2"/>
+              <a:buChar char="o"/>
+              <a:defRPr sz="2800">
+                <a:solidFill>
+                  <a:schemeClr val="tx1"/>
+                </a:solidFill>
+                <a:latin typeface="Arial" panose="020B0604020202020204" pitchFamily="34" charset="0"/>
+              </a:defRPr>
+            </a:lvl1pPr>
+            <a:lvl2pPr marL="742950" indent="-285750" eaLnBrk="0" hangingPunct="0">
+              <a:spcBef>
+                <a:spcPct val="20000"/>
+              </a:spcBef>
+              <a:buChar char="–"/>
+              <a:defRPr sz="2400">
+                <a:solidFill>
+                  <a:schemeClr val="tx1"/>
+                </a:solidFill>
+                <a:latin typeface="Arial" panose="020B0604020202020204" pitchFamily="34" charset="0"/>
+              </a:defRPr>
+            </a:lvl2pPr>
+            <a:lvl3pPr marL="1143000" indent="-228600" eaLnBrk="0" hangingPunct="0">
+              <a:spcBef>
+                <a:spcPct val="20000"/>
+              </a:spcBef>
+              <a:buChar char="•"/>
+              <a:defRPr sz="2000">
+                <a:solidFill>
+                  <a:schemeClr val="tx1"/>
+                </a:solidFill>
+                <a:latin typeface="Arial" panose="020B0604020202020204" pitchFamily="34" charset="0"/>
+              </a:defRPr>
+            </a:lvl3pPr>
+            <a:lvl4pPr marL="1600200" indent="-228600" eaLnBrk="0" hangingPunct="0">
+              <a:spcBef>
+                <a:spcPct val="20000"/>
+              </a:spcBef>
+              <a:buChar char="–"/>
+              <a:defRPr>
+                <a:solidFill>
+                  <a:schemeClr val="tx1"/>
+                </a:solidFill>
+                <a:latin typeface="Arial" panose="020B0604020202020204" pitchFamily="34" charset="0"/>
+              </a:defRPr>
+            </a:lvl4pPr>
+            <a:lvl5pPr marL="2057400" indent="-228600" eaLnBrk="0" hangingPunct="0">
+              <a:spcBef>
+                <a:spcPct val="20000"/>
+              </a:spcBef>
+              <a:buChar char="»"/>
+              <a:defRPr sz="1600">
+                <a:solidFill>
+                  <a:schemeClr val="tx1"/>
+                </a:solidFill>
+                <a:latin typeface="Arial" panose="020B0604020202020204" pitchFamily="34" charset="0"/>
+              </a:defRPr>
+            </a:lvl5pPr>
+            <a:lvl6pPr marL="2514600" indent="-228600" eaLnBrk="0" fontAlgn="base" hangingPunct="0">
+              <a:spcBef>
+                <a:spcPct val="20000"/>
+              </a:spcBef>
+              <a:spcAft>
+                <a:spcPct val="0"/>
+              </a:spcAft>
+              <a:buChar char="»"/>
+              <a:defRPr sz="1600">
+                <a:solidFill>
+                  <a:schemeClr val="tx1"/>
+                </a:solidFill>
+                <a:latin typeface="Arial" panose="020B0604020202020204" pitchFamily="34" charset="0"/>
+              </a:defRPr>
+            </a:lvl6pPr>
+            <a:lvl7pPr marL="2971800" indent="-228600" eaLnBrk="0" fontAlgn="base" hangingPunct="0">
+              <a:spcBef>
+                <a:spcPct val="20000"/>
+              </a:spcBef>
+              <a:spcAft>
+                <a:spcPct val="0"/>
+              </a:spcAft>
+              <a:buChar char="»"/>
+              <a:defRPr sz="1600">
+                <a:solidFill>
+                  <a:schemeClr val="tx1"/>
+                </a:solidFill>
+                <a:latin typeface="Arial" panose="020B0604020202020204" pitchFamily="34" charset="0"/>
+              </a:defRPr>
+            </a:lvl7pPr>
+            <a:lvl8pPr marL="3429000" indent="-228600" eaLnBrk="0" fontAlgn="base" hangingPunct="0">
+              <a:spcBef>
+                <a:spcPct val="20000"/>
+              </a:spcBef>
+              <a:spcAft>
+                <a:spcPct val="0"/>
+              </a:spcAft>
+              <a:buChar char="»"/>
+              <a:defRPr sz="1600">
+                <a:solidFill>
+                  <a:schemeClr val="tx1"/>
+                </a:solidFill>
+                <a:latin typeface="Arial" panose="020B0604020202020204" pitchFamily="34" charset="0"/>
+              </a:defRPr>
+            </a:lvl8pPr>
+            <a:lvl9pPr marL="3886200" indent="-228600" eaLnBrk="0" fontAlgn="base" hangingPunct="0">
+              <a:spcBef>
+                <a:spcPct val="20000"/>
+              </a:spcBef>
+              <a:spcAft>
+                <a:spcPct val="0"/>
+              </a:spcAft>
+              <a:buChar char="»"/>
+              <a:defRPr sz="1600">
+                <a:solidFill>
+                  <a:schemeClr val="tx1"/>
+                </a:solidFill>
+                <a:latin typeface="Arial" panose="020B0604020202020204" pitchFamily="34" charset="0"/>
+              </a:defRPr>
+            </a:lvl9pPr>
+          </a:lstStyle>
+          <a:p>
+            <a:pPr eaLnBrk="1" hangingPunct="1">
+              <a:spcBef>
+                <a:spcPct val="0"/>
+              </a:spcBef>
+              <a:buClrTx/>
+              <a:buFontTx/>
+              <a:buNone/>
+            </a:pPr>
+            <a:r>
+              <a:rPr lang="fr-FR" altLang="fr-FR" sz="1400">
+                <a:cs typeface="Arial" panose="020B0604020202020204" pitchFamily="34" charset="0"/>
+              </a:rPr>
+              <a:t>Objets persistants </a:t>
+            </a:r>
+          </a:p>
+        </p:txBody>
+      </p:sp>
+      <p:sp>
+        <p:nvSpPr>
+          <p:cNvPr id="9226" name="Text Box 11">
+            <a:extLst>
+              <a:ext uri="{FF2B5EF4-FFF2-40B4-BE49-F238E27FC236}">
+                <a16:creationId xmlns:a16="http://schemas.microsoft.com/office/drawing/2014/main" id="{C068E224-1839-41B4-B1A3-BC19858FA275}"/>
+              </a:ext>
+            </a:extLst>
+          </p:cNvPr>
+          <p:cNvSpPr txBox="1">
+            <a:spLocks noChangeArrowheads="1"/>
+          </p:cNvSpPr>
+          <p:nvPr/>
+        </p:nvSpPr>
+        <p:spPr bwMode="auto">
+          <a:xfrm>
+            <a:off x="3775075" y="3898900"/>
+            <a:ext cx="1343025" cy="336550"/>
+          </a:xfrm>
+          <a:prstGeom prst="rect">
+            <a:avLst/>
+          </a:prstGeom>
+          <a:noFill/>
+          <a:ln>
+            <a:noFill/>
+          </a:ln>
+          <a:effectLst/>
+          <a:extLst>
+            <a:ext uri="{909E8E84-426E-40DD-AFC4-6F175D3DCCD1}">
+              <a14:hiddenFill xmlns:a14="http://schemas.microsoft.com/office/drawing/2010/main">
+                <a:solidFill>
+                  <a:schemeClr val="accent1"/>
+                </a:solidFill>
+              </a14:hiddenFill>
+            </a:ext>
+            <a:ext uri="{91240B29-F687-4F45-9708-019B960494DF}">
+              <a14:hiddenLine xmlns:a14="http://schemas.microsoft.com/office/drawing/2010/main" w="12700">
+                <a:solidFill>
+                  <a:schemeClr val="tx1"/>
+                </a:solidFill>
+                <a:miter lim="800000"/>
+                <a:headEnd/>
+                <a:tailEnd/>
+              </a14:hiddenLine>
+            </a:ext>
+            <a:ext uri="{AF507438-7753-43E0-B8FC-AC1667EBCBE1}">
+              <a14:hiddenEffects xmlns:a14="http://schemas.microsoft.com/office/drawing/2010/main">
+                <a:effectLst>
+                  <a:outerShdw dist="35921" dir="2700000" algn="ctr" rotWithShape="0">
+                    <a:schemeClr val="bg2"/>
+                  </a:outerShdw>
+                </a:effectLst>
+              </a14:hiddenEffects>
+            </a:ext>
+          </a:extLst>
+        </p:spPr>
+        <p:txBody>
+          <a:bodyPr wrap="none">
+            <a:spAutoFit/>
+          </a:bodyPr>
+          <a:lstStyle>
+            <a:lvl1pPr eaLnBrk="0" hangingPunct="0">
+              <a:spcBef>
+                <a:spcPct val="20000"/>
+              </a:spcBef>
+              <a:buClr>
+                <a:schemeClr val="tx1"/>
+              </a:buClr>
+              <a:buFont typeface="Monotype Sorts" pitchFamily="2" charset="2"/>
+              <a:buChar char="o"/>
+              <a:defRPr sz="2800">
+                <a:solidFill>
+                  <a:schemeClr val="tx1"/>
+                </a:solidFill>
+                <a:latin typeface="Arial" panose="020B0604020202020204" pitchFamily="34" charset="0"/>
+              </a:defRPr>
+            </a:lvl1pPr>
+            <a:lvl2pPr marL="742950" indent="-285750" eaLnBrk="0" hangingPunct="0">
+              <a:spcBef>
+                <a:spcPct val="20000"/>
+              </a:spcBef>
+              <a:buChar char="–"/>
+              <a:defRPr sz="2400">
+                <a:solidFill>
+                  <a:schemeClr val="tx1"/>
+                </a:solidFill>
+                <a:latin typeface="Arial" panose="020B0604020202020204" pitchFamily="34" charset="0"/>
+              </a:defRPr>
+            </a:lvl2pPr>
+            <a:lvl3pPr marL="1143000" indent="-228600" eaLnBrk="0" hangingPunct="0">
+              <a:spcBef>
+                <a:spcPct val="20000"/>
+              </a:spcBef>
+              <a:buChar char="•"/>
+              <a:defRPr sz="2000">
+                <a:solidFill>
+                  <a:schemeClr val="tx1"/>
+                </a:solidFill>
+                <a:latin typeface="Arial" panose="020B0604020202020204" pitchFamily="34" charset="0"/>
+              </a:defRPr>
+            </a:lvl3pPr>
+            <a:lvl4pPr marL="1600200" indent="-228600" eaLnBrk="0" hangingPunct="0">
+              <a:spcBef>
+                <a:spcPct val="20000"/>
+              </a:spcBef>
+              <a:buChar char="–"/>
+              <a:defRPr>
+                <a:solidFill>
+                  <a:schemeClr val="tx1"/>
+                </a:solidFill>
+                <a:latin typeface="Arial" panose="020B0604020202020204" pitchFamily="34" charset="0"/>
+              </a:defRPr>
+            </a:lvl4pPr>
+            <a:lvl5pPr marL="2057400" indent="-228600" eaLnBrk="0" hangingPunct="0">
+              <a:spcBef>
+                <a:spcPct val="20000"/>
+              </a:spcBef>
+              <a:buChar char="»"/>
+              <a:defRPr sz="1600">
+                <a:solidFill>
+                  <a:schemeClr val="tx1"/>
+                </a:solidFill>
+                <a:latin typeface="Arial" panose="020B0604020202020204" pitchFamily="34" charset="0"/>
+              </a:defRPr>
+            </a:lvl5pPr>
+            <a:lvl6pPr marL="2514600" indent="-228600" eaLnBrk="0" fontAlgn="base" hangingPunct="0">
+              <a:spcBef>
+                <a:spcPct val="20000"/>
+              </a:spcBef>
+              <a:spcAft>
+                <a:spcPct val="0"/>
+              </a:spcAft>
+              <a:buChar char="»"/>
+              <a:defRPr sz="1600">
+                <a:solidFill>
+                  <a:schemeClr val="tx1"/>
+                </a:solidFill>
+                <a:latin typeface="Arial" panose="020B0604020202020204" pitchFamily="34" charset="0"/>
+              </a:defRPr>
+            </a:lvl6pPr>
+            <a:lvl7pPr marL="2971800" indent="-228600" eaLnBrk="0" fontAlgn="base" hangingPunct="0">
+              <a:spcBef>
+                <a:spcPct val="20000"/>
+              </a:spcBef>
+              <a:spcAft>
+                <a:spcPct val="0"/>
+              </a:spcAft>
+              <a:buChar char="»"/>
+              <a:defRPr sz="1600">
+                <a:solidFill>
+                  <a:schemeClr val="tx1"/>
+                </a:solidFill>
+                <a:latin typeface="Arial" panose="020B0604020202020204" pitchFamily="34" charset="0"/>
+              </a:defRPr>
+            </a:lvl7pPr>
+            <a:lvl8pPr marL="3429000" indent="-228600" eaLnBrk="0" fontAlgn="base" hangingPunct="0">
+              <a:spcBef>
+                <a:spcPct val="20000"/>
+              </a:spcBef>
+              <a:spcAft>
+                <a:spcPct val="0"/>
+              </a:spcAft>
+              <a:buChar char="»"/>
+              <a:defRPr sz="1600">
+                <a:solidFill>
+                  <a:schemeClr val="tx1"/>
+                </a:solidFill>
+                <a:latin typeface="Arial" panose="020B0604020202020204" pitchFamily="34" charset="0"/>
+              </a:defRPr>
+            </a:lvl8pPr>
+            <a:lvl9pPr marL="3886200" indent="-228600" eaLnBrk="0" fontAlgn="base" hangingPunct="0">
+              <a:spcBef>
+                <a:spcPct val="20000"/>
+              </a:spcBef>
+              <a:spcAft>
+                <a:spcPct val="0"/>
+              </a:spcAft>
+              <a:buChar char="»"/>
+              <a:defRPr sz="1600">
+                <a:solidFill>
+                  <a:schemeClr val="tx1"/>
+                </a:solidFill>
+                <a:latin typeface="Arial" panose="020B0604020202020204" pitchFamily="34" charset="0"/>
+              </a:defRPr>
+            </a:lvl9pPr>
+          </a:lstStyle>
+          <a:p>
+            <a:pPr eaLnBrk="1" hangingPunct="1">
+              <a:spcBef>
+                <a:spcPct val="0"/>
+              </a:spcBef>
+              <a:buClrTx/>
+              <a:buFontTx/>
+              <a:buNone/>
+            </a:pPr>
+            <a:r>
+              <a:rPr lang="en-GB" altLang="fr-FR" sz="1600">
+                <a:cs typeface="Arial" panose="020B0604020202020204" pitchFamily="34" charset="0"/>
+              </a:rPr>
+              <a:t>HIBERNATE</a:t>
+            </a:r>
+          </a:p>
+        </p:txBody>
+      </p:sp>
+      <p:grpSp>
+        <p:nvGrpSpPr>
+          <p:cNvPr id="9227" name="Group 15">
+            <a:extLst>
+              <a:ext uri="{FF2B5EF4-FFF2-40B4-BE49-F238E27FC236}">
+                <a16:creationId xmlns:a16="http://schemas.microsoft.com/office/drawing/2014/main" id="{07AF0844-C3DA-4F96-90FD-BD849409899E}"/>
+              </a:ext>
+            </a:extLst>
+          </p:cNvPr>
+          <p:cNvGrpSpPr>
+            <a:grpSpLocks/>
+          </p:cNvGrpSpPr>
+          <p:nvPr/>
+        </p:nvGrpSpPr>
+        <p:grpSpPr bwMode="auto">
+          <a:xfrm>
+            <a:off x="3128963" y="4375150"/>
+            <a:ext cx="2635250" cy="469900"/>
+            <a:chOff x="1987" y="2756"/>
+            <a:chExt cx="1660" cy="296"/>
+          </a:xfrm>
+        </p:grpSpPr>
+        <p:sp>
+          <p:nvSpPr>
+            <p:cNvPr id="9229" name="Text Box 12">
+              <a:extLst>
+                <a:ext uri="{FF2B5EF4-FFF2-40B4-BE49-F238E27FC236}">
+                  <a16:creationId xmlns:a16="http://schemas.microsoft.com/office/drawing/2014/main" id="{39EF0FBD-FE06-4966-873A-BE6A67E532DC}"/>
+                </a:ext>
+              </a:extLst>
+            </p:cNvPr>
+            <p:cNvSpPr txBox="1">
+              <a:spLocks noChangeArrowheads="1"/>
+            </p:cNvSpPr>
+            <p:nvPr/>
+          </p:nvSpPr>
+          <p:spPr bwMode="blackWhite">
+            <a:xfrm>
+              <a:off x="1987" y="2756"/>
+              <a:ext cx="692" cy="296"/>
+            </a:xfrm>
+            <a:prstGeom prst="rect">
+              <a:avLst/>
+            </a:prstGeom>
+            <a:solidFill>
+              <a:srgbClr val="FFFF66"/>
+            </a:solidFill>
+            <a:ln w="12700">
+              <a:solidFill>
+                <a:schemeClr val="tx1"/>
+              </a:solidFill>
+              <a:miter lim="800000"/>
+              <a:headEnd/>
+              <a:tailEnd/>
+            </a:ln>
+            <a:effectLst/>
+            <a:extLst>
+              <a:ext uri="{AF507438-7753-43E0-B8FC-AC1667EBCBE1}">
+                <a14:hiddenEffects xmlns:a14="http://schemas.microsoft.com/office/drawing/2010/main">
+                  <a:effectLst>
+                    <a:outerShdw dist="35921" dir="2700000" algn="ctr" rotWithShape="0">
+                      <a:schemeClr val="bg2"/>
+                    </a:outerShdw>
+                  </a:effectLst>
+                </a14:hiddenEffects>
+              </a:ext>
+            </a:extLst>
+          </p:spPr>
+          <p:txBody>
+            <a:bodyPr wrap="none">
+              <a:spAutoFit/>
+            </a:bodyPr>
+            <a:lstStyle>
+              <a:lvl1pPr eaLnBrk="0" hangingPunct="0">
+                <a:spcBef>
+                  <a:spcPct val="20000"/>
+                </a:spcBef>
+                <a:buClr>
+                  <a:schemeClr val="tx1"/>
+                </a:buClr>
+                <a:buFont typeface="Monotype Sorts" pitchFamily="2" charset="2"/>
+                <a:buChar char="o"/>
+                <a:defRPr sz="2800">
+                  <a:solidFill>
+                    <a:schemeClr val="tx1"/>
+                  </a:solidFill>
+                  <a:latin typeface="Arial" panose="020B0604020202020204" pitchFamily="34" charset="0"/>
+                </a:defRPr>
+              </a:lvl1pPr>
+              <a:lvl2pPr marL="742950" indent="-285750" eaLnBrk="0" hangingPunct="0">
+                <a:spcBef>
+                  <a:spcPct val="20000"/>
+                </a:spcBef>
+                <a:buChar char="–"/>
+                <a:defRPr sz="2400">
+                  <a:solidFill>
+                    <a:schemeClr val="tx1"/>
+                  </a:solidFill>
+                  <a:latin typeface="Arial" panose="020B0604020202020204" pitchFamily="34" charset="0"/>
+                </a:defRPr>
+              </a:lvl2pPr>
+              <a:lvl3pPr marL="1143000" indent="-228600" eaLnBrk="0" hangingPunct="0">
+                <a:spcBef>
+                  <a:spcPct val="20000"/>
+                </a:spcBef>
+                <a:buChar char="•"/>
+                <a:defRPr sz="2000">
+                  <a:solidFill>
+                    <a:schemeClr val="tx1"/>
+                  </a:solidFill>
+                  <a:latin typeface="Arial" panose="020B0604020202020204" pitchFamily="34" charset="0"/>
+                </a:defRPr>
+              </a:lvl3pPr>
+              <a:lvl4pPr marL="1600200" indent="-228600" eaLnBrk="0" hangingPunct="0">
+                <a:spcBef>
+                  <a:spcPct val="20000"/>
+                </a:spcBef>
+                <a:buChar char="–"/>
+                <a:defRPr>
+                  <a:solidFill>
+                    <a:schemeClr val="tx1"/>
+                  </a:solidFill>
+                  <a:latin typeface="Arial" panose="020B0604020202020204" pitchFamily="34" charset="0"/>
+                </a:defRPr>
+              </a:lvl4pPr>
+              <a:lvl5pPr marL="2057400" indent="-228600" eaLnBrk="0" hangingPunct="0">
+                <a:spcBef>
+                  <a:spcPct val="20000"/>
+                </a:spcBef>
+                <a:buChar char="»"/>
+                <a:defRPr sz="1600">
+                  <a:solidFill>
+                    <a:schemeClr val="tx1"/>
+                  </a:solidFill>
+                  <a:latin typeface="Arial" panose="020B0604020202020204" pitchFamily="34" charset="0"/>
+                </a:defRPr>
+              </a:lvl5pPr>
+              <a:lvl6pPr marL="2514600" indent="-228600" eaLnBrk="0" fontAlgn="base" hangingPunct="0">
+                <a:spcBef>
+                  <a:spcPct val="20000"/>
+                </a:spcBef>
+                <a:spcAft>
+                  <a:spcPct val="0"/>
+                </a:spcAft>
+                <a:buChar char="»"/>
+                <a:defRPr sz="1600">
+                  <a:solidFill>
+                    <a:schemeClr val="tx1"/>
+                  </a:solidFill>
+                  <a:latin typeface="Arial" panose="020B0604020202020204" pitchFamily="34" charset="0"/>
+                </a:defRPr>
+              </a:lvl6pPr>
+              <a:lvl7pPr marL="2971800" indent="-228600" eaLnBrk="0" fontAlgn="base" hangingPunct="0">
+                <a:spcBef>
+                  <a:spcPct val="20000"/>
+                </a:spcBef>
+                <a:spcAft>
+                  <a:spcPct val="0"/>
+                </a:spcAft>
+                <a:buChar char="»"/>
+                <a:defRPr sz="1600">
+                  <a:solidFill>
+                    <a:schemeClr val="tx1"/>
+                  </a:solidFill>
+                  <a:latin typeface="Arial" panose="020B0604020202020204" pitchFamily="34" charset="0"/>
+                </a:defRPr>
+              </a:lvl7pPr>
+              <a:lvl8pPr marL="3429000" indent="-228600" eaLnBrk="0" fontAlgn="base" hangingPunct="0">
+                <a:spcBef>
+                  <a:spcPct val="20000"/>
+                </a:spcBef>
+                <a:spcAft>
+                  <a:spcPct val="0"/>
+                </a:spcAft>
+                <a:buChar char="»"/>
+                <a:defRPr sz="1600">
+                  <a:solidFill>
+                    <a:schemeClr val="tx1"/>
+                  </a:solidFill>
+                  <a:latin typeface="Arial" panose="020B0604020202020204" pitchFamily="34" charset="0"/>
+                </a:defRPr>
+              </a:lvl8pPr>
+              <a:lvl9pPr marL="3886200" indent="-228600" eaLnBrk="0" fontAlgn="base" hangingPunct="0">
+                <a:spcBef>
+                  <a:spcPct val="20000"/>
+                </a:spcBef>
+                <a:spcAft>
+                  <a:spcPct val="0"/>
+                </a:spcAft>
+                <a:buChar char="»"/>
+                <a:defRPr sz="1600">
+                  <a:solidFill>
+                    <a:schemeClr val="tx1"/>
+                  </a:solidFill>
+                  <a:latin typeface="Arial" panose="020B0604020202020204" pitchFamily="34" charset="0"/>
+                </a:defRPr>
+              </a:lvl9pPr>
+            </a:lstStyle>
+            <a:p>
+              <a:pPr algn="ctr" eaLnBrk="1" hangingPunct="1">
+                <a:spcBef>
+                  <a:spcPct val="0"/>
+                </a:spcBef>
+                <a:buClrTx/>
+                <a:buFontTx/>
+                <a:buNone/>
+              </a:pPr>
+              <a:r>
+                <a:rPr lang="fr-FR" altLang="fr-FR" sz="1200">
+                  <a:cs typeface="Arial" panose="020B0604020202020204" pitchFamily="34" charset="0"/>
+                </a:rPr>
+                <a:t>Configuration</a:t>
+              </a:r>
+            </a:p>
+            <a:p>
+              <a:pPr algn="ctr" eaLnBrk="1" hangingPunct="1">
+                <a:spcBef>
+                  <a:spcPct val="0"/>
+                </a:spcBef>
+                <a:buClrTx/>
+                <a:buFontTx/>
+                <a:buNone/>
+              </a:pPr>
+              <a:r>
+                <a:rPr lang="fr-FR" altLang="fr-FR" sz="1200">
+                  <a:cs typeface="Arial" panose="020B0604020202020204" pitchFamily="34" charset="0"/>
+                </a:rPr>
+                <a:t>Système</a:t>
+              </a:r>
+            </a:p>
+          </p:txBody>
+        </p:sp>
+        <p:sp>
+          <p:nvSpPr>
+            <p:cNvPr id="9230" name="Text Box 13">
+              <a:extLst>
+                <a:ext uri="{FF2B5EF4-FFF2-40B4-BE49-F238E27FC236}">
+                  <a16:creationId xmlns:a16="http://schemas.microsoft.com/office/drawing/2014/main" id="{60D7E273-75E9-4C10-90C1-C0EA3B7F9E9B}"/>
+                </a:ext>
+              </a:extLst>
+            </p:cNvPr>
+            <p:cNvSpPr txBox="1">
+              <a:spLocks noChangeArrowheads="1"/>
+            </p:cNvSpPr>
+            <p:nvPr/>
+          </p:nvSpPr>
+          <p:spPr bwMode="blackWhite">
+            <a:xfrm>
+              <a:off x="2955" y="2756"/>
+              <a:ext cx="692" cy="296"/>
+            </a:xfrm>
+            <a:prstGeom prst="rect">
+              <a:avLst/>
+            </a:prstGeom>
+            <a:solidFill>
+              <a:srgbClr val="FFFF66"/>
+            </a:solidFill>
+            <a:ln w="12700">
+              <a:solidFill>
+                <a:schemeClr val="tx1"/>
+              </a:solidFill>
+              <a:miter lim="800000"/>
+              <a:headEnd/>
+              <a:tailEnd/>
+            </a:ln>
+            <a:effectLst/>
+            <a:extLst>
+              <a:ext uri="{AF507438-7753-43E0-B8FC-AC1667EBCBE1}">
+                <a14:hiddenEffects xmlns:a14="http://schemas.microsoft.com/office/drawing/2010/main">
+                  <a:effectLst>
+                    <a:outerShdw dist="35921" dir="2700000" algn="ctr" rotWithShape="0">
+                      <a:schemeClr val="bg2"/>
+                    </a:outerShdw>
+                  </a:effectLst>
+                </a14:hiddenEffects>
+              </a:ext>
+            </a:extLst>
+          </p:spPr>
+          <p:txBody>
+            <a:bodyPr wrap="none">
+              <a:spAutoFit/>
+            </a:bodyPr>
+            <a:lstStyle>
+              <a:lvl1pPr eaLnBrk="0" hangingPunct="0">
+                <a:spcBef>
+                  <a:spcPct val="20000"/>
+                </a:spcBef>
+                <a:buClr>
+                  <a:schemeClr val="tx1"/>
+                </a:buClr>
+                <a:buFont typeface="Monotype Sorts" pitchFamily="2" charset="2"/>
+                <a:buChar char="o"/>
+                <a:defRPr sz="2800">
+                  <a:solidFill>
+                    <a:schemeClr val="tx1"/>
+                  </a:solidFill>
+                  <a:latin typeface="Arial" panose="020B0604020202020204" pitchFamily="34" charset="0"/>
+                </a:defRPr>
+              </a:lvl1pPr>
+              <a:lvl2pPr marL="742950" indent="-285750" eaLnBrk="0" hangingPunct="0">
+                <a:spcBef>
+                  <a:spcPct val="20000"/>
+                </a:spcBef>
+                <a:buChar char="–"/>
+                <a:defRPr sz="2400">
+                  <a:solidFill>
+                    <a:schemeClr val="tx1"/>
+                  </a:solidFill>
+                  <a:latin typeface="Arial" panose="020B0604020202020204" pitchFamily="34" charset="0"/>
+                </a:defRPr>
+              </a:lvl2pPr>
+              <a:lvl3pPr marL="1143000" indent="-228600" eaLnBrk="0" hangingPunct="0">
+                <a:spcBef>
+                  <a:spcPct val="20000"/>
+                </a:spcBef>
+                <a:buChar char="•"/>
+                <a:defRPr sz="2000">
+                  <a:solidFill>
+                    <a:schemeClr val="tx1"/>
+                  </a:solidFill>
+                  <a:latin typeface="Arial" panose="020B0604020202020204" pitchFamily="34" charset="0"/>
+                </a:defRPr>
+              </a:lvl3pPr>
+              <a:lvl4pPr marL="1600200" indent="-228600" eaLnBrk="0" hangingPunct="0">
+                <a:spcBef>
+                  <a:spcPct val="20000"/>
+                </a:spcBef>
+                <a:buChar char="–"/>
+                <a:defRPr>
+                  <a:solidFill>
+                    <a:schemeClr val="tx1"/>
+                  </a:solidFill>
+                  <a:latin typeface="Arial" panose="020B0604020202020204" pitchFamily="34" charset="0"/>
+                </a:defRPr>
+              </a:lvl4pPr>
+              <a:lvl5pPr marL="2057400" indent="-228600" eaLnBrk="0" hangingPunct="0">
+                <a:spcBef>
+                  <a:spcPct val="20000"/>
+                </a:spcBef>
+                <a:buChar char="»"/>
+                <a:defRPr sz="1600">
+                  <a:solidFill>
+                    <a:schemeClr val="tx1"/>
+                  </a:solidFill>
+                  <a:latin typeface="Arial" panose="020B0604020202020204" pitchFamily="34" charset="0"/>
+                </a:defRPr>
+              </a:lvl5pPr>
+              <a:lvl6pPr marL="2514600" indent="-228600" eaLnBrk="0" fontAlgn="base" hangingPunct="0">
+                <a:spcBef>
+                  <a:spcPct val="20000"/>
+                </a:spcBef>
+                <a:spcAft>
+                  <a:spcPct val="0"/>
+                </a:spcAft>
+                <a:buChar char="»"/>
+                <a:defRPr sz="1600">
+                  <a:solidFill>
+                    <a:schemeClr val="tx1"/>
+                  </a:solidFill>
+                  <a:latin typeface="Arial" panose="020B0604020202020204" pitchFamily="34" charset="0"/>
+                </a:defRPr>
+              </a:lvl6pPr>
+              <a:lvl7pPr marL="2971800" indent="-228600" eaLnBrk="0" fontAlgn="base" hangingPunct="0">
+                <a:spcBef>
+                  <a:spcPct val="20000"/>
+                </a:spcBef>
+                <a:spcAft>
+                  <a:spcPct val="0"/>
+                </a:spcAft>
+                <a:buChar char="»"/>
+                <a:defRPr sz="1600">
+                  <a:solidFill>
+                    <a:schemeClr val="tx1"/>
+                  </a:solidFill>
+                  <a:latin typeface="Arial" panose="020B0604020202020204" pitchFamily="34" charset="0"/>
+                </a:defRPr>
+              </a:lvl7pPr>
+              <a:lvl8pPr marL="3429000" indent="-228600" eaLnBrk="0" fontAlgn="base" hangingPunct="0">
+                <a:spcBef>
+                  <a:spcPct val="20000"/>
+                </a:spcBef>
+                <a:spcAft>
+                  <a:spcPct val="0"/>
+                </a:spcAft>
+                <a:buChar char="»"/>
+                <a:defRPr sz="1600">
+                  <a:solidFill>
+                    <a:schemeClr val="tx1"/>
+                  </a:solidFill>
+                  <a:latin typeface="Arial" panose="020B0604020202020204" pitchFamily="34" charset="0"/>
+                </a:defRPr>
+              </a:lvl8pPr>
+              <a:lvl9pPr marL="3886200" indent="-228600" eaLnBrk="0" fontAlgn="base" hangingPunct="0">
+                <a:spcBef>
+                  <a:spcPct val="20000"/>
+                </a:spcBef>
+                <a:spcAft>
+                  <a:spcPct val="0"/>
+                </a:spcAft>
+                <a:buChar char="»"/>
+                <a:defRPr sz="1600">
+                  <a:solidFill>
+                    <a:schemeClr val="tx1"/>
+                  </a:solidFill>
+                  <a:latin typeface="Arial" panose="020B0604020202020204" pitchFamily="34" charset="0"/>
+                </a:defRPr>
+              </a:lvl9pPr>
+            </a:lstStyle>
+            <a:p>
+              <a:pPr algn="ctr" eaLnBrk="1" hangingPunct="1">
+                <a:spcBef>
+                  <a:spcPct val="0"/>
+                </a:spcBef>
+                <a:buClrTx/>
+                <a:buFontTx/>
+                <a:buNone/>
+              </a:pPr>
+              <a:r>
+                <a:rPr lang="fr-FR" altLang="fr-FR" sz="1200">
+                  <a:cs typeface="Arial" panose="020B0604020202020204" pitchFamily="34" charset="0"/>
+                </a:rPr>
+                <a:t>Configuration</a:t>
+              </a:r>
+            </a:p>
+            <a:p>
+              <a:pPr algn="ctr" eaLnBrk="1" hangingPunct="1">
+                <a:spcBef>
+                  <a:spcPct val="0"/>
+                </a:spcBef>
+                <a:buClrTx/>
+                <a:buFontTx/>
+                <a:buNone/>
+              </a:pPr>
+              <a:r>
+                <a:rPr lang="fr-FR" altLang="fr-FR" sz="1200">
+                  <a:cs typeface="Arial" panose="020B0604020202020204" pitchFamily="34" charset="0"/>
+                </a:rPr>
+                <a:t>Objet </a:t>
+              </a:r>
+            </a:p>
+          </p:txBody>
+        </p:sp>
+      </p:grpSp>
+      <p:sp>
+        <p:nvSpPr>
+          <p:cNvPr id="9228" name="Text Box 14">
+            <a:extLst>
+              <a:ext uri="{FF2B5EF4-FFF2-40B4-BE49-F238E27FC236}">
+                <a16:creationId xmlns:a16="http://schemas.microsoft.com/office/drawing/2014/main" id="{EF6B7802-0B40-46CD-B60C-1332DD610AF9}"/>
+              </a:ext>
+            </a:extLst>
+          </p:cNvPr>
+          <p:cNvSpPr txBox="1">
+            <a:spLocks noChangeArrowheads="1"/>
+          </p:cNvSpPr>
+          <p:nvPr/>
+        </p:nvSpPr>
+        <p:spPr bwMode="auto">
+          <a:xfrm>
+            <a:off x="3436938" y="5467350"/>
+            <a:ext cx="1909762" cy="336550"/>
+          </a:xfrm>
+          <a:prstGeom prst="rect">
+            <a:avLst/>
+          </a:prstGeom>
+          <a:noFill/>
+          <a:ln>
+            <a:noFill/>
+          </a:ln>
+          <a:effectLst/>
+          <a:extLst>
+            <a:ext uri="{909E8E84-426E-40DD-AFC4-6F175D3DCCD1}">
+              <a14:hiddenFill xmlns:a14="http://schemas.microsoft.com/office/drawing/2010/main">
+                <a:solidFill>
+                  <a:schemeClr val="accent1"/>
+                </a:solidFill>
+              </a14:hiddenFill>
+            </a:ext>
+            <a:ext uri="{91240B29-F687-4F45-9708-019B960494DF}">
+              <a14:hiddenLine xmlns:a14="http://schemas.microsoft.com/office/drawing/2010/main" w="12700">
+                <a:solidFill>
+                  <a:schemeClr val="tx1"/>
+                </a:solidFill>
+                <a:miter lim="800000"/>
+                <a:headEnd/>
+                <a:tailEnd/>
+              </a14:hiddenLine>
+            </a:ext>
+            <a:ext uri="{AF507438-7753-43E0-B8FC-AC1667EBCBE1}">
+              <a14:hiddenEffects xmlns:a14="http://schemas.microsoft.com/office/drawing/2010/main">
+                <a:effectLst>
+                  <a:outerShdw dist="35921" dir="2700000" algn="ctr" rotWithShape="0">
+                    <a:schemeClr val="bg2"/>
+                  </a:outerShdw>
+                </a:effectLst>
+              </a14:hiddenEffects>
+            </a:ext>
+          </a:extLst>
+        </p:spPr>
+        <p:txBody>
+          <a:bodyPr>
+            <a:spAutoFit/>
+          </a:bodyPr>
+          <a:lstStyle>
+            <a:lvl1pPr eaLnBrk="0" hangingPunct="0">
+              <a:spcBef>
+                <a:spcPct val="20000"/>
+              </a:spcBef>
+              <a:buClr>
+                <a:schemeClr val="tx1"/>
+              </a:buClr>
+              <a:buFont typeface="Monotype Sorts" pitchFamily="2" charset="2"/>
+              <a:buChar char="o"/>
+              <a:defRPr sz="2800">
+                <a:solidFill>
+                  <a:schemeClr val="tx1"/>
+                </a:solidFill>
+                <a:latin typeface="Arial" panose="020B0604020202020204" pitchFamily="34" charset="0"/>
+              </a:defRPr>
+            </a:lvl1pPr>
+            <a:lvl2pPr marL="742950" indent="-285750" eaLnBrk="0" hangingPunct="0">
+              <a:spcBef>
+                <a:spcPct val="20000"/>
+              </a:spcBef>
+              <a:buChar char="–"/>
+              <a:defRPr sz="2400">
+                <a:solidFill>
+                  <a:schemeClr val="tx1"/>
+                </a:solidFill>
+                <a:latin typeface="Arial" panose="020B0604020202020204" pitchFamily="34" charset="0"/>
+              </a:defRPr>
+            </a:lvl2pPr>
+            <a:lvl3pPr marL="1143000" indent="-228600" eaLnBrk="0" hangingPunct="0">
+              <a:spcBef>
+                <a:spcPct val="20000"/>
+              </a:spcBef>
+              <a:buChar char="•"/>
+              <a:defRPr sz="2000">
+                <a:solidFill>
+                  <a:schemeClr val="tx1"/>
+                </a:solidFill>
+                <a:latin typeface="Arial" panose="020B0604020202020204" pitchFamily="34" charset="0"/>
+              </a:defRPr>
+            </a:lvl3pPr>
+            <a:lvl4pPr marL="1600200" indent="-228600" eaLnBrk="0" hangingPunct="0">
+              <a:spcBef>
+                <a:spcPct val="20000"/>
+              </a:spcBef>
+              <a:buChar char="–"/>
+              <a:defRPr>
+                <a:solidFill>
+                  <a:schemeClr val="tx1"/>
+                </a:solidFill>
+                <a:latin typeface="Arial" panose="020B0604020202020204" pitchFamily="34" charset="0"/>
+              </a:defRPr>
+            </a:lvl4pPr>
+            <a:lvl5pPr marL="2057400" indent="-228600" eaLnBrk="0" hangingPunct="0">
+              <a:spcBef>
+                <a:spcPct val="20000"/>
+              </a:spcBef>
+              <a:buChar char="»"/>
+              <a:defRPr sz="1600">
+                <a:solidFill>
+                  <a:schemeClr val="tx1"/>
+                </a:solidFill>
+                <a:latin typeface="Arial" panose="020B0604020202020204" pitchFamily="34" charset="0"/>
+              </a:defRPr>
+            </a:lvl5pPr>
+            <a:lvl6pPr marL="2514600" indent="-228600" eaLnBrk="0" fontAlgn="base" hangingPunct="0">
+              <a:spcBef>
+                <a:spcPct val="20000"/>
+              </a:spcBef>
+              <a:spcAft>
+                <a:spcPct val="0"/>
+              </a:spcAft>
+              <a:buChar char="»"/>
+              <a:defRPr sz="1600">
+                <a:solidFill>
+                  <a:schemeClr val="tx1"/>
+                </a:solidFill>
+                <a:latin typeface="Arial" panose="020B0604020202020204" pitchFamily="34" charset="0"/>
+              </a:defRPr>
+            </a:lvl6pPr>
+            <a:lvl7pPr marL="2971800" indent="-228600" eaLnBrk="0" fontAlgn="base" hangingPunct="0">
+              <a:spcBef>
+                <a:spcPct val="20000"/>
+              </a:spcBef>
+              <a:spcAft>
+                <a:spcPct val="0"/>
+              </a:spcAft>
+              <a:buChar char="»"/>
+              <a:defRPr sz="1600">
+                <a:solidFill>
+                  <a:schemeClr val="tx1"/>
+                </a:solidFill>
+                <a:latin typeface="Arial" panose="020B0604020202020204" pitchFamily="34" charset="0"/>
+              </a:defRPr>
+            </a:lvl7pPr>
+            <a:lvl8pPr marL="3429000" indent="-228600" eaLnBrk="0" fontAlgn="base" hangingPunct="0">
+              <a:spcBef>
+                <a:spcPct val="20000"/>
+              </a:spcBef>
+              <a:spcAft>
+                <a:spcPct val="0"/>
+              </a:spcAft>
+              <a:buChar char="»"/>
+              <a:defRPr sz="1600">
+                <a:solidFill>
+                  <a:schemeClr val="tx1"/>
+                </a:solidFill>
+                <a:latin typeface="Arial" panose="020B0604020202020204" pitchFamily="34" charset="0"/>
+              </a:defRPr>
+            </a:lvl8pPr>
+            <a:lvl9pPr marL="3886200" indent="-228600" eaLnBrk="0" fontAlgn="base" hangingPunct="0">
+              <a:spcBef>
+                <a:spcPct val="20000"/>
+              </a:spcBef>
+              <a:spcAft>
+                <a:spcPct val="0"/>
+              </a:spcAft>
+              <a:buChar char="»"/>
+              <a:defRPr sz="1600">
+                <a:solidFill>
+                  <a:schemeClr val="tx1"/>
+                </a:solidFill>
+                <a:latin typeface="Arial" panose="020B0604020202020204" pitchFamily="34" charset="0"/>
+              </a:defRPr>
+            </a:lvl9pPr>
+          </a:lstStyle>
+          <a:p>
+            <a:pPr eaLnBrk="1" hangingPunct="1">
+              <a:spcBef>
+                <a:spcPct val="0"/>
+              </a:spcBef>
+              <a:buClrTx/>
+              <a:buFontTx/>
+              <a:buNone/>
+            </a:pPr>
+            <a:r>
+              <a:rPr lang="fr-FR" altLang="fr-FR" sz="1600" b="1">
+                <a:cs typeface="Arial" panose="020B0604020202020204" pitchFamily="34" charset="0"/>
+              </a:rPr>
+              <a:t> Base de données</a:t>
+            </a:r>
+          </a:p>
+        </p:txBody>
+      </p:sp>
+    </p:spTree>
+  </p:cSld>
+  <p:clrMapOvr>
+    <a:masterClrMapping/>
+  </p:clrMapOvr>
+</p:sld>
+</file>
+
+<file path=ppt/slides/slide8.xml><?xml version="1.0" encoding="utf-8"?>
+<p:sld xmlns:a="http://schemas.openxmlformats.org/drawingml/2006/main" xmlns:r="http://schemas.openxmlformats.org/officeDocument/2006/relationships" xmlns:p="http://schemas.openxmlformats.org/presentationml/2006/main">
+  <p:cSld>
+    <p:spTree>
+      <p:nvGrpSpPr>
+        <p:cNvPr id="1" name=""/>
+        <p:cNvGrpSpPr/>
+        <p:nvPr/>
+      </p:nvGrpSpPr>
+      <p:grpSpPr>
+        <a:xfrm>
+          <a:off x="0" y="0"/>
+          <a:ext cx="0" cy="0"/>
+          <a:chOff x="0" y="0"/>
+          <a:chExt cx="0" cy="0"/>
+        </a:xfrm>
+      </p:grpSpPr>
+      <p:sp>
+        <p:nvSpPr>
+          <p:cNvPr id="11266" name="Rectangle 2">
+            <a:extLst>
+              <a:ext uri="{FF2B5EF4-FFF2-40B4-BE49-F238E27FC236}">
+                <a16:creationId xmlns:a16="http://schemas.microsoft.com/office/drawing/2014/main" id="{F6B7F021-1D7D-471D-B504-399EC50DE6BD}"/>
+              </a:ext>
+            </a:extLst>
+          </p:cNvPr>
+          <p:cNvSpPr>
+            <a:spLocks noGrp="1" noChangeArrowheads="1"/>
+          </p:cNvSpPr>
+          <p:nvPr>
+            <p:ph type="title"/>
+          </p:nvPr>
+        </p:nvSpPr>
+        <p:spPr/>
+        <p:txBody>
+          <a:bodyPr/>
+          <a:lstStyle/>
+          <a:p>
+            <a:r>
+              <a:rPr lang="fr-FR" altLang="fr-FR"/>
+              <a:t>Exemple de persistance objet</a:t>
+            </a:r>
+          </a:p>
+        </p:txBody>
+      </p:sp>
+      <p:sp>
+        <p:nvSpPr>
+          <p:cNvPr id="11267" name="Rectangle 3">
+            <a:extLst>
+              <a:ext uri="{FF2B5EF4-FFF2-40B4-BE49-F238E27FC236}">
+                <a16:creationId xmlns:a16="http://schemas.microsoft.com/office/drawing/2014/main" id="{3A4305EC-D9B2-4F59-A228-B3E1B8890C5C}"/>
+              </a:ext>
+            </a:extLst>
+          </p:cNvPr>
           <p:cNvSpPr>
             <a:spLocks noGrp="1" noChangeArrowheads="1"/>
           </p:cNvSpPr>
@@ -5020,28 +12031,34 @@
           <a:lstStyle/>
           <a:p>
             <a:r>
-              <a:rPr lang="fr-FR" altLang="fr-FR" smtClean="0"/>
+              <a:rPr lang="fr-FR" altLang="fr-FR"/>
               <a:t>Comme exemple, nous allons prendre la classe </a:t>
             </a:r>
             <a:r>
-              <a:rPr lang="fr-FR" altLang="fr-FR" smtClean="0">
+              <a:rPr lang="fr-FR" altLang="fr-FR">
                 <a:latin typeface="Courier New" panose="02070309020205020404" pitchFamily="49" charset="0"/>
                 <a:cs typeface="Courier New" panose="02070309020205020404" pitchFamily="49" charset="0"/>
               </a:rPr>
               <a:t>Duration</a:t>
             </a:r>
-            <a:endParaRPr lang="fr-FR" altLang="fr-FR" smtClean="0">
+            <a:endParaRPr lang="fr-FR" altLang="fr-FR">
               <a:cs typeface="Arial" panose="020B0604020202020204" pitchFamily="34" charset="0"/>
             </a:endParaRPr>
           </a:p>
           <a:p>
-            <a:endParaRPr lang="fr-FR" altLang="fr-FR" smtClean="0"/>
+            <a:endParaRPr lang="fr-FR" altLang="fr-FR"/>
           </a:p>
         </p:txBody>
       </p:sp>
       <p:sp>
         <p:nvSpPr>
-          <p:cNvPr id="7172" name="Text Box 4"/>
+          <p:cNvPr id="11268" name="Text Box 4">
+            <a:extLst>
+              <a:ext uri="{FF2B5EF4-FFF2-40B4-BE49-F238E27FC236}">
+                <a16:creationId xmlns:a16="http://schemas.microsoft.com/office/drawing/2014/main" id="{E0135917-B558-496E-84C2-045E3A239F3E}"/>
+              </a:ext>
+            </a:extLst>
+          </p:cNvPr>
           <p:cNvSpPr txBox="1">
             <a:spLocks noChangeArrowheads="1"/>
           </p:cNvSpPr>
@@ -5084,7 +12101,7 @@
             <a:spAutoFit/>
           </a:bodyPr>
           <a:lstStyle>
-            <a:lvl1pPr>
+            <a:lvl1pPr eaLnBrk="0" hangingPunct="0">
               <a:spcBef>
                 <a:spcPct val="20000"/>
               </a:spcBef>
@@ -5100,7 +12117,7 @@
                 <a:latin typeface="Arial" panose="020B0604020202020204" pitchFamily="34" charset="0"/>
               </a:defRPr>
             </a:lvl1pPr>
-            <a:lvl2pPr marL="742950" indent="-285750">
+            <a:lvl2pPr marL="742950" indent="-285750" eaLnBrk="0" hangingPunct="0">
               <a:spcBef>
                 <a:spcPct val="20000"/>
               </a:spcBef>
@@ -5112,7 +12129,7 @@
                 <a:latin typeface="Arial" panose="020B0604020202020204" pitchFamily="34" charset="0"/>
               </a:defRPr>
             </a:lvl2pPr>
-            <a:lvl3pPr marL="1143000" indent="-228600">
+            <a:lvl3pPr marL="1143000" indent="-228600" eaLnBrk="0" hangingPunct="0">
               <a:spcBef>
                 <a:spcPct val="20000"/>
               </a:spcBef>
@@ -5124,7 +12141,7 @@
                 <a:latin typeface="Arial" panose="020B0604020202020204" pitchFamily="34" charset="0"/>
               </a:defRPr>
             </a:lvl3pPr>
-            <a:lvl4pPr marL="1600200" indent="-228600">
+            <a:lvl4pPr marL="1600200" indent="-228600" eaLnBrk="0" hangingPunct="0">
               <a:spcBef>
                 <a:spcPct val="20000"/>
               </a:spcBef>
@@ -5136,7 +12153,7 @@
                 <a:latin typeface="Arial" panose="020B0604020202020204" pitchFamily="34" charset="0"/>
               </a:defRPr>
             </a:lvl4pPr>
-            <a:lvl5pPr marL="2057400" indent="-228600">
+            <a:lvl5pPr marL="2057400" indent="-228600" eaLnBrk="0" hangingPunct="0">
               <a:spcBef>
                 <a:spcPct val="20000"/>
               </a:spcBef>
@@ -5365,7 +12382,13 @@
       </p:sp>
       <p:sp>
         <p:nvSpPr>
-          <p:cNvPr id="7173" name="Line 6"/>
+          <p:cNvPr id="11269" name="Line 6">
+            <a:extLst>
+              <a:ext uri="{FF2B5EF4-FFF2-40B4-BE49-F238E27FC236}">
+                <a16:creationId xmlns:a16="http://schemas.microsoft.com/office/drawing/2014/main" id="{FCF250DF-1A28-4C88-B118-4F2B85599F07}"/>
+              </a:ext>
+            </a:extLst>
+          </p:cNvPr>
           <p:cNvSpPr>
             <a:spLocks noChangeShapeType="1"/>
           </p:cNvSpPr>
@@ -5418,7 +12441,13 @@
       </p:sp>
       <p:sp>
         <p:nvSpPr>
-          <p:cNvPr id="7174" name="Line 7"/>
+          <p:cNvPr id="11270" name="Line 7">
+            <a:extLst>
+              <a:ext uri="{FF2B5EF4-FFF2-40B4-BE49-F238E27FC236}">
+                <a16:creationId xmlns:a16="http://schemas.microsoft.com/office/drawing/2014/main" id="{615D9515-2867-4405-B01E-26654482E47A}"/>
+              </a:ext>
+            </a:extLst>
+          </p:cNvPr>
           <p:cNvSpPr>
             <a:spLocks noChangeShapeType="1"/>
           </p:cNvSpPr>
@@ -5474,17 +12503,10 @@
   <p:clrMapOvr>
     <a:masterClrMapping/>
   </p:clrMapOvr>
-  <p:timing>
-    <p:tnLst>
-      <p:par>
-        <p:cTn id="1" dur="indefinite" restart="never" nodeType="tmRoot"/>
-      </p:par>
-    </p:tnLst>
-  </p:timing>
 </p:sld>
 </file>
 
-<file path=ppt/slides/slide4.xml><?xml version="1.0" encoding="utf-8"?>
+<file path=ppt/slides/slide9.xml><?xml version="1.0" encoding="utf-8"?>
 <p:sld xmlns:a="http://schemas.openxmlformats.org/drawingml/2006/main" xmlns:r="http://schemas.openxmlformats.org/officeDocument/2006/relationships" xmlns:p="http://schemas.openxmlformats.org/presentationml/2006/main">
   <p:cSld>
     <p:spTree>
@@ -5503,7 +12525,13 @@
       </p:grpSpPr>
       <p:sp>
         <p:nvSpPr>
-          <p:cNvPr id="9218" name="Rectangle 2"/>
+          <p:cNvPr id="12290" name="Rectangle 2">
+            <a:extLst>
+              <a:ext uri="{FF2B5EF4-FFF2-40B4-BE49-F238E27FC236}">
+                <a16:creationId xmlns:a16="http://schemas.microsoft.com/office/drawing/2014/main" id="{6C5B2ACD-9BED-42D7-AD93-892A26877494}"/>
+              </a:ext>
+            </a:extLst>
+          </p:cNvPr>
           <p:cNvSpPr>
             <a:spLocks noGrp="1" noChangeArrowheads="1"/>
           </p:cNvSpPr>
@@ -5522,7 +12550,7 @@
           <a:lstStyle/>
           <a:p>
             <a:r>
-              <a:rPr lang="fr-FR" altLang="fr-FR" smtClean="0"/>
+              <a:rPr lang="fr-FR" altLang="fr-FR"/>
               <a:t>Etape 1 : Ecriture de la classe Java</a:t>
             </a:r>
           </a:p>
@@ -5530,7 +12558,13 @@
       </p:sp>
       <p:sp>
         <p:nvSpPr>
-          <p:cNvPr id="9219" name="Rectangle 3"/>
+          <p:cNvPr id="12291" name="Rectangle 3">
+            <a:extLst>
+              <a:ext uri="{FF2B5EF4-FFF2-40B4-BE49-F238E27FC236}">
+                <a16:creationId xmlns:a16="http://schemas.microsoft.com/office/drawing/2014/main" id="{C1FEB906-013F-4158-9DD7-B9500796B45A}"/>
+              </a:ext>
+            </a:extLst>
+          </p:cNvPr>
           <p:cNvSpPr>
             <a:spLocks noGrp="1" noChangeArrowheads="1"/>
           </p:cNvSpPr>
@@ -5549,27 +12583,27 @@
           <a:lstStyle/>
           <a:p>
             <a:r>
-              <a:rPr lang="fr-FR" altLang="fr-FR" sz="2000" smtClean="0"/>
+              <a:rPr lang="fr-FR" altLang="fr-FR" sz="2000"/>
               <a:t>Définir une classe Java qui respecte les conventions JavaBean</a:t>
             </a:r>
           </a:p>
           <a:p>
             <a:pPr lvl="1"/>
             <a:r>
-              <a:rPr lang="fr-FR" altLang="fr-FR" sz="1800" smtClean="0"/>
+              <a:rPr lang="fr-FR" altLang="fr-FR" sz="1800"/>
               <a:t>Définir un constructeur sans paramètre</a:t>
             </a:r>
           </a:p>
           <a:p>
             <a:pPr lvl="1"/>
             <a:r>
-              <a:rPr lang="fr-FR" altLang="fr-FR" sz="1800" smtClean="0"/>
+              <a:rPr lang="fr-FR" altLang="fr-FR" sz="1800"/>
               <a:t>Fournir les méthodes get/set pour chaque champ</a:t>
             </a:r>
           </a:p>
           <a:p>
             <a:r>
-              <a:rPr lang="fr-FR" altLang="fr-FR" sz="2000" smtClean="0"/>
+              <a:rPr lang="fr-FR" altLang="fr-FR" sz="2000"/>
               <a:t>Note : aucune classe/interface Hibernate n’est utilisée</a:t>
             </a:r>
           </a:p>
@@ -5577,7 +12611,13 @@
       </p:sp>
       <p:sp>
         <p:nvSpPr>
-          <p:cNvPr id="9220" name="Text Box 4"/>
+          <p:cNvPr id="12292" name="Text Box 4">
+            <a:extLst>
+              <a:ext uri="{FF2B5EF4-FFF2-40B4-BE49-F238E27FC236}">
+                <a16:creationId xmlns:a16="http://schemas.microsoft.com/office/drawing/2014/main" id="{2C76CF59-E48C-4A8C-8900-4C8FF93DB87E}"/>
+              </a:ext>
+            </a:extLst>
+          </p:cNvPr>
           <p:cNvSpPr txBox="1">
             <a:spLocks noChangeArrowheads="1"/>
           </p:cNvSpPr>
@@ -5622,7 +12662,7 @@
             <a:spAutoFit/>
           </a:bodyPr>
           <a:lstStyle>
-            <a:lvl1pPr>
+            <a:lvl1pPr eaLnBrk="0" hangingPunct="0">
               <a:spcBef>
                 <a:spcPct val="20000"/>
               </a:spcBef>
@@ -5638,7 +12678,7 @@
                 <a:latin typeface="Arial" panose="020B0604020202020204" pitchFamily="34" charset="0"/>
               </a:defRPr>
             </a:lvl1pPr>
-            <a:lvl2pPr marL="742950" indent="-285750">
+            <a:lvl2pPr marL="742950" indent="-285750" eaLnBrk="0" hangingPunct="0">
               <a:spcBef>
                 <a:spcPct val="20000"/>
               </a:spcBef>
@@ -5650,7 +12690,7 @@
                 <a:latin typeface="Arial" panose="020B0604020202020204" pitchFamily="34" charset="0"/>
               </a:defRPr>
             </a:lvl2pPr>
-            <a:lvl3pPr marL="1143000" indent="-228600">
+            <a:lvl3pPr marL="1143000" indent="-228600" eaLnBrk="0" hangingPunct="0">
               <a:spcBef>
                 <a:spcPct val="20000"/>
               </a:spcBef>
@@ -5662,7 +12702,7 @@
                 <a:latin typeface="Arial" panose="020B0604020202020204" pitchFamily="34" charset="0"/>
               </a:defRPr>
             </a:lvl3pPr>
-            <a:lvl4pPr marL="1600200" indent="-228600">
+            <a:lvl4pPr marL="1600200" indent="-228600" eaLnBrk="0" hangingPunct="0">
               <a:spcBef>
                 <a:spcPct val="20000"/>
               </a:spcBef>
@@ -5674,7 +12714,7 @@
                 <a:latin typeface="Arial" panose="020B0604020202020204" pitchFamily="34" charset="0"/>
               </a:defRPr>
             </a:lvl4pPr>
-            <a:lvl5pPr marL="2057400" indent="-228600">
+            <a:lvl5pPr marL="2057400" indent="-228600" eaLnBrk="0" hangingPunct="0">
               <a:spcBef>
                 <a:spcPct val="20000"/>
               </a:spcBef>
@@ -5998,645 +13038,6 @@
           </a:p>
         </p:txBody>
       </p:sp>
-    </p:spTree>
-  </p:cSld>
-  <p:clrMapOvr>
-    <a:masterClrMapping/>
-  </p:clrMapOvr>
-  <p:timing>
-    <p:tnLst>
-      <p:par>
-        <p:cTn id="1" dur="indefinite" restart="never" nodeType="tmRoot"/>
-      </p:par>
-    </p:tnLst>
-  </p:timing>
-</p:sld>
-</file>
-
-<file path=ppt/slides/slide5.xml><?xml version="1.0" encoding="utf-8"?>
-<p:sld xmlns:a="http://schemas.openxmlformats.org/drawingml/2006/main" xmlns:r="http://schemas.openxmlformats.org/officeDocument/2006/relationships" xmlns:p="http://schemas.openxmlformats.org/presentationml/2006/main">
-  <p:cSld>
-    <p:spTree>
-      <p:nvGrpSpPr>
-        <p:cNvPr id="1" name=""/>
-        <p:cNvGrpSpPr/>
-        <p:nvPr/>
-      </p:nvGrpSpPr>
-      <p:grpSpPr>
-        <a:xfrm>
-          <a:off x="0" y="0"/>
-          <a:ext cx="0" cy="0"/>
-          <a:chOff x="0" y="0"/>
-          <a:chExt cx="0" cy="0"/>
-        </a:xfrm>
-      </p:grpSpPr>
-      <p:sp>
-        <p:nvSpPr>
-          <p:cNvPr id="11266" name="Titre 1"/>
-          <p:cNvSpPr>
-            <a:spLocks noGrp="1"/>
-          </p:cNvSpPr>
-          <p:nvPr>
-            <p:ph type="title"/>
-          </p:nvPr>
-        </p:nvSpPr>
-        <p:spPr/>
-        <p:txBody>
-          <a:bodyPr/>
-          <a:lstStyle/>
-          <a:p>
-            <a:r>
-              <a:rPr lang="fr-FR" altLang="fr-FR" smtClean="0"/>
-              <a:t>JPA</a:t>
-            </a:r>
-          </a:p>
-        </p:txBody>
-      </p:sp>
-      <p:sp>
-        <p:nvSpPr>
-          <p:cNvPr id="11267" name="Espace réservé du contenu 2"/>
-          <p:cNvSpPr>
-            <a:spLocks noGrp="1"/>
-          </p:cNvSpPr>
-          <p:nvPr>
-            <p:ph idx="1"/>
-          </p:nvPr>
-        </p:nvSpPr>
-        <p:spPr/>
-        <p:txBody>
-          <a:bodyPr/>
-          <a:lstStyle/>
-          <a:p>
-            <a:r>
-              <a:rPr lang="fr-FR" altLang="fr-FR" smtClean="0"/>
-              <a:t>Java Persistence API</a:t>
-            </a:r>
-          </a:p>
-          <a:p>
-            <a:r>
-              <a:rPr lang="fr-FR" altLang="fr-FR" smtClean="0"/>
-              <a:t>Basé sur les annotations</a:t>
-            </a:r>
-          </a:p>
-          <a:p>
-            <a:r>
-              <a:rPr lang="fr-FR" altLang="fr-FR" smtClean="0"/>
-              <a:t>Inspiré de Hibernate</a:t>
-            </a:r>
-          </a:p>
-          <a:p>
-            <a:r>
-              <a:rPr lang="fr-FR" altLang="fr-FR" smtClean="0"/>
-              <a:t>C'est l'interface par-dessus Hibernate</a:t>
-            </a:r>
-          </a:p>
-          <a:p>
-            <a:r>
-              <a:rPr lang="fr-FR" altLang="fr-FR" smtClean="0"/>
-              <a:t>Supporte tous les autres ORM (Toplink)</a:t>
-            </a:r>
-          </a:p>
-          <a:p>
-            <a:r>
-              <a:rPr lang="fr-FR" altLang="fr-FR" smtClean="0"/>
-              <a:t>N'utilise plus les HBM</a:t>
-            </a:r>
-          </a:p>
-          <a:p>
-            <a:r>
-              <a:rPr lang="fr-FR" altLang="fr-FR" smtClean="0"/>
-              <a:t>JPA 2</a:t>
-            </a:r>
-          </a:p>
-          <a:p>
-            <a:endParaRPr lang="fr-FR" altLang="fr-FR" smtClean="0"/>
-          </a:p>
-        </p:txBody>
-      </p:sp>
-    </p:spTree>
-  </p:cSld>
-  <p:clrMapOvr>
-    <a:masterClrMapping/>
-  </p:clrMapOvr>
-  <p:timing>
-    <p:tnLst>
-      <p:par>
-        <p:cTn id="1" dur="indefinite" restart="never" nodeType="tmRoot"/>
-      </p:par>
-    </p:tnLst>
-  </p:timing>
-</p:sld>
-</file>
-
-<file path=ppt/slides/slide6.xml><?xml version="1.0" encoding="utf-8"?>
-<p:sld xmlns:a="http://schemas.openxmlformats.org/drawingml/2006/main" xmlns:r="http://schemas.openxmlformats.org/officeDocument/2006/relationships" xmlns:p="http://schemas.openxmlformats.org/presentationml/2006/main">
-  <p:cSld>
-    <p:spTree>
-      <p:nvGrpSpPr>
-        <p:cNvPr id="1" name=""/>
-        <p:cNvGrpSpPr/>
-        <p:nvPr/>
-      </p:nvGrpSpPr>
-      <p:grpSpPr>
-        <a:xfrm>
-          <a:off x="0" y="0"/>
-          <a:ext cx="0" cy="0"/>
-          <a:chOff x="0" y="0"/>
-          <a:chExt cx="0" cy="0"/>
-        </a:xfrm>
-      </p:grpSpPr>
-      <p:sp>
-        <p:nvSpPr>
-          <p:cNvPr id="12290" name="Titre 1"/>
-          <p:cNvSpPr>
-            <a:spLocks noGrp="1"/>
-          </p:cNvSpPr>
-          <p:nvPr>
-            <p:ph type="title"/>
-          </p:nvPr>
-        </p:nvSpPr>
-        <p:spPr/>
-        <p:txBody>
-          <a:bodyPr/>
-          <a:lstStyle/>
-          <a:p>
-            <a:r>
-              <a:rPr lang="fr-FR" altLang="fr-FR" smtClean="0"/>
-              <a:t>Spring JPA</a:t>
-            </a:r>
-          </a:p>
-        </p:txBody>
-      </p:sp>
-      <p:sp>
-        <p:nvSpPr>
-          <p:cNvPr id="12291" name="Espace réservé du contenu 2"/>
-          <p:cNvSpPr>
-            <a:spLocks noGrp="1"/>
-          </p:cNvSpPr>
-          <p:nvPr>
-            <p:ph idx="1"/>
-          </p:nvPr>
-        </p:nvSpPr>
-        <p:spPr/>
-        <p:txBody>
-          <a:bodyPr/>
-          <a:lstStyle/>
-          <a:p>
-            <a:r>
-              <a:rPr lang="fr-FR" altLang="fr-FR" smtClean="0"/>
-              <a:t>Spring JPA simplifie JPA</a:t>
-            </a:r>
-          </a:p>
-          <a:p>
-            <a:r>
-              <a:rPr lang="fr-FR" altLang="fr-FR" smtClean="0"/>
-              <a:t>Ne nécessite plus l’implémentation d’un repository</a:t>
-            </a:r>
-          </a:p>
-          <a:p>
-            <a:pPr lvl="1"/>
-            <a:r>
-              <a:rPr lang="fr-FR" altLang="fr-FR" smtClean="0"/>
-              <a:t>CRUD automatique</a:t>
-            </a:r>
-          </a:p>
-          <a:p>
-            <a:pPr lvl="1"/>
-            <a:r>
-              <a:rPr lang="fr-FR" altLang="fr-FR" smtClean="0"/>
-              <a:t>Pagination automatique</a:t>
-            </a:r>
-          </a:p>
-          <a:p>
-            <a:pPr lvl="1"/>
-            <a:r>
-              <a:rPr lang="fr-FR" altLang="fr-FR" smtClean="0"/>
-              <a:t>Lazy Loading automatique</a:t>
-            </a:r>
-          </a:p>
-          <a:p>
-            <a:pPr lvl="1"/>
-            <a:r>
-              <a:rPr lang="fr-FR" altLang="fr-FR" smtClean="0"/>
-              <a:t>Accès direct à JPA possible</a:t>
-            </a:r>
-          </a:p>
-          <a:p>
-            <a:pPr lvl="1"/>
-            <a:r>
-              <a:rPr lang="fr-FR" altLang="fr-FR" smtClean="0"/>
-              <a:t>JPQL</a:t>
-            </a:r>
-          </a:p>
-        </p:txBody>
-      </p:sp>
-    </p:spTree>
-  </p:cSld>
-  <p:clrMapOvr>
-    <a:masterClrMapping/>
-  </p:clrMapOvr>
-</p:sld>
-</file>
-
-<file path=ppt/slides/slide7.xml><?xml version="1.0" encoding="utf-8"?>
-<p:sld xmlns:a="http://schemas.openxmlformats.org/drawingml/2006/main" xmlns:r="http://schemas.openxmlformats.org/officeDocument/2006/relationships" xmlns:p="http://schemas.openxmlformats.org/presentationml/2006/main">
-  <p:cSld>
-    <p:spTree>
-      <p:nvGrpSpPr>
-        <p:cNvPr id="1" name=""/>
-        <p:cNvGrpSpPr/>
-        <p:nvPr/>
-      </p:nvGrpSpPr>
-      <p:grpSpPr>
-        <a:xfrm>
-          <a:off x="0" y="0"/>
-          <a:ext cx="0" cy="0"/>
-          <a:chOff x="0" y="0"/>
-          <a:chExt cx="0" cy="0"/>
-        </a:xfrm>
-      </p:grpSpPr>
-      <p:sp>
-        <p:nvSpPr>
-          <p:cNvPr id="13314" name="Titre 1"/>
-          <p:cNvSpPr>
-            <a:spLocks noGrp="1"/>
-          </p:cNvSpPr>
-          <p:nvPr>
-            <p:ph type="title"/>
-          </p:nvPr>
-        </p:nvSpPr>
-        <p:spPr/>
-        <p:txBody>
-          <a:bodyPr/>
-          <a:lstStyle/>
-          <a:p>
-            <a:r>
-              <a:rPr lang="fr-FR" altLang="fr-FR" smtClean="0"/>
-              <a:t>Dépendances</a:t>
-            </a:r>
-          </a:p>
-        </p:txBody>
-      </p:sp>
-      <p:sp>
-        <p:nvSpPr>
-          <p:cNvPr id="13315" name="Espace réservé du contenu 2"/>
-          <p:cNvSpPr>
-            <a:spLocks noGrp="1"/>
-          </p:cNvSpPr>
-          <p:nvPr>
-            <p:ph idx="1"/>
-          </p:nvPr>
-        </p:nvSpPr>
-        <p:spPr/>
-        <p:txBody>
-          <a:bodyPr/>
-          <a:lstStyle/>
-          <a:p>
-            <a:r>
-              <a:rPr lang="fr-FR" altLang="fr-FR" smtClean="0"/>
-              <a:t>Spring Boot</a:t>
-            </a:r>
-          </a:p>
-          <a:p>
-            <a:r>
-              <a:rPr lang="fr-FR" altLang="fr-FR" smtClean="0"/>
-              <a:t>Lombok</a:t>
-            </a:r>
-          </a:p>
-          <a:p>
-            <a:r>
-              <a:rPr lang="fr-FR" altLang="fr-FR" smtClean="0"/>
-              <a:t>H2</a:t>
-            </a:r>
-          </a:p>
-          <a:p>
-            <a:pPr lvl="1"/>
-            <a:r>
-              <a:rPr lang="fr-FR" altLang="fr-FR" smtClean="0"/>
-              <a:t>H2 est une base de données en mémoire</a:t>
-            </a:r>
-          </a:p>
-          <a:p>
-            <a:pPr lvl="1"/>
-            <a:r>
-              <a:rPr lang="fr-FR" altLang="fr-FR" smtClean="0"/>
-              <a:t>Très utilisé en test</a:t>
-            </a:r>
-          </a:p>
-          <a:p>
-            <a:endParaRPr lang="fr-FR" altLang="fr-FR" smtClean="0"/>
-          </a:p>
-        </p:txBody>
-      </p:sp>
-      <p:pic>
-        <p:nvPicPr>
-          <p:cNvPr id="13316" name="Image 4"/>
-          <p:cNvPicPr>
-            <a:picLocks noChangeAspect="1"/>
-          </p:cNvPicPr>
-          <p:nvPr/>
-        </p:nvPicPr>
-        <p:blipFill>
-          <a:blip r:embed="rId2">
-            <a:extLst>
-              <a:ext uri="{28A0092B-C50C-407E-A947-70E740481C1C}">
-                <a14:useLocalDpi xmlns:a14="http://schemas.microsoft.com/office/drawing/2010/main" val="0"/>
-              </a:ext>
-            </a:extLst>
-          </a:blip>
-          <a:srcRect/>
-          <a:stretch>
-            <a:fillRect/>
-          </a:stretch>
-        </p:blipFill>
-        <p:spPr bwMode="auto">
-          <a:xfrm>
-            <a:off x="0" y="4797425"/>
-            <a:ext cx="9324975" cy="1104900"/>
-          </a:xfrm>
-          <a:prstGeom prst="rect">
-            <a:avLst/>
-          </a:prstGeom>
-          <a:noFill/>
-          <a:ln>
-            <a:noFill/>
-          </a:ln>
-          <a:extLst>
-            <a:ext uri="{909E8E84-426E-40DD-AFC4-6F175D3DCCD1}">
-              <a14:hiddenFill xmlns:a14="http://schemas.microsoft.com/office/drawing/2010/main">
-                <a:solidFill>
-                  <a:srgbClr val="FFFFFF"/>
-                </a:solidFill>
-              </a14:hiddenFill>
-            </a:ext>
-            <a:ext uri="{91240B29-F687-4F45-9708-019B960494DF}">
-              <a14:hiddenLine xmlns:a14="http://schemas.microsoft.com/office/drawing/2010/main" w="9525">
-                <a:solidFill>
-                  <a:srgbClr val="000000"/>
-                </a:solidFill>
-                <a:miter lim="800000"/>
-                <a:headEnd/>
-                <a:tailEnd/>
-              </a14:hiddenLine>
-            </a:ext>
-          </a:extLst>
-        </p:spPr>
-      </p:pic>
-    </p:spTree>
-  </p:cSld>
-  <p:clrMapOvr>
-    <a:masterClrMapping/>
-  </p:clrMapOvr>
-</p:sld>
-</file>
-
-<file path=ppt/slides/slide8.xml><?xml version="1.0" encoding="utf-8"?>
-<p:sld xmlns:a="http://schemas.openxmlformats.org/drawingml/2006/main" xmlns:r="http://schemas.openxmlformats.org/officeDocument/2006/relationships" xmlns:p="http://schemas.openxmlformats.org/presentationml/2006/main">
-  <p:cSld>
-    <p:spTree>
-      <p:nvGrpSpPr>
-        <p:cNvPr id="1" name=""/>
-        <p:cNvGrpSpPr/>
-        <p:nvPr/>
-      </p:nvGrpSpPr>
-      <p:grpSpPr>
-        <a:xfrm>
-          <a:off x="0" y="0"/>
-          <a:ext cx="0" cy="0"/>
-          <a:chOff x="0" y="0"/>
-          <a:chExt cx="0" cy="0"/>
-        </a:xfrm>
-      </p:grpSpPr>
-      <p:sp>
-        <p:nvSpPr>
-          <p:cNvPr id="14338" name="Titre 1"/>
-          <p:cNvSpPr>
-            <a:spLocks noGrp="1"/>
-          </p:cNvSpPr>
-          <p:nvPr>
-            <p:ph type="title"/>
-          </p:nvPr>
-        </p:nvSpPr>
-        <p:spPr/>
-        <p:txBody>
-          <a:bodyPr/>
-          <a:lstStyle/>
-          <a:p>
-            <a:r>
-              <a:rPr lang="fr-FR" altLang="fr-FR" smtClean="0"/>
-              <a:t>Portabilité des base de données</a:t>
-            </a:r>
-          </a:p>
-        </p:txBody>
-      </p:sp>
-      <p:sp>
-        <p:nvSpPr>
-          <p:cNvPr id="14339" name="Espace réservé du contenu 2"/>
-          <p:cNvSpPr>
-            <a:spLocks noGrp="1"/>
-          </p:cNvSpPr>
-          <p:nvPr>
-            <p:ph idx="1"/>
-          </p:nvPr>
-        </p:nvSpPr>
-        <p:spPr/>
-        <p:txBody>
-          <a:bodyPr/>
-          <a:lstStyle/>
-          <a:p>
-            <a:endParaRPr lang="fr-FR" altLang="fr-FR" smtClean="0"/>
-          </a:p>
-        </p:txBody>
-      </p:sp>
-      <p:pic>
-        <p:nvPicPr>
-          <p:cNvPr id="14340" name="Image 3"/>
-          <p:cNvPicPr>
-            <a:picLocks noChangeAspect="1"/>
-          </p:cNvPicPr>
-          <p:nvPr/>
-        </p:nvPicPr>
-        <p:blipFill>
-          <a:blip r:embed="rId2">
-            <a:extLst>
-              <a:ext uri="{28A0092B-C50C-407E-A947-70E740481C1C}">
-                <a14:useLocalDpi xmlns:a14="http://schemas.microsoft.com/office/drawing/2010/main" val="0"/>
-              </a:ext>
-            </a:extLst>
-          </a:blip>
-          <a:srcRect/>
-          <a:stretch>
-            <a:fillRect/>
-          </a:stretch>
-        </p:blipFill>
-        <p:spPr bwMode="auto">
-          <a:xfrm>
-            <a:off x="107950" y="1700213"/>
-            <a:ext cx="8920163" cy="3762375"/>
-          </a:xfrm>
-          <a:prstGeom prst="rect">
-            <a:avLst/>
-          </a:prstGeom>
-          <a:noFill/>
-          <a:ln>
-            <a:noFill/>
-          </a:ln>
-          <a:extLst>
-            <a:ext uri="{909E8E84-426E-40DD-AFC4-6F175D3DCCD1}">
-              <a14:hiddenFill xmlns:a14="http://schemas.microsoft.com/office/drawing/2010/main">
-                <a:solidFill>
-                  <a:srgbClr val="FFFFFF"/>
-                </a:solidFill>
-              </a14:hiddenFill>
-            </a:ext>
-            <a:ext uri="{91240B29-F687-4F45-9708-019B960494DF}">
-              <a14:hiddenLine xmlns:a14="http://schemas.microsoft.com/office/drawing/2010/main" w="9525">
-                <a:solidFill>
-                  <a:srgbClr val="000000"/>
-                </a:solidFill>
-                <a:miter lim="800000"/>
-                <a:headEnd/>
-                <a:tailEnd/>
-              </a14:hiddenLine>
-            </a:ext>
-          </a:extLst>
-        </p:spPr>
-      </p:pic>
-    </p:spTree>
-  </p:cSld>
-  <p:clrMapOvr>
-    <a:masterClrMapping/>
-  </p:clrMapOvr>
-</p:sld>
-</file>
-
-<file path=ppt/slides/slide9.xml><?xml version="1.0" encoding="utf-8"?>
-<p:sld xmlns:a="http://schemas.openxmlformats.org/drawingml/2006/main" xmlns:r="http://schemas.openxmlformats.org/officeDocument/2006/relationships" xmlns:p="http://schemas.openxmlformats.org/presentationml/2006/main">
-  <p:cSld>
-    <p:spTree>
-      <p:nvGrpSpPr>
-        <p:cNvPr id="1" name=""/>
-        <p:cNvGrpSpPr/>
-        <p:nvPr/>
-      </p:nvGrpSpPr>
-      <p:grpSpPr>
-        <a:xfrm>
-          <a:off x="0" y="0"/>
-          <a:ext cx="0" cy="0"/>
-          <a:chOff x="0" y="0"/>
-          <a:chExt cx="0" cy="0"/>
-        </a:xfrm>
-      </p:grpSpPr>
-      <p:sp>
-        <p:nvSpPr>
-          <p:cNvPr id="15362" name="Titre 1"/>
-          <p:cNvSpPr>
-            <a:spLocks noGrp="1"/>
-          </p:cNvSpPr>
-          <p:nvPr>
-            <p:ph type="title"/>
-          </p:nvPr>
-        </p:nvSpPr>
-        <p:spPr/>
-        <p:txBody>
-          <a:bodyPr/>
-          <a:lstStyle/>
-          <a:p>
-            <a:r>
-              <a:rPr lang="fr-FR" altLang="fr-FR" smtClean="0"/>
-              <a:t>Entity</a:t>
-            </a:r>
-          </a:p>
-        </p:txBody>
-      </p:sp>
-      <p:sp>
-        <p:nvSpPr>
-          <p:cNvPr id="15363" name="Espace réservé du contenu 2"/>
-          <p:cNvSpPr>
-            <a:spLocks noGrp="1"/>
-          </p:cNvSpPr>
-          <p:nvPr>
-            <p:ph idx="1"/>
-          </p:nvPr>
-        </p:nvSpPr>
-        <p:spPr>
-          <a:xfrm>
-            <a:off x="611188" y="1916113"/>
-            <a:ext cx="3455987" cy="4114800"/>
-          </a:xfrm>
-        </p:spPr>
-        <p:txBody>
-          <a:bodyPr/>
-          <a:lstStyle/>
-          <a:p>
-            <a:r>
-              <a:rPr lang="fr-FR" altLang="fr-FR" smtClean="0"/>
-              <a:t>L’entité sauvegardé doit être une classe Entity annoté par @Entity</a:t>
-            </a:r>
-          </a:p>
-          <a:p>
-            <a:pPr lvl="1"/>
-            <a:r>
-              <a:rPr lang="fr-FR" altLang="fr-FR" smtClean="0"/>
-              <a:t>Lombok</a:t>
-            </a:r>
-          </a:p>
-        </p:txBody>
-      </p:sp>
-      <p:pic>
-        <p:nvPicPr>
-          <p:cNvPr id="15364" name="Image 3"/>
-          <p:cNvPicPr>
-            <a:picLocks noChangeAspect="1"/>
-          </p:cNvPicPr>
-          <p:nvPr/>
-        </p:nvPicPr>
-        <p:blipFill>
-          <a:blip r:embed="rId2">
-            <a:extLst>
-              <a:ext uri="{28A0092B-C50C-407E-A947-70E740481C1C}">
-                <a14:useLocalDpi xmlns:a14="http://schemas.microsoft.com/office/drawing/2010/main" val="0"/>
-              </a:ext>
-            </a:extLst>
-          </a:blip>
-          <a:srcRect/>
-          <a:stretch>
-            <a:fillRect/>
-          </a:stretch>
-        </p:blipFill>
-        <p:spPr bwMode="auto">
-          <a:xfrm>
-            <a:off x="4284663" y="1682750"/>
-            <a:ext cx="4886325" cy="4581525"/>
-          </a:xfrm>
-          <a:prstGeom prst="rect">
-            <a:avLst/>
-          </a:prstGeom>
-          <a:noFill/>
-          <a:ln>
-            <a:noFill/>
-          </a:ln>
-          <a:extLst>
-            <a:ext uri="{909E8E84-426E-40DD-AFC4-6F175D3DCCD1}">
-              <a14:hiddenFill xmlns:a14="http://schemas.microsoft.com/office/drawing/2010/main">
-                <a:solidFill>
-                  <a:srgbClr val="FFFFFF"/>
-                </a:solidFill>
-              </a14:hiddenFill>
-            </a:ext>
-            <a:ext uri="{91240B29-F687-4F45-9708-019B960494DF}">
-              <a14:hiddenLine xmlns:a14="http://schemas.microsoft.com/office/drawing/2010/main" w="9525">
-                <a:solidFill>
-                  <a:srgbClr val="000000"/>
-                </a:solidFill>
-                <a:miter lim="800000"/>
-                <a:headEnd/>
-                <a:tailEnd/>
-              </a14:hiddenLine>
-            </a:ext>
-          </a:extLst>
-        </p:spPr>
-      </p:pic>
     </p:spTree>
   </p:cSld>
   <p:clrMapOvr>
